--- a/Gov_templates/Customized_animation.pptx
+++ b/Gov_templates/Customized_animation.pptx
@@ -105,7 +105,27 @@
       </a:defRPr>
     </a:lvl9pPr>
   </p:defaultTextStyle>
+  <p:extLst>
+    <p:ext uri="{EFAFB233-063F-42B5-8137-9DF3F51BA10A}">
+      <p15:sldGuideLst xmlns:p15="http://schemas.microsoft.com/office/powerpoint/2012/main">
+        <p15:guide id="1" orient="horz" pos="2160">
+          <p15:clr>
+            <a:srgbClr val="A4A3A4"/>
+          </p15:clr>
+        </p15:guide>
+        <p15:guide id="2" pos="2880">
+          <p15:clr>
+            <a:srgbClr val="A4A3A4"/>
+          </p15:clr>
+        </p15:guide>
+      </p15:sldGuideLst>
+    </p:ext>
+  </p:extLst>
 </p:presentation>
+</file>
+
+<file path=ppt/revisionInfo.xml><?xml version="1.0" encoding="utf-8"?>
+<p1510:revInfo xmlns:a="http://schemas.openxmlformats.org/drawingml/2006/main" xmlns:r="http://schemas.openxmlformats.org/officeDocument/2006/relationships" xmlns:p1510="http://schemas.microsoft.com/office/powerpoint/2015/10/main"/>
 </file>
 
 <file path=ppt/slideLayouts/slideLayout1.xml><?xml version="1.0" encoding="utf-8"?>
@@ -146,10 +166,9 @@
           <a:lstStyle/>
           <a:p>
             <a:r>
-              <a:rPr lang="en-US" smtClean="0"/>
+              <a:rPr lang="en-US"/>
               <a:t>Click to edit Master title style</a:t>
             </a:r>
-            <a:endParaRPr lang="en-US"/>
           </a:p>
         </p:txBody>
       </p:sp>
@@ -265,10 +284,9 @@
           </a:lstStyle>
           <a:p>
             <a:r>
-              <a:rPr lang="en-US" smtClean="0"/>
+              <a:rPr lang="en-US"/>
               <a:t>Click to edit Master subtitle style</a:t>
             </a:r>
-            <a:endParaRPr lang="en-US"/>
           </a:p>
         </p:txBody>
       </p:sp>
@@ -380,10 +398,9 @@
           <a:lstStyle/>
           <a:p>
             <a:r>
-              <a:rPr lang="en-US" smtClean="0"/>
+              <a:rPr lang="en-US"/>
               <a:t>Click to edit Master title style</a:t>
             </a:r>
-            <a:endParaRPr lang="en-US"/>
           </a:p>
         </p:txBody>
       </p:sp>
@@ -404,38 +421,37 @@
           <a:p>
             <a:pPr lvl="0"/>
             <a:r>
-              <a:rPr lang="en-US" smtClean="0"/>
+              <a:rPr lang="en-US"/>
               <a:t>Click to edit Master text styles</a:t>
             </a:r>
           </a:p>
           <a:p>
             <a:pPr lvl="1"/>
             <a:r>
-              <a:rPr lang="en-US" smtClean="0"/>
+              <a:rPr lang="en-US"/>
               <a:t>Second level</a:t>
             </a:r>
           </a:p>
           <a:p>
             <a:pPr lvl="2"/>
             <a:r>
-              <a:rPr lang="en-US" smtClean="0"/>
+              <a:rPr lang="en-US"/>
               <a:t>Third level</a:t>
             </a:r>
           </a:p>
           <a:p>
             <a:pPr lvl="3"/>
             <a:r>
-              <a:rPr lang="en-US" smtClean="0"/>
+              <a:rPr lang="en-US"/>
               <a:t>Fourth level</a:t>
             </a:r>
           </a:p>
           <a:p>
             <a:pPr lvl="4"/>
             <a:r>
-              <a:rPr lang="en-US" smtClean="0"/>
+              <a:rPr lang="en-US"/>
               <a:t>Fifth level</a:t>
             </a:r>
-            <a:endParaRPr lang="en-US"/>
           </a:p>
         </p:txBody>
       </p:sp>
@@ -552,10 +568,9 @@
           <a:lstStyle/>
           <a:p>
             <a:r>
-              <a:rPr lang="en-US" smtClean="0"/>
+              <a:rPr lang="en-US"/>
               <a:t>Click to edit Master title style</a:t>
             </a:r>
-            <a:endParaRPr lang="en-US"/>
           </a:p>
         </p:txBody>
       </p:sp>
@@ -581,38 +596,37 @@
           <a:p>
             <a:pPr lvl="0"/>
             <a:r>
-              <a:rPr lang="en-US" smtClean="0"/>
+              <a:rPr lang="en-US"/>
               <a:t>Click to edit Master text styles</a:t>
             </a:r>
           </a:p>
           <a:p>
             <a:pPr lvl="1"/>
             <a:r>
-              <a:rPr lang="en-US" smtClean="0"/>
+              <a:rPr lang="en-US"/>
               <a:t>Second level</a:t>
             </a:r>
           </a:p>
           <a:p>
             <a:pPr lvl="2"/>
             <a:r>
-              <a:rPr lang="en-US" smtClean="0"/>
+              <a:rPr lang="en-US"/>
               <a:t>Third level</a:t>
             </a:r>
           </a:p>
           <a:p>
             <a:pPr lvl="3"/>
             <a:r>
-              <a:rPr lang="en-US" smtClean="0"/>
+              <a:rPr lang="en-US"/>
               <a:t>Fourth level</a:t>
             </a:r>
           </a:p>
           <a:p>
             <a:pPr lvl="4"/>
             <a:r>
-              <a:rPr lang="en-US" smtClean="0"/>
+              <a:rPr lang="en-US"/>
               <a:t>Fifth level</a:t>
             </a:r>
-            <a:endParaRPr lang="en-US"/>
           </a:p>
         </p:txBody>
       </p:sp>
@@ -724,10 +738,9 @@
           <a:lstStyle/>
           <a:p>
             <a:r>
-              <a:rPr lang="en-US" smtClean="0"/>
+              <a:rPr lang="en-US"/>
               <a:t>Click to edit Master title style</a:t>
             </a:r>
-            <a:endParaRPr lang="en-US"/>
           </a:p>
         </p:txBody>
       </p:sp>
@@ -748,38 +761,37 @@
           <a:p>
             <a:pPr lvl="0"/>
             <a:r>
-              <a:rPr lang="en-US" smtClean="0"/>
+              <a:rPr lang="en-US"/>
               <a:t>Click to edit Master text styles</a:t>
             </a:r>
           </a:p>
           <a:p>
             <a:pPr lvl="1"/>
             <a:r>
-              <a:rPr lang="en-US" smtClean="0"/>
+              <a:rPr lang="en-US"/>
               <a:t>Second level</a:t>
             </a:r>
           </a:p>
           <a:p>
             <a:pPr lvl="2"/>
             <a:r>
-              <a:rPr lang="en-US" smtClean="0"/>
+              <a:rPr lang="en-US"/>
               <a:t>Third level</a:t>
             </a:r>
           </a:p>
           <a:p>
             <a:pPr lvl="3"/>
             <a:r>
-              <a:rPr lang="en-US" smtClean="0"/>
+              <a:rPr lang="en-US"/>
               <a:t>Fourth level</a:t>
             </a:r>
           </a:p>
           <a:p>
             <a:pPr lvl="4"/>
             <a:r>
-              <a:rPr lang="en-US" smtClean="0"/>
+              <a:rPr lang="en-US"/>
               <a:t>Fifth level</a:t>
             </a:r>
-            <a:endParaRPr lang="en-US"/>
           </a:p>
         </p:txBody>
       </p:sp>
@@ -900,10 +912,9 @@
           </a:lstStyle>
           <a:p>
             <a:r>
-              <a:rPr lang="en-US" smtClean="0"/>
+              <a:rPr lang="en-US"/>
               <a:t>Click to edit Master title style</a:t>
             </a:r>
-            <a:endParaRPr lang="en-US"/>
           </a:p>
         </p:txBody>
       </p:sp>
@@ -1020,7 +1031,7 @@
           <a:p>
             <a:pPr lvl="0"/>
             <a:r>
-              <a:rPr lang="en-US" smtClean="0"/>
+              <a:rPr lang="en-US"/>
               <a:t>Click to edit Master text styles</a:t>
             </a:r>
           </a:p>
@@ -1134,10 +1145,9 @@
           <a:lstStyle/>
           <a:p>
             <a:r>
-              <a:rPr lang="en-US" smtClean="0"/>
+              <a:rPr lang="en-US"/>
               <a:t>Click to edit Master title style</a:t>
             </a:r>
-            <a:endParaRPr lang="en-US"/>
           </a:p>
         </p:txBody>
       </p:sp>
@@ -1191,38 +1201,37 @@
           <a:p>
             <a:pPr lvl="0"/>
             <a:r>
-              <a:rPr lang="en-US" smtClean="0"/>
+              <a:rPr lang="en-US"/>
               <a:t>Click to edit Master text styles</a:t>
             </a:r>
           </a:p>
           <a:p>
             <a:pPr lvl="1"/>
             <a:r>
-              <a:rPr lang="en-US" smtClean="0"/>
+              <a:rPr lang="en-US"/>
               <a:t>Second level</a:t>
             </a:r>
           </a:p>
           <a:p>
             <a:pPr lvl="2"/>
             <a:r>
-              <a:rPr lang="en-US" smtClean="0"/>
+              <a:rPr lang="en-US"/>
               <a:t>Third level</a:t>
             </a:r>
           </a:p>
           <a:p>
             <a:pPr lvl="3"/>
             <a:r>
-              <a:rPr lang="en-US" smtClean="0"/>
+              <a:rPr lang="en-US"/>
               <a:t>Fourth level</a:t>
             </a:r>
           </a:p>
           <a:p>
             <a:pPr lvl="4"/>
             <a:r>
-              <a:rPr lang="en-US" smtClean="0"/>
+              <a:rPr lang="en-US"/>
               <a:t>Fifth level</a:t>
             </a:r>
-            <a:endParaRPr lang="en-US"/>
           </a:p>
         </p:txBody>
       </p:sp>
@@ -1276,38 +1285,37 @@
           <a:p>
             <a:pPr lvl="0"/>
             <a:r>
-              <a:rPr lang="en-US" smtClean="0"/>
+              <a:rPr lang="en-US"/>
               <a:t>Click to edit Master text styles</a:t>
             </a:r>
           </a:p>
           <a:p>
             <a:pPr lvl="1"/>
             <a:r>
-              <a:rPr lang="en-US" smtClean="0"/>
+              <a:rPr lang="en-US"/>
               <a:t>Second level</a:t>
             </a:r>
           </a:p>
           <a:p>
             <a:pPr lvl="2"/>
             <a:r>
-              <a:rPr lang="en-US" smtClean="0"/>
+              <a:rPr lang="en-US"/>
               <a:t>Third level</a:t>
             </a:r>
           </a:p>
           <a:p>
             <a:pPr lvl="3"/>
             <a:r>
-              <a:rPr lang="en-US" smtClean="0"/>
+              <a:rPr lang="en-US"/>
               <a:t>Fourth level</a:t>
             </a:r>
           </a:p>
           <a:p>
             <a:pPr lvl="4"/>
             <a:r>
-              <a:rPr lang="en-US" smtClean="0"/>
+              <a:rPr lang="en-US"/>
               <a:t>Fifth level</a:t>
             </a:r>
-            <a:endParaRPr lang="en-US"/>
           </a:p>
         </p:txBody>
       </p:sp>
@@ -1423,10 +1431,9 @@
           </a:lstStyle>
           <a:p>
             <a:r>
-              <a:rPr lang="en-US" smtClean="0"/>
+              <a:rPr lang="en-US"/>
               <a:t>Click to edit Master title style</a:t>
             </a:r>
-            <a:endParaRPr lang="en-US"/>
           </a:p>
         </p:txBody>
       </p:sp>
@@ -1489,7 +1496,7 @@
           <a:p>
             <a:pPr lvl="0"/>
             <a:r>
-              <a:rPr lang="en-US" smtClean="0"/>
+              <a:rPr lang="en-US"/>
               <a:t>Click to edit Master text styles</a:t>
             </a:r>
           </a:p>
@@ -1545,38 +1552,37 @@
           <a:p>
             <a:pPr lvl="0"/>
             <a:r>
-              <a:rPr lang="en-US" smtClean="0"/>
+              <a:rPr lang="en-US"/>
               <a:t>Click to edit Master text styles</a:t>
             </a:r>
           </a:p>
           <a:p>
             <a:pPr lvl="1"/>
             <a:r>
-              <a:rPr lang="en-US" smtClean="0"/>
+              <a:rPr lang="en-US"/>
               <a:t>Second level</a:t>
             </a:r>
           </a:p>
           <a:p>
             <a:pPr lvl="2"/>
             <a:r>
-              <a:rPr lang="en-US" smtClean="0"/>
+              <a:rPr lang="en-US"/>
               <a:t>Third level</a:t>
             </a:r>
           </a:p>
           <a:p>
             <a:pPr lvl="3"/>
             <a:r>
-              <a:rPr lang="en-US" smtClean="0"/>
+              <a:rPr lang="en-US"/>
               <a:t>Fourth level</a:t>
             </a:r>
           </a:p>
           <a:p>
             <a:pPr lvl="4"/>
             <a:r>
-              <a:rPr lang="en-US" smtClean="0"/>
+              <a:rPr lang="en-US"/>
               <a:t>Fifth level</a:t>
             </a:r>
-            <a:endParaRPr lang="en-US"/>
           </a:p>
         </p:txBody>
       </p:sp>
@@ -1639,7 +1645,7 @@
           <a:p>
             <a:pPr lvl="0"/>
             <a:r>
-              <a:rPr lang="en-US" smtClean="0"/>
+              <a:rPr lang="en-US"/>
               <a:t>Click to edit Master text styles</a:t>
             </a:r>
           </a:p>
@@ -1695,38 +1701,37 @@
           <a:p>
             <a:pPr lvl="0"/>
             <a:r>
-              <a:rPr lang="en-US" smtClean="0"/>
+              <a:rPr lang="en-US"/>
               <a:t>Click to edit Master text styles</a:t>
             </a:r>
           </a:p>
           <a:p>
             <a:pPr lvl="1"/>
             <a:r>
-              <a:rPr lang="en-US" smtClean="0"/>
+              <a:rPr lang="en-US"/>
               <a:t>Second level</a:t>
             </a:r>
           </a:p>
           <a:p>
             <a:pPr lvl="2"/>
             <a:r>
-              <a:rPr lang="en-US" smtClean="0"/>
+              <a:rPr lang="en-US"/>
               <a:t>Third level</a:t>
             </a:r>
           </a:p>
           <a:p>
             <a:pPr lvl="3"/>
             <a:r>
-              <a:rPr lang="en-US" smtClean="0"/>
+              <a:rPr lang="en-US"/>
               <a:t>Fourth level</a:t>
             </a:r>
           </a:p>
           <a:p>
             <a:pPr lvl="4"/>
             <a:r>
-              <a:rPr lang="en-US" smtClean="0"/>
+              <a:rPr lang="en-US"/>
               <a:t>Fifth level</a:t>
             </a:r>
-            <a:endParaRPr lang="en-US"/>
           </a:p>
         </p:txBody>
       </p:sp>
@@ -1838,10 +1843,9 @@
           <a:lstStyle/>
           <a:p>
             <a:r>
-              <a:rPr lang="en-US" smtClean="0"/>
+              <a:rPr lang="en-US"/>
               <a:t>Click to edit Master title style</a:t>
             </a:r>
-            <a:endParaRPr lang="en-US"/>
           </a:p>
         </p:txBody>
       </p:sp>
@@ -2054,10 +2058,9 @@
           </a:lstStyle>
           <a:p>
             <a:r>
-              <a:rPr lang="en-US" smtClean="0"/>
+              <a:rPr lang="en-US"/>
               <a:t>Click to edit Master title style</a:t>
             </a:r>
-            <a:endParaRPr lang="en-US"/>
           </a:p>
         </p:txBody>
       </p:sp>
@@ -2111,38 +2114,37 @@
           <a:p>
             <a:pPr lvl="0"/>
             <a:r>
-              <a:rPr lang="en-US" smtClean="0"/>
+              <a:rPr lang="en-US"/>
               <a:t>Click to edit Master text styles</a:t>
             </a:r>
           </a:p>
           <a:p>
             <a:pPr lvl="1"/>
             <a:r>
-              <a:rPr lang="en-US" smtClean="0"/>
+              <a:rPr lang="en-US"/>
               <a:t>Second level</a:t>
             </a:r>
           </a:p>
           <a:p>
             <a:pPr lvl="2"/>
             <a:r>
-              <a:rPr lang="en-US" smtClean="0"/>
+              <a:rPr lang="en-US"/>
               <a:t>Third level</a:t>
             </a:r>
           </a:p>
           <a:p>
             <a:pPr lvl="3"/>
             <a:r>
-              <a:rPr lang="en-US" smtClean="0"/>
+              <a:rPr lang="en-US"/>
               <a:t>Fourth level</a:t>
             </a:r>
           </a:p>
           <a:p>
             <a:pPr lvl="4"/>
             <a:r>
-              <a:rPr lang="en-US" smtClean="0"/>
+              <a:rPr lang="en-US"/>
               <a:t>Fifth level</a:t>
             </a:r>
-            <a:endParaRPr lang="en-US"/>
           </a:p>
         </p:txBody>
       </p:sp>
@@ -2205,7 +2207,7 @@
           <a:p>
             <a:pPr lvl="0"/>
             <a:r>
-              <a:rPr lang="en-US" smtClean="0"/>
+              <a:rPr lang="en-US"/>
               <a:t>Click to edit Master text styles</a:t>
             </a:r>
           </a:p>
@@ -2328,10 +2330,9 @@
           </a:lstStyle>
           <a:p>
             <a:r>
-              <a:rPr lang="en-US" smtClean="0"/>
+              <a:rPr lang="en-US"/>
               <a:t>Click to edit Master title style</a:t>
             </a:r>
-            <a:endParaRPr lang="en-US"/>
           </a:p>
         </p:txBody>
       </p:sp>
@@ -2455,7 +2456,7 @@
           <a:p>
             <a:pPr lvl="0"/>
             <a:r>
-              <a:rPr lang="en-US" smtClean="0"/>
+              <a:rPr lang="en-US"/>
               <a:t>Click to edit Master text styles</a:t>
             </a:r>
           </a:p>
@@ -2584,10 +2585,9 @@
           <a:lstStyle/>
           <a:p>
             <a:r>
-              <a:rPr lang="en-US" smtClean="0"/>
+              <a:rPr lang="en-US"/>
               <a:t>Click to edit Master title style</a:t>
             </a:r>
-            <a:endParaRPr lang="en-US"/>
           </a:p>
         </p:txBody>
       </p:sp>
@@ -2618,38 +2618,37 @@
           <a:p>
             <a:pPr lvl="0"/>
             <a:r>
-              <a:rPr lang="en-US" smtClean="0"/>
+              <a:rPr lang="en-US"/>
               <a:t>Click to edit Master text styles</a:t>
             </a:r>
           </a:p>
           <a:p>
             <a:pPr lvl="1"/>
             <a:r>
-              <a:rPr lang="en-US" smtClean="0"/>
+              <a:rPr lang="en-US"/>
               <a:t>Second level</a:t>
             </a:r>
           </a:p>
           <a:p>
             <a:pPr lvl="2"/>
             <a:r>
-              <a:rPr lang="en-US" smtClean="0"/>
+              <a:rPr lang="en-US"/>
               <a:t>Third level</a:t>
             </a:r>
           </a:p>
           <a:p>
             <a:pPr lvl="3"/>
             <a:r>
-              <a:rPr lang="en-US" smtClean="0"/>
+              <a:rPr lang="en-US"/>
               <a:t>Fourth level</a:t>
             </a:r>
           </a:p>
           <a:p>
             <a:pPr lvl="4"/>
             <a:r>
-              <a:rPr lang="en-US" smtClean="0"/>
+              <a:rPr lang="en-US"/>
               <a:t>Fifth level</a:t>
             </a:r>
-            <a:endParaRPr lang="en-US"/>
           </a:p>
         </p:txBody>
       </p:sp>
@@ -3091,18 +3090,7 @@
                 <a:ea typeface="Calibri"/>
                 <a:cs typeface="Calibri" pitchFamily="34" charset="0"/>
               </a:rPr>
-              <a:t>SMART INDIA HACKATHON ‘</a:t>
-            </a:r>
-            <a:r>
-              <a:rPr lang="en-IN" sz="2000" b="1" spc="-1" dirty="0" smtClean="0">
-                <a:solidFill>
-                  <a:srgbClr val="000000"/>
-                </a:solidFill>
-                <a:latin typeface="Calibri" pitchFamily="34" charset="0"/>
-                <a:ea typeface="Calibri"/>
-                <a:cs typeface="Calibri" pitchFamily="34" charset="0"/>
-              </a:rPr>
-              <a:t>18</a:t>
+              <a:t>SMART INDIA HACKATHON ‘18</a:t>
             </a:r>
             <a:endParaRPr lang="en-US" sz="2000" dirty="0">
               <a:latin typeface="Calibri" pitchFamily="34" charset="0"/>
@@ -3160,7 +3148,7 @@
               <a:t>: Ministry of </a:t>
             </a:r>
             <a:r>
-              <a:rPr lang="en-IN" spc="-1" dirty="0" smtClean="0">
+              <a:rPr lang="en-IN" spc="-1" dirty="0">
                 <a:solidFill>
                   <a:srgbClr val="000000"/>
                 </a:solidFill>
@@ -3258,20 +3246,10 @@
                 <a:latin typeface="Calibri"/>
                 <a:ea typeface="Calibri"/>
               </a:rPr>
-              <a:t>:  </a:t>
-            </a:r>
-            <a:r>
-              <a:rPr lang="en-IN" sz="1800" b="0" strike="noStrike" spc="-1" dirty="0" smtClean="0">
-                <a:solidFill>
-                  <a:srgbClr val="000000"/>
-                </a:solidFill>
-                <a:latin typeface="Calibri"/>
-                <a:ea typeface="Calibri"/>
-              </a:rPr>
-              <a:t>#</a:t>
-            </a:r>
-            <a:r>
-              <a:rPr lang="en-IN" spc="-1" dirty="0" smtClean="0">
+              <a:t>:  #</a:t>
+            </a:r>
+            <a:r>
+              <a:rPr lang="en-IN" spc="-1" dirty="0">
                 <a:solidFill>
                   <a:srgbClr val="000000"/>
                 </a:solidFill>
@@ -3288,27 +3266,7 @@
                 <a:latin typeface="Calibri"/>
                 <a:ea typeface="Calibri"/>
               </a:rPr>
-              <a:t>			</a:t>
-            </a:r>
-            <a:r>
-              <a:rPr lang="en-IN" sz="1800" b="0" strike="noStrike" spc="-1" dirty="0" smtClean="0">
-                <a:solidFill>
-                  <a:srgbClr val="000000"/>
-                </a:solidFill>
-                <a:latin typeface="Calibri"/>
-                <a:ea typeface="Calibri"/>
-              </a:rPr>
-              <a:t>         </a:t>
-            </a:r>
-            <a:r>
-              <a:rPr lang="en-IN" sz="1800" b="1" strike="noStrike" spc="-1" dirty="0" smtClean="0">
-                <a:solidFill>
-                  <a:srgbClr val="000000"/>
-                </a:solidFill>
-                <a:latin typeface="Calibri"/>
-                <a:ea typeface="Calibri"/>
-              </a:rPr>
-              <a:t>Team </a:t>
+              <a:t>			         </a:t>
             </a:r>
             <a:r>
               <a:rPr lang="en-IN" sz="1800" b="1" strike="noStrike" spc="-1" dirty="0">
@@ -3318,7 +3276,7 @@
                 <a:latin typeface="Calibri"/>
                 <a:ea typeface="Calibri"/>
               </a:rPr>
-              <a:t>Name:  X-GEN</a:t>
+              <a:t>Team Name:  X-GEN</a:t>
             </a:r>
             <a:endParaRPr lang="en-IN" sz="1800" b="0" strike="noStrike" spc="-1" dirty="0">
               <a:solidFill>
@@ -3354,20 +3312,10 @@
                 <a:latin typeface="Calibri"/>
                 <a:ea typeface="Calibri"/>
               </a:rPr>
-              <a:t>: Akshata  Jahagirdar	</a:t>
-            </a:r>
-            <a:r>
-              <a:rPr lang="en-IN" sz="1800" b="0" strike="noStrike" spc="-1" dirty="0" smtClean="0">
-                <a:solidFill>
-                  <a:srgbClr val="000000"/>
-                </a:solidFill>
-                <a:latin typeface="Calibri"/>
-                <a:ea typeface="Calibri"/>
-              </a:rPr>
-              <a:t>         </a:t>
-            </a:r>
-            <a:r>
-              <a:rPr lang="en-IN" sz="1800" b="1" strike="noStrike" spc="-1" dirty="0" smtClean="0">
+              <a:t>: Akshata  Jahagirdar	         </a:t>
+            </a:r>
+            <a:r>
+              <a:rPr lang="en-IN" sz="1800" b="1" strike="noStrike" spc="-1" dirty="0">
                 <a:solidFill>
                   <a:srgbClr val="000000"/>
                 </a:solidFill>
@@ -3377,7 +3325,7 @@
               <a:t>College Code</a:t>
             </a:r>
             <a:r>
-              <a:rPr lang="en-IN" sz="1800" b="0" strike="noStrike" spc="-1" dirty="0" smtClean="0">
+              <a:rPr lang="en-IN" sz="1800" b="0" strike="noStrike" spc="-1" dirty="0">
                 <a:solidFill>
                   <a:srgbClr val="000000"/>
                 </a:solidFill>
@@ -3418,37 +3366,36 @@
           <a:lstStyle/>
           <a:p>
             <a:r>
-              <a:rPr lang="en-IN" sz="1800" dirty="0" smtClean="0"/>
+              <a:rPr lang="en-IN" sz="1800" dirty="0"/>
               <a:t>A server with database consisting of images, timestamps (IST and GMT) and name of the satellite.</a:t>
             </a:r>
           </a:p>
           <a:p>
             <a:r>
-              <a:rPr lang="en-IN" sz="1800" dirty="0" smtClean="0"/>
+              <a:rPr lang="en-IN" sz="1800" dirty="0"/>
               <a:t>The encoding of the images for animation is done using open source encoders with flexibility of adjusting the frame rate as per the user requirement. </a:t>
             </a:r>
           </a:p>
           <a:p>
             <a:r>
-              <a:rPr lang="en-IN" sz="1800" dirty="0" smtClean="0"/>
+              <a:rPr lang="en-IN" sz="1800" dirty="0"/>
               <a:t>The workers are spawned as the end user requests the service . These workers will encode the images in runtime with the desired frame-rates and resolution as per suitable algorithm.</a:t>
             </a:r>
           </a:p>
           <a:p>
             <a:r>
               <a:rPr lang="en-IN" sz="1800" dirty="0"/>
-              <a:t>The secondary server acts as a link between end user and worker. </a:t>
-            </a:r>
-            <a:r>
-              <a:rPr lang="en-IN" sz="1800" dirty="0" smtClean="0"/>
-              <a:t>It authenticates the user. The worker sends the encoded live stream to the secondary server. The end user can access the live stream  from the secondary server as per requirement sent previously.  </a:t>
-            </a:r>
-          </a:p>
-          <a:p>
-            <a:r>
-              <a:rPr lang="en-IN" sz="1800" dirty="0" smtClean="0"/>
-              <a:t>The secondary server protects the IP address of the worker thereby providing security. This server also caches the previously encoded video of most frequently used speed and resolution.</a:t>
-            </a:r>
+              <a:t>The web server authenticates the user. The worker sends the encoded live stream to the web  server. The end user can access the live stream  from the webserver as per requirement sent previously.  </a:t>
+            </a:r>
+          </a:p>
+          <a:p>
+            <a:r>
+              <a:rPr lang="en-IN" sz="1800" dirty="0"/>
+              <a:t>This web server also caches the previously encoded video of most frequently used speed and resolution.</a:t>
+            </a:r>
+          </a:p>
+          <a:p>
+            <a:endParaRPr lang="en-IN" sz="1800" dirty="0"/>
           </a:p>
         </p:txBody>
       </p:sp>
@@ -3561,7 +3508,7 @@
           <a:lstStyle/>
           <a:p>
             <a:r>
-              <a:rPr lang="en-IN" sz="2000" b="1" dirty="0" smtClean="0"/>
+              <a:rPr lang="en-IN" sz="2000" b="1" dirty="0"/>
               <a:t>TECHNOLOGY STACK</a:t>
             </a:r>
             <a:endParaRPr lang="en-US" sz="2000" b="1" dirty="0"/>
@@ -3591,26 +3538,31 @@
           <a:lstStyle/>
           <a:p>
             <a:r>
-              <a:rPr lang="en-IN" sz="1800" dirty="0" smtClean="0"/>
+              <a:rPr lang="en-IN" sz="1800" dirty="0"/>
               <a:t>Open source encoders like VP9</a:t>
             </a:r>
           </a:p>
           <a:p>
             <a:r>
-              <a:rPr lang="en-IN" sz="1800" dirty="0" smtClean="0"/>
+              <a:rPr lang="en-IN" sz="1800" dirty="0"/>
               <a:t>Browser based front end client</a:t>
             </a:r>
           </a:p>
           <a:p>
             <a:r>
-              <a:rPr lang="en-IN" sz="1800" dirty="0" smtClean="0"/>
-              <a:t>Database: MySQL</a:t>
-            </a:r>
-          </a:p>
-          <a:p>
-            <a:r>
-              <a:rPr lang="en-IN" sz="1800" dirty="0" smtClean="0"/>
-              <a:t>Languages used: Python</a:t>
+              <a:rPr lang="en-IN" sz="1800" dirty="0"/>
+              <a:t>Database: </a:t>
+            </a:r>
+            <a:r>
+              <a:rPr lang="en-IN" sz="1800" dirty="0" err="1"/>
+              <a:t>PostgresSQL</a:t>
+            </a:r>
+            <a:endParaRPr lang="en-IN" sz="1800" dirty="0"/>
+          </a:p>
+          <a:p>
+            <a:r>
+              <a:rPr lang="en-IN" sz="1800" dirty="0"/>
+              <a:t>Languages used: Python for web interface, Rust/Go for encoders</a:t>
             </a:r>
             <a:endParaRPr lang="en-US" sz="1800" dirty="0"/>
           </a:p>
@@ -3655,7 +3607,7 @@
           </a:lstStyle>
           <a:p>
             <a:r>
-              <a:rPr lang="en-IN" sz="2000" b="1" dirty="0" smtClean="0"/>
+              <a:rPr lang="en-IN" sz="2000" b="1" dirty="0"/>
               <a:t>DEPENDENCIES/SHOW-STOPPERS</a:t>
             </a:r>
             <a:endParaRPr lang="en-US" sz="2000" b="1" dirty="0"/>
@@ -3689,8 +3641,8 @@
               <a:buChar char="•"/>
             </a:pPr>
             <a:r>
-              <a:rPr lang="en-IN" dirty="0" smtClean="0"/>
-              <a:t>Query processing in database should be fast.</a:t>
+              <a:rPr lang="en-IN" dirty="0"/>
+              <a:t>The encoders should be able to smoothly encode in real-time without any losses and delay.</a:t>
             </a:r>
           </a:p>
           <a:p>
@@ -3699,8 +3651,8 @@
               <a:buChar char="•"/>
             </a:pPr>
             <a:r>
-              <a:rPr lang="en-IN" dirty="0" smtClean="0"/>
-              <a:t>The encoders should be able to smoothly encode in real-time without any losses and delay.</a:t>
+              <a:rPr lang="en-IN" dirty="0"/>
+              <a:t>Fast network/filesystem interface from workers/where the images are stored.</a:t>
             </a:r>
           </a:p>
         </p:txBody>

--- a/Gov_templates/Customized_animation.pptx
+++ b/Gov_templates/Customized_animation.pptx
@@ -7,6 +7,7 @@
   <p:sldIdLst>
     <p:sldId id="256" r:id="rId2"/>
     <p:sldId id="257" r:id="rId3"/>
+    <p:sldId id="258" r:id="rId4"/>
   </p:sldIdLst>
   <p:sldSz cx="9144000" cy="6858000" type="screen4x3"/>
   <p:notesSz cx="6858000" cy="9144000"/>
@@ -107,7 +108,7 @@
   </p:defaultTextStyle>
   <p:extLst>
     <p:ext uri="{EFAFB233-063F-42B5-8137-9DF3F51BA10A}">
-      <p15:sldGuideLst xmlns:p15="http://schemas.microsoft.com/office/powerpoint/2012/main">
+      <p15:sldGuideLst xmlns="" xmlns:p15="http://schemas.microsoft.com/office/powerpoint/2012/main">
         <p15:guide id="1" orient="horz" pos="2160">
           <p15:clr>
             <a:srgbClr val="A4A3A4"/>
@@ -308,7 +309,7 @@
             <a:fld id="{1D8BD707-D9CF-40AE-B4C6-C98DA3205C09}" type="datetimeFigureOut">
               <a:rPr lang="en-US" smtClean="0"/>
               <a:pPr/>
-              <a:t>12/30/2017</a:t>
+              <a:t>12/31/2017</a:t>
             </a:fld>
             <a:endParaRPr lang="en-US"/>
           </a:p>
@@ -473,7 +474,7 @@
             <a:fld id="{1D8BD707-D9CF-40AE-B4C6-C98DA3205C09}" type="datetimeFigureOut">
               <a:rPr lang="en-US" smtClean="0"/>
               <a:pPr/>
-              <a:t>12/30/2017</a:t>
+              <a:t>12/31/2017</a:t>
             </a:fld>
             <a:endParaRPr lang="en-US"/>
           </a:p>
@@ -648,7 +649,7 @@
             <a:fld id="{1D8BD707-D9CF-40AE-B4C6-C98DA3205C09}" type="datetimeFigureOut">
               <a:rPr lang="en-US" smtClean="0"/>
               <a:pPr/>
-              <a:t>12/30/2017</a:t>
+              <a:t>12/31/2017</a:t>
             </a:fld>
             <a:endParaRPr lang="en-US"/>
           </a:p>
@@ -813,7 +814,7 @@
             <a:fld id="{1D8BD707-D9CF-40AE-B4C6-C98DA3205C09}" type="datetimeFigureOut">
               <a:rPr lang="en-US" smtClean="0"/>
               <a:pPr/>
-              <a:t>12/30/2017</a:t>
+              <a:t>12/31/2017</a:t>
             </a:fld>
             <a:endParaRPr lang="en-US"/>
           </a:p>
@@ -1055,7 +1056,7 @@
             <a:fld id="{1D8BD707-D9CF-40AE-B4C6-C98DA3205C09}" type="datetimeFigureOut">
               <a:rPr lang="en-US" smtClean="0"/>
               <a:pPr/>
-              <a:t>12/30/2017</a:t>
+              <a:t>12/31/2017</a:t>
             </a:fld>
             <a:endParaRPr lang="en-US"/>
           </a:p>
@@ -1337,7 +1338,7 @@
             <a:fld id="{1D8BD707-D9CF-40AE-B4C6-C98DA3205C09}" type="datetimeFigureOut">
               <a:rPr lang="en-US" smtClean="0"/>
               <a:pPr/>
-              <a:t>12/30/2017</a:t>
+              <a:t>12/31/2017</a:t>
             </a:fld>
             <a:endParaRPr lang="en-US"/>
           </a:p>
@@ -1753,7 +1754,7 @@
             <a:fld id="{1D8BD707-D9CF-40AE-B4C6-C98DA3205C09}" type="datetimeFigureOut">
               <a:rPr lang="en-US" smtClean="0"/>
               <a:pPr/>
-              <a:t>12/30/2017</a:t>
+              <a:t>12/31/2017</a:t>
             </a:fld>
             <a:endParaRPr lang="en-US"/>
           </a:p>
@@ -1867,7 +1868,7 @@
             <a:fld id="{1D8BD707-D9CF-40AE-B4C6-C98DA3205C09}" type="datetimeFigureOut">
               <a:rPr lang="en-US" smtClean="0"/>
               <a:pPr/>
-              <a:t>12/30/2017</a:t>
+              <a:t>12/31/2017</a:t>
             </a:fld>
             <a:endParaRPr lang="en-US"/>
           </a:p>
@@ -1959,7 +1960,7 @@
             <a:fld id="{1D8BD707-D9CF-40AE-B4C6-C98DA3205C09}" type="datetimeFigureOut">
               <a:rPr lang="en-US" smtClean="0"/>
               <a:pPr/>
-              <a:t>12/30/2017</a:t>
+              <a:t>12/31/2017</a:t>
             </a:fld>
             <a:endParaRPr lang="en-US"/>
           </a:p>
@@ -2231,7 +2232,7 @@
             <a:fld id="{1D8BD707-D9CF-40AE-B4C6-C98DA3205C09}" type="datetimeFigureOut">
               <a:rPr lang="en-US" smtClean="0"/>
               <a:pPr/>
-              <a:t>12/30/2017</a:t>
+              <a:t>12/31/2017</a:t>
             </a:fld>
             <a:endParaRPr lang="en-US"/>
           </a:p>
@@ -2480,7 +2481,7 @@
             <a:fld id="{1D8BD707-D9CF-40AE-B4C6-C98DA3205C09}" type="datetimeFigureOut">
               <a:rPr lang="en-US" smtClean="0"/>
               <a:pPr/>
-              <a:t>12/30/2017</a:t>
+              <a:t>12/31/2017</a:t>
             </a:fld>
             <a:endParaRPr lang="en-US"/>
           </a:p>
@@ -2688,7 +2689,7 @@
             <a:fld id="{1D8BD707-D9CF-40AE-B4C6-C98DA3205C09}" type="datetimeFigureOut">
               <a:rPr lang="en-US" smtClean="0"/>
               <a:pPr/>
-              <a:t>12/30/2017</a:t>
+              <a:t>12/31/2017</a:t>
             </a:fld>
             <a:endParaRPr lang="en-US"/>
           </a:p>
@@ -3554,8 +3555,8 @@
               <a:t>Database: </a:t>
             </a:r>
             <a:r>
-              <a:rPr lang="en-IN" sz="1800" dirty="0" err="1"/>
-              <a:t>PostgresSQL</a:t>
+              <a:rPr lang="en-IN" sz="1800" dirty="0" err="1" smtClean="0"/>
+              <a:t>PostgreSQL</a:t>
             </a:r>
             <a:endParaRPr lang="en-IN" sz="1800" dirty="0"/>
           </a:p>
@@ -3661,6 +3662,1142 @@
     <p:extLst>
       <p:ext uri="{BB962C8B-B14F-4D97-AF65-F5344CB8AC3E}">
         <p14:creationId xmlns:p14="http://schemas.microsoft.com/office/powerpoint/2010/main" val="1210369316"/>
+      </p:ext>
+    </p:extLst>
+  </p:cSld>
+  <p:clrMapOvr>
+    <a:masterClrMapping/>
+  </p:clrMapOvr>
+</p:sld>
+</file>
+
+<file path=ppt/slides/slide3.xml><?xml version="1.0" encoding="utf-8"?>
+<p:sld xmlns:a="http://schemas.openxmlformats.org/drawingml/2006/main" xmlns:r="http://schemas.openxmlformats.org/officeDocument/2006/relationships" xmlns:p="http://schemas.openxmlformats.org/presentationml/2006/main">
+  <p:cSld>
+    <p:spTree>
+      <p:nvGrpSpPr>
+        <p:cNvPr id="1" name=""/>
+        <p:cNvGrpSpPr/>
+        <p:nvPr/>
+      </p:nvGrpSpPr>
+      <p:grpSpPr>
+        <a:xfrm>
+          <a:off x="0" y="0"/>
+          <a:ext cx="0" cy="0"/>
+          <a:chOff x="0" y="0"/>
+          <a:chExt cx="0" cy="0"/>
+        </a:xfrm>
+      </p:grpSpPr>
+      <p:sp>
+        <p:nvSpPr>
+          <p:cNvPr id="4" name="TextBox 3"/>
+          <p:cNvSpPr txBox="1"/>
+          <p:nvPr/>
+        </p:nvSpPr>
+        <p:spPr>
+          <a:xfrm>
+            <a:off x="457200" y="228600"/>
+            <a:ext cx="2667000" cy="369332"/>
+          </a:xfrm>
+          <a:prstGeom prst="rect">
+            <a:avLst/>
+          </a:prstGeom>
+          <a:noFill/>
+        </p:spPr>
+        <p:txBody>
+          <a:bodyPr wrap="square" rtlCol="0">
+            <a:spAutoFit/>
+          </a:bodyPr>
+          <a:lstStyle/>
+          <a:p>
+            <a:r>
+              <a:rPr lang="en-IN" dirty="0" smtClean="0"/>
+              <a:t>Pre-processing </a:t>
+            </a:r>
+            <a:endParaRPr lang="en-US" dirty="0"/>
+          </a:p>
+        </p:txBody>
+      </p:sp>
+      <p:sp>
+        <p:nvSpPr>
+          <p:cNvPr id="5" name="Rectangle 4"/>
+          <p:cNvSpPr/>
+          <p:nvPr/>
+        </p:nvSpPr>
+        <p:spPr>
+          <a:xfrm>
+            <a:off x="436418" y="762000"/>
+            <a:ext cx="1981200" cy="838200"/>
+          </a:xfrm>
+          <a:prstGeom prst="rect">
+            <a:avLst/>
+          </a:prstGeom>
+        </p:spPr>
+        <p:style>
+          <a:lnRef idx="2">
+            <a:schemeClr val="dk1"/>
+          </a:lnRef>
+          <a:fillRef idx="1">
+            <a:schemeClr val="lt1"/>
+          </a:fillRef>
+          <a:effectRef idx="0">
+            <a:schemeClr val="dk1"/>
+          </a:effectRef>
+          <a:fontRef idx="minor">
+            <a:schemeClr val="dk1"/>
+          </a:fontRef>
+        </p:style>
+        <p:txBody>
+          <a:bodyPr rtlCol="0" anchor="ctr"/>
+          <a:lstStyle/>
+          <a:p>
+            <a:pPr algn="ctr"/>
+            <a:r>
+              <a:rPr lang="en-IN" sz="1600" dirty="0" smtClean="0"/>
+              <a:t>Images are added in database according to name of satellite</a:t>
+            </a:r>
+            <a:endParaRPr lang="en-US" sz="1600" dirty="0"/>
+          </a:p>
+        </p:txBody>
+      </p:sp>
+      <p:sp>
+        <p:nvSpPr>
+          <p:cNvPr id="6" name="Rectangle 5"/>
+          <p:cNvSpPr/>
+          <p:nvPr/>
+        </p:nvSpPr>
+        <p:spPr>
+          <a:xfrm>
+            <a:off x="436417" y="1905000"/>
+            <a:ext cx="2447059" cy="990600"/>
+          </a:xfrm>
+          <a:prstGeom prst="rect">
+            <a:avLst/>
+          </a:prstGeom>
+        </p:spPr>
+        <p:style>
+          <a:lnRef idx="2">
+            <a:schemeClr val="dk1"/>
+          </a:lnRef>
+          <a:fillRef idx="1">
+            <a:schemeClr val="lt1"/>
+          </a:fillRef>
+          <a:effectRef idx="0">
+            <a:schemeClr val="dk1"/>
+          </a:effectRef>
+          <a:fontRef idx="minor">
+            <a:schemeClr val="dk1"/>
+          </a:fontRef>
+        </p:style>
+        <p:txBody>
+          <a:bodyPr rtlCol="0" anchor="ctr"/>
+          <a:lstStyle/>
+          <a:p>
+            <a:r>
+              <a:rPr lang="en-IN" sz="1600" dirty="0" smtClean="0"/>
+              <a:t>The images are pre-processed using multi-resolution VP9 encoder by the pre-processing worker</a:t>
+            </a:r>
+            <a:endParaRPr lang="en-US" sz="1600" dirty="0"/>
+          </a:p>
+        </p:txBody>
+      </p:sp>
+      <p:sp>
+        <p:nvSpPr>
+          <p:cNvPr id="8" name="Rectangle 7"/>
+          <p:cNvSpPr/>
+          <p:nvPr/>
+        </p:nvSpPr>
+        <p:spPr>
+          <a:xfrm>
+            <a:off x="436418" y="3093026"/>
+            <a:ext cx="2230582" cy="1091911"/>
+          </a:xfrm>
+          <a:prstGeom prst="rect">
+            <a:avLst/>
+          </a:prstGeom>
+        </p:spPr>
+        <p:style>
+          <a:lnRef idx="2">
+            <a:schemeClr val="dk1"/>
+          </a:lnRef>
+          <a:fillRef idx="1">
+            <a:schemeClr val="lt1"/>
+          </a:fillRef>
+          <a:effectRef idx="0">
+            <a:schemeClr val="dk1"/>
+          </a:effectRef>
+          <a:fontRef idx="minor">
+            <a:schemeClr val="dk1"/>
+          </a:fontRef>
+        </p:style>
+        <p:txBody>
+          <a:bodyPr rtlCol="0" anchor="ctr"/>
+          <a:lstStyle/>
+          <a:p>
+            <a:pPr algn="ctr"/>
+            <a:r>
+              <a:rPr lang="en-IN" sz="1600" dirty="0" smtClean="0"/>
+              <a:t>The addresses of the frame are </a:t>
+            </a:r>
+            <a:r>
+              <a:rPr lang="en-IN" sz="1600" dirty="0" smtClean="0"/>
+              <a:t>stored and frame is appended to existing </a:t>
+            </a:r>
+            <a:r>
+              <a:rPr lang="en-IN" sz="1600" dirty="0" smtClean="0"/>
+              <a:t>in .</a:t>
+            </a:r>
+            <a:r>
+              <a:rPr lang="en-IN" sz="1600" dirty="0" err="1" smtClean="0"/>
+              <a:t>mov</a:t>
+            </a:r>
+            <a:r>
+              <a:rPr lang="en-IN" sz="1600" dirty="0" smtClean="0"/>
+              <a:t> format</a:t>
+            </a:r>
+            <a:r>
+              <a:rPr lang="en-IN" sz="1600" dirty="0" smtClean="0"/>
+              <a:t>.</a:t>
+            </a:r>
+            <a:endParaRPr lang="en-US" sz="1600" dirty="0"/>
+          </a:p>
+        </p:txBody>
+      </p:sp>
+      <p:cxnSp>
+        <p:nvCxnSpPr>
+          <p:cNvPr id="10" name="Straight Arrow Connector 9"/>
+          <p:cNvCxnSpPr>
+            <a:stCxn id="5" idx="2"/>
+          </p:cNvCxnSpPr>
+          <p:nvPr/>
+        </p:nvCxnSpPr>
+        <p:spPr>
+          <a:xfrm>
+            <a:off x="1427018" y="1600200"/>
+            <a:ext cx="0" cy="304800"/>
+          </a:xfrm>
+          <a:prstGeom prst="straightConnector1">
+            <a:avLst/>
+          </a:prstGeom>
+          <a:ln>
+            <a:solidFill>
+              <a:schemeClr val="tx1"/>
+            </a:solidFill>
+            <a:tailEnd type="arrow"/>
+          </a:ln>
+        </p:spPr>
+        <p:style>
+          <a:lnRef idx="1">
+            <a:schemeClr val="accent1"/>
+          </a:lnRef>
+          <a:fillRef idx="0">
+            <a:schemeClr val="accent1"/>
+          </a:fillRef>
+          <a:effectRef idx="0">
+            <a:schemeClr val="accent1"/>
+          </a:effectRef>
+          <a:fontRef idx="minor">
+            <a:schemeClr val="tx1"/>
+          </a:fontRef>
+        </p:style>
+      </p:cxnSp>
+      <p:cxnSp>
+        <p:nvCxnSpPr>
+          <p:cNvPr id="12" name="Straight Arrow Connector 11"/>
+          <p:cNvCxnSpPr/>
+          <p:nvPr/>
+        </p:nvCxnSpPr>
+        <p:spPr>
+          <a:xfrm>
+            <a:off x="1406236" y="2895600"/>
+            <a:ext cx="0" cy="197427"/>
+          </a:xfrm>
+          <a:prstGeom prst="straightConnector1">
+            <a:avLst/>
+          </a:prstGeom>
+          <a:ln>
+            <a:solidFill>
+              <a:schemeClr val="tx1"/>
+            </a:solidFill>
+            <a:tailEnd type="arrow"/>
+          </a:ln>
+        </p:spPr>
+        <p:style>
+          <a:lnRef idx="1">
+            <a:schemeClr val="accent1"/>
+          </a:lnRef>
+          <a:fillRef idx="0">
+            <a:schemeClr val="accent1"/>
+          </a:fillRef>
+          <a:effectRef idx="0">
+            <a:schemeClr val="accent1"/>
+          </a:effectRef>
+          <a:fontRef idx="minor">
+            <a:schemeClr val="tx1"/>
+          </a:fontRef>
+        </p:style>
+      </p:cxnSp>
+      <p:sp>
+        <p:nvSpPr>
+          <p:cNvPr id="13" name="Rectangle 12"/>
+          <p:cNvSpPr/>
+          <p:nvPr/>
+        </p:nvSpPr>
+        <p:spPr>
+          <a:xfrm>
+            <a:off x="6858000" y="762000"/>
+            <a:ext cx="1350818" cy="419100"/>
+          </a:xfrm>
+          <a:prstGeom prst="rect">
+            <a:avLst/>
+          </a:prstGeom>
+        </p:spPr>
+        <p:style>
+          <a:lnRef idx="2">
+            <a:schemeClr val="dk1"/>
+          </a:lnRef>
+          <a:fillRef idx="1">
+            <a:schemeClr val="lt1"/>
+          </a:fillRef>
+          <a:effectRef idx="0">
+            <a:schemeClr val="dk1"/>
+          </a:effectRef>
+          <a:fontRef idx="minor">
+            <a:schemeClr val="dk1"/>
+          </a:fontRef>
+        </p:style>
+        <p:txBody>
+          <a:bodyPr rtlCol="0" anchor="ctr"/>
+          <a:lstStyle/>
+          <a:p>
+            <a:pPr algn="ctr"/>
+            <a:r>
+              <a:rPr lang="en-IN" sz="1600" dirty="0" smtClean="0"/>
+              <a:t>User</a:t>
+            </a:r>
+            <a:endParaRPr lang="en-US" sz="1600" dirty="0"/>
+          </a:p>
+        </p:txBody>
+      </p:sp>
+      <p:sp>
+        <p:nvSpPr>
+          <p:cNvPr id="14" name="Rectangle 13"/>
+          <p:cNvSpPr/>
+          <p:nvPr/>
+        </p:nvSpPr>
+        <p:spPr>
+          <a:xfrm>
+            <a:off x="6553200" y="1752600"/>
+            <a:ext cx="1884218" cy="571500"/>
+          </a:xfrm>
+          <a:prstGeom prst="rect">
+            <a:avLst/>
+          </a:prstGeom>
+        </p:spPr>
+        <p:style>
+          <a:lnRef idx="2">
+            <a:schemeClr val="dk1"/>
+          </a:lnRef>
+          <a:fillRef idx="1">
+            <a:schemeClr val="lt1"/>
+          </a:fillRef>
+          <a:effectRef idx="0">
+            <a:schemeClr val="dk1"/>
+          </a:effectRef>
+          <a:fontRef idx="minor">
+            <a:schemeClr val="dk1"/>
+          </a:fontRef>
+        </p:style>
+        <p:txBody>
+          <a:bodyPr rtlCol="0" anchor="ctr"/>
+          <a:lstStyle/>
+          <a:p>
+            <a:pPr algn="ctr"/>
+            <a:r>
+              <a:rPr lang="en-IN" sz="1600" dirty="0" smtClean="0"/>
+              <a:t> </a:t>
+            </a:r>
+            <a:r>
+              <a:rPr lang="en-IN" sz="1600" dirty="0"/>
+              <a:t>A</a:t>
+            </a:r>
+            <a:r>
+              <a:rPr lang="en-IN" sz="1600" dirty="0" smtClean="0"/>
+              <a:t>uthentication successful?</a:t>
+            </a:r>
+            <a:endParaRPr lang="en-US" sz="1600" dirty="0"/>
+          </a:p>
+        </p:txBody>
+      </p:sp>
+      <p:sp>
+        <p:nvSpPr>
+          <p:cNvPr id="15" name="Rectangle 14"/>
+          <p:cNvSpPr/>
+          <p:nvPr/>
+        </p:nvSpPr>
+        <p:spPr>
+          <a:xfrm>
+            <a:off x="6248400" y="2642755"/>
+            <a:ext cx="2275609" cy="824346"/>
+          </a:xfrm>
+          <a:prstGeom prst="rect">
+            <a:avLst/>
+          </a:prstGeom>
+        </p:spPr>
+        <p:style>
+          <a:lnRef idx="2">
+            <a:schemeClr val="dk1"/>
+          </a:lnRef>
+          <a:fillRef idx="1">
+            <a:schemeClr val="lt1"/>
+          </a:fillRef>
+          <a:effectRef idx="0">
+            <a:schemeClr val="dk1"/>
+          </a:effectRef>
+          <a:fontRef idx="minor">
+            <a:schemeClr val="dk1"/>
+          </a:fontRef>
+        </p:style>
+        <p:txBody>
+          <a:bodyPr rtlCol="0" anchor="ctr"/>
+          <a:lstStyle/>
+          <a:p>
+            <a:pPr algn="ctr"/>
+            <a:r>
+              <a:rPr lang="en-IN" sz="1600" dirty="0" smtClean="0"/>
+              <a:t>User specifies start and end time, resolution and frame rate(speed)</a:t>
+            </a:r>
+            <a:endParaRPr lang="en-US" sz="1600" dirty="0"/>
+          </a:p>
+        </p:txBody>
+      </p:sp>
+      <p:cxnSp>
+        <p:nvCxnSpPr>
+          <p:cNvPr id="16" name="Straight Arrow Connector 15"/>
+          <p:cNvCxnSpPr>
+            <a:stCxn id="13" idx="2"/>
+          </p:cNvCxnSpPr>
+          <p:nvPr/>
+        </p:nvCxnSpPr>
+        <p:spPr>
+          <a:xfrm>
+            <a:off x="7533409" y="1181100"/>
+            <a:ext cx="0" cy="571500"/>
+          </a:xfrm>
+          <a:prstGeom prst="straightConnector1">
+            <a:avLst/>
+          </a:prstGeom>
+          <a:ln>
+            <a:solidFill>
+              <a:schemeClr val="tx1"/>
+            </a:solidFill>
+            <a:tailEnd type="arrow"/>
+          </a:ln>
+        </p:spPr>
+        <p:style>
+          <a:lnRef idx="1">
+            <a:schemeClr val="accent1"/>
+          </a:lnRef>
+          <a:fillRef idx="0">
+            <a:schemeClr val="accent1"/>
+          </a:fillRef>
+          <a:effectRef idx="0">
+            <a:schemeClr val="accent1"/>
+          </a:effectRef>
+          <a:fontRef idx="minor">
+            <a:schemeClr val="tx1"/>
+          </a:fontRef>
+        </p:style>
+      </p:cxnSp>
+      <p:cxnSp>
+        <p:nvCxnSpPr>
+          <p:cNvPr id="17" name="Straight Arrow Connector 16"/>
+          <p:cNvCxnSpPr/>
+          <p:nvPr/>
+        </p:nvCxnSpPr>
+        <p:spPr>
+          <a:xfrm>
+            <a:off x="7568045" y="2324100"/>
+            <a:ext cx="0" cy="304800"/>
+          </a:xfrm>
+          <a:prstGeom prst="straightConnector1">
+            <a:avLst/>
+          </a:prstGeom>
+          <a:ln>
+            <a:solidFill>
+              <a:schemeClr val="tx1"/>
+            </a:solidFill>
+            <a:tailEnd type="arrow"/>
+          </a:ln>
+        </p:spPr>
+        <p:style>
+          <a:lnRef idx="1">
+            <a:schemeClr val="accent1"/>
+          </a:lnRef>
+          <a:fillRef idx="0">
+            <a:schemeClr val="accent1"/>
+          </a:fillRef>
+          <a:effectRef idx="0">
+            <a:schemeClr val="accent1"/>
+          </a:effectRef>
+          <a:fontRef idx="minor">
+            <a:schemeClr val="tx1"/>
+          </a:fontRef>
+        </p:style>
+      </p:cxnSp>
+      <p:sp>
+        <p:nvSpPr>
+          <p:cNvPr id="18" name="TextBox 17"/>
+          <p:cNvSpPr txBox="1"/>
+          <p:nvPr/>
+        </p:nvSpPr>
+        <p:spPr>
+          <a:xfrm>
+            <a:off x="6324600" y="228600"/>
+            <a:ext cx="2227118" cy="369332"/>
+          </a:xfrm>
+          <a:prstGeom prst="rect">
+            <a:avLst/>
+          </a:prstGeom>
+          <a:noFill/>
+        </p:spPr>
+        <p:txBody>
+          <a:bodyPr wrap="square" rtlCol="0">
+            <a:spAutoFit/>
+          </a:bodyPr>
+          <a:lstStyle/>
+          <a:p>
+            <a:r>
+              <a:rPr lang="en-IN" dirty="0" smtClean="0"/>
+              <a:t>Retrieving</a:t>
+            </a:r>
+            <a:endParaRPr lang="en-US" dirty="0"/>
+          </a:p>
+        </p:txBody>
+      </p:sp>
+      <p:sp>
+        <p:nvSpPr>
+          <p:cNvPr id="23" name="TextBox 22"/>
+          <p:cNvSpPr txBox="1"/>
+          <p:nvPr/>
+        </p:nvSpPr>
+        <p:spPr>
+          <a:xfrm>
+            <a:off x="6019800" y="1167825"/>
+            <a:ext cx="2189018" cy="584775"/>
+          </a:xfrm>
+          <a:prstGeom prst="rect">
+            <a:avLst/>
+          </a:prstGeom>
+          <a:noFill/>
+        </p:spPr>
+        <p:txBody>
+          <a:bodyPr wrap="square" rtlCol="0">
+            <a:spAutoFit/>
+          </a:bodyPr>
+          <a:lstStyle/>
+          <a:p>
+            <a:r>
+              <a:rPr lang="en-IN" sz="1600" dirty="0" smtClean="0"/>
+              <a:t>Tries to connect  </a:t>
+            </a:r>
+          </a:p>
+          <a:p>
+            <a:r>
+              <a:rPr lang="en-IN" sz="1600" dirty="0" smtClean="0"/>
+              <a:t>to  web server</a:t>
+            </a:r>
+            <a:endParaRPr lang="en-US" sz="1600" dirty="0"/>
+          </a:p>
+        </p:txBody>
+      </p:sp>
+      <p:sp>
+        <p:nvSpPr>
+          <p:cNvPr id="25" name="Rectangle 24"/>
+          <p:cNvSpPr/>
+          <p:nvPr/>
+        </p:nvSpPr>
+        <p:spPr>
+          <a:xfrm>
+            <a:off x="6858000" y="3677516"/>
+            <a:ext cx="1669472" cy="507422"/>
+          </a:xfrm>
+          <a:prstGeom prst="rect">
+            <a:avLst/>
+          </a:prstGeom>
+        </p:spPr>
+        <p:style>
+          <a:lnRef idx="2">
+            <a:schemeClr val="dk1"/>
+          </a:lnRef>
+          <a:fillRef idx="1">
+            <a:schemeClr val="lt1"/>
+          </a:fillRef>
+          <a:effectRef idx="0">
+            <a:schemeClr val="dk1"/>
+          </a:effectRef>
+          <a:fontRef idx="minor">
+            <a:schemeClr val="dk1"/>
+          </a:fontRef>
+        </p:style>
+        <p:txBody>
+          <a:bodyPr rtlCol="0" anchor="ctr"/>
+          <a:lstStyle/>
+          <a:p>
+            <a:pPr algn="ctr"/>
+            <a:r>
+              <a:rPr lang="en-IN" sz="1600" dirty="0" smtClean="0"/>
+              <a:t>If it is present in cache?</a:t>
+            </a:r>
+            <a:endParaRPr lang="en-US" sz="1600" dirty="0"/>
+          </a:p>
+        </p:txBody>
+      </p:sp>
+      <p:cxnSp>
+        <p:nvCxnSpPr>
+          <p:cNvPr id="26" name="Straight Arrow Connector 25"/>
+          <p:cNvCxnSpPr/>
+          <p:nvPr/>
+        </p:nvCxnSpPr>
+        <p:spPr>
+          <a:xfrm flipH="1">
+            <a:off x="7571508" y="3467100"/>
+            <a:ext cx="1" cy="210416"/>
+          </a:xfrm>
+          <a:prstGeom prst="straightConnector1">
+            <a:avLst/>
+          </a:prstGeom>
+          <a:ln>
+            <a:solidFill>
+              <a:schemeClr val="tx1"/>
+            </a:solidFill>
+            <a:tailEnd type="arrow"/>
+          </a:ln>
+        </p:spPr>
+        <p:style>
+          <a:lnRef idx="1">
+            <a:schemeClr val="accent1"/>
+          </a:lnRef>
+          <a:fillRef idx="0">
+            <a:schemeClr val="accent1"/>
+          </a:fillRef>
+          <a:effectRef idx="0">
+            <a:schemeClr val="accent1"/>
+          </a:effectRef>
+          <a:fontRef idx="minor">
+            <a:schemeClr val="tx1"/>
+          </a:fontRef>
+        </p:style>
+      </p:cxnSp>
+      <p:sp>
+        <p:nvSpPr>
+          <p:cNvPr id="29" name="Rectangle 28"/>
+          <p:cNvSpPr/>
+          <p:nvPr/>
+        </p:nvSpPr>
+        <p:spPr>
+          <a:xfrm>
+            <a:off x="4578928" y="3689639"/>
+            <a:ext cx="1669472" cy="763732"/>
+          </a:xfrm>
+          <a:prstGeom prst="rect">
+            <a:avLst/>
+          </a:prstGeom>
+        </p:spPr>
+        <p:style>
+          <a:lnRef idx="2">
+            <a:schemeClr val="dk1"/>
+          </a:lnRef>
+          <a:fillRef idx="1">
+            <a:schemeClr val="lt1"/>
+          </a:fillRef>
+          <a:effectRef idx="0">
+            <a:schemeClr val="dk1"/>
+          </a:effectRef>
+          <a:fontRef idx="minor">
+            <a:schemeClr val="dk1"/>
+          </a:fontRef>
+        </p:style>
+        <p:txBody>
+          <a:bodyPr rtlCol="0" anchor="ctr"/>
+          <a:lstStyle/>
+          <a:p>
+            <a:pPr algn="ctr"/>
+            <a:r>
+              <a:rPr lang="en-IN" sz="1600" dirty="0" smtClean="0"/>
+              <a:t>Web server directly streams the animation</a:t>
+            </a:r>
+            <a:endParaRPr lang="en-US" sz="1600" dirty="0"/>
+          </a:p>
+        </p:txBody>
+      </p:sp>
+      <p:cxnSp>
+        <p:nvCxnSpPr>
+          <p:cNvPr id="31" name="Straight Arrow Connector 30"/>
+          <p:cNvCxnSpPr>
+            <a:stCxn id="25" idx="1"/>
+          </p:cNvCxnSpPr>
+          <p:nvPr/>
+        </p:nvCxnSpPr>
+        <p:spPr>
+          <a:xfrm flipH="1">
+            <a:off x="6248400" y="3931227"/>
+            <a:ext cx="609600" cy="0"/>
+          </a:xfrm>
+          <a:prstGeom prst="straightConnector1">
+            <a:avLst/>
+          </a:prstGeom>
+          <a:ln>
+            <a:solidFill>
+              <a:schemeClr val="tx1"/>
+            </a:solidFill>
+            <a:tailEnd type="arrow"/>
+          </a:ln>
+        </p:spPr>
+        <p:style>
+          <a:lnRef idx="1">
+            <a:schemeClr val="accent1"/>
+          </a:lnRef>
+          <a:fillRef idx="0">
+            <a:schemeClr val="accent1"/>
+          </a:fillRef>
+          <a:effectRef idx="0">
+            <a:schemeClr val="accent1"/>
+          </a:effectRef>
+          <a:fontRef idx="minor">
+            <a:schemeClr val="tx1"/>
+          </a:fontRef>
+        </p:style>
+      </p:cxnSp>
+      <p:sp>
+        <p:nvSpPr>
+          <p:cNvPr id="33" name="TextBox 32"/>
+          <p:cNvSpPr txBox="1"/>
+          <p:nvPr/>
+        </p:nvSpPr>
+        <p:spPr>
+          <a:xfrm>
+            <a:off x="6289964" y="3547646"/>
+            <a:ext cx="526472" cy="338554"/>
+          </a:xfrm>
+          <a:prstGeom prst="rect">
+            <a:avLst/>
+          </a:prstGeom>
+          <a:noFill/>
+        </p:spPr>
+        <p:txBody>
+          <a:bodyPr wrap="square" rtlCol="0">
+            <a:spAutoFit/>
+          </a:bodyPr>
+          <a:lstStyle/>
+          <a:p>
+            <a:r>
+              <a:rPr lang="en-IN" sz="1600" dirty="0" smtClean="0"/>
+              <a:t>Yes</a:t>
+            </a:r>
+          </a:p>
+        </p:txBody>
+      </p:sp>
+      <p:sp>
+        <p:nvSpPr>
+          <p:cNvPr id="34" name="Rectangle 33"/>
+          <p:cNvSpPr/>
+          <p:nvPr/>
+        </p:nvSpPr>
+        <p:spPr>
+          <a:xfrm>
+            <a:off x="6629400" y="4486258"/>
+            <a:ext cx="1918855" cy="619142"/>
+          </a:xfrm>
+          <a:prstGeom prst="rect">
+            <a:avLst/>
+          </a:prstGeom>
+        </p:spPr>
+        <p:style>
+          <a:lnRef idx="2">
+            <a:schemeClr val="dk1"/>
+          </a:lnRef>
+          <a:fillRef idx="1">
+            <a:schemeClr val="lt1"/>
+          </a:fillRef>
+          <a:effectRef idx="0">
+            <a:schemeClr val="dk1"/>
+          </a:effectRef>
+          <a:fontRef idx="minor">
+            <a:schemeClr val="dk1"/>
+          </a:fontRef>
+        </p:style>
+        <p:txBody>
+          <a:bodyPr rtlCol="0" anchor="ctr"/>
+          <a:lstStyle/>
+          <a:p>
+            <a:pPr algn="ctr"/>
+            <a:r>
+              <a:rPr lang="en-IN" sz="1600" dirty="0" smtClean="0"/>
+              <a:t>Web server calls the transcode workers</a:t>
+            </a:r>
+            <a:endParaRPr lang="en-US" sz="1600" dirty="0"/>
+          </a:p>
+        </p:txBody>
+      </p:sp>
+      <p:cxnSp>
+        <p:nvCxnSpPr>
+          <p:cNvPr id="35" name="Straight Arrow Connector 34"/>
+          <p:cNvCxnSpPr/>
+          <p:nvPr/>
+        </p:nvCxnSpPr>
+        <p:spPr>
+          <a:xfrm>
+            <a:off x="7568046" y="4184938"/>
+            <a:ext cx="3463" cy="301320"/>
+          </a:xfrm>
+          <a:prstGeom prst="straightConnector1">
+            <a:avLst/>
+          </a:prstGeom>
+          <a:ln>
+            <a:solidFill>
+              <a:schemeClr val="tx1"/>
+            </a:solidFill>
+            <a:tailEnd type="arrow"/>
+          </a:ln>
+        </p:spPr>
+        <p:style>
+          <a:lnRef idx="1">
+            <a:schemeClr val="accent1"/>
+          </a:lnRef>
+          <a:fillRef idx="0">
+            <a:schemeClr val="accent1"/>
+          </a:fillRef>
+          <a:effectRef idx="0">
+            <a:schemeClr val="accent1"/>
+          </a:effectRef>
+          <a:fontRef idx="minor">
+            <a:schemeClr val="tx1"/>
+          </a:fontRef>
+        </p:style>
+      </p:cxnSp>
+      <p:sp>
+        <p:nvSpPr>
+          <p:cNvPr id="37" name="TextBox 36"/>
+          <p:cNvSpPr txBox="1"/>
+          <p:nvPr/>
+        </p:nvSpPr>
+        <p:spPr>
+          <a:xfrm>
+            <a:off x="7682346" y="4184938"/>
+            <a:ext cx="526472" cy="338554"/>
+          </a:xfrm>
+          <a:prstGeom prst="rect">
+            <a:avLst/>
+          </a:prstGeom>
+          <a:noFill/>
+        </p:spPr>
+        <p:txBody>
+          <a:bodyPr wrap="square" rtlCol="0">
+            <a:spAutoFit/>
+          </a:bodyPr>
+          <a:lstStyle/>
+          <a:p>
+            <a:r>
+              <a:rPr lang="en-IN" sz="1600" dirty="0" smtClean="0"/>
+              <a:t>No</a:t>
+            </a:r>
+          </a:p>
+        </p:txBody>
+      </p:sp>
+      <p:cxnSp>
+        <p:nvCxnSpPr>
+          <p:cNvPr id="41" name="Straight Arrow Connector 40"/>
+          <p:cNvCxnSpPr/>
+          <p:nvPr/>
+        </p:nvCxnSpPr>
+        <p:spPr>
+          <a:xfrm>
+            <a:off x="7533409" y="5104525"/>
+            <a:ext cx="3463" cy="301320"/>
+          </a:xfrm>
+          <a:prstGeom prst="straightConnector1">
+            <a:avLst/>
+          </a:prstGeom>
+          <a:ln>
+            <a:solidFill>
+              <a:schemeClr val="tx1"/>
+            </a:solidFill>
+            <a:tailEnd type="arrow"/>
+          </a:ln>
+        </p:spPr>
+        <p:style>
+          <a:lnRef idx="1">
+            <a:schemeClr val="accent1"/>
+          </a:lnRef>
+          <a:fillRef idx="0">
+            <a:schemeClr val="accent1"/>
+          </a:fillRef>
+          <a:effectRef idx="0">
+            <a:schemeClr val="accent1"/>
+          </a:effectRef>
+          <a:fontRef idx="minor">
+            <a:schemeClr val="tx1"/>
+          </a:fontRef>
+        </p:style>
+      </p:cxnSp>
+      <p:sp>
+        <p:nvSpPr>
+          <p:cNvPr id="42" name="Rectangle 41"/>
+          <p:cNvSpPr/>
+          <p:nvPr/>
+        </p:nvSpPr>
+        <p:spPr>
+          <a:xfrm>
+            <a:off x="6632863" y="5394562"/>
+            <a:ext cx="1918855" cy="701437"/>
+          </a:xfrm>
+          <a:prstGeom prst="rect">
+            <a:avLst/>
+          </a:prstGeom>
+        </p:spPr>
+        <p:style>
+          <a:lnRef idx="2">
+            <a:schemeClr val="dk1"/>
+          </a:lnRef>
+          <a:fillRef idx="1">
+            <a:schemeClr val="lt1"/>
+          </a:fillRef>
+          <a:effectRef idx="0">
+            <a:schemeClr val="dk1"/>
+          </a:effectRef>
+          <a:fontRef idx="minor">
+            <a:schemeClr val="dk1"/>
+          </a:fontRef>
+        </p:style>
+        <p:txBody>
+          <a:bodyPr rtlCol="0" anchor="ctr"/>
+          <a:lstStyle/>
+          <a:p>
+            <a:pPr algn="ctr"/>
+            <a:r>
+              <a:rPr lang="en-IN" sz="1600" dirty="0" smtClean="0"/>
+              <a:t>The frame no. is found for specified  start and end time </a:t>
+            </a:r>
+            <a:endParaRPr lang="en-US" sz="1600" dirty="0"/>
+          </a:p>
+        </p:txBody>
+      </p:sp>
+      <p:sp>
+        <p:nvSpPr>
+          <p:cNvPr id="43" name="Rectangle 42"/>
+          <p:cNvSpPr/>
+          <p:nvPr/>
+        </p:nvSpPr>
+        <p:spPr>
+          <a:xfrm>
+            <a:off x="4371109" y="5105400"/>
+            <a:ext cx="1918855" cy="1447800"/>
+          </a:xfrm>
+          <a:prstGeom prst="rect">
+            <a:avLst/>
+          </a:prstGeom>
+        </p:spPr>
+        <p:style>
+          <a:lnRef idx="2">
+            <a:schemeClr val="dk1"/>
+          </a:lnRef>
+          <a:fillRef idx="1">
+            <a:schemeClr val="lt1"/>
+          </a:fillRef>
+          <a:effectRef idx="0">
+            <a:schemeClr val="dk1"/>
+          </a:effectRef>
+          <a:fontRef idx="minor">
+            <a:schemeClr val="dk1"/>
+          </a:fontRef>
+        </p:style>
+        <p:txBody>
+          <a:bodyPr rtlCol="0" anchor="ctr"/>
+          <a:lstStyle/>
+          <a:p>
+            <a:pPr algn="ctr"/>
+            <a:r>
+              <a:rPr lang="en-IN" sz="1600" dirty="0" smtClean="0"/>
+              <a:t>Frames  are extracted from </a:t>
+            </a:r>
+            <a:r>
+              <a:rPr lang="en-IN" sz="1600" dirty="0" smtClean="0"/>
+              <a:t>multi-resolution </a:t>
+            </a:r>
+            <a:r>
+              <a:rPr lang="en-IN" sz="1600" dirty="0" smtClean="0"/>
+              <a:t>stream file(.</a:t>
+            </a:r>
+            <a:r>
+              <a:rPr lang="en-IN" sz="1600" dirty="0" err="1" smtClean="0"/>
+              <a:t>mov</a:t>
+            </a:r>
+            <a:r>
+              <a:rPr lang="en-IN" sz="1600" dirty="0" smtClean="0"/>
+              <a:t>)</a:t>
+            </a:r>
+            <a:r>
+              <a:rPr lang="en-IN" sz="1600" dirty="0" smtClean="0"/>
+              <a:t> </a:t>
+            </a:r>
+            <a:r>
+              <a:rPr lang="en-IN" sz="1600" dirty="0" smtClean="0"/>
+              <a:t>according to resolution</a:t>
+            </a:r>
+            <a:endParaRPr lang="en-US" sz="1600" dirty="0"/>
+          </a:p>
+        </p:txBody>
+      </p:sp>
+      <p:sp>
+        <p:nvSpPr>
+          <p:cNvPr id="44" name="Rectangle 43"/>
+          <p:cNvSpPr/>
+          <p:nvPr/>
+        </p:nvSpPr>
+        <p:spPr>
+          <a:xfrm>
+            <a:off x="1790700" y="5262734"/>
+            <a:ext cx="2185555" cy="965091"/>
+          </a:xfrm>
+          <a:prstGeom prst="rect">
+            <a:avLst/>
+          </a:prstGeom>
+        </p:spPr>
+        <p:style>
+          <a:lnRef idx="2">
+            <a:schemeClr val="dk1"/>
+          </a:lnRef>
+          <a:fillRef idx="1">
+            <a:schemeClr val="lt1"/>
+          </a:fillRef>
+          <a:effectRef idx="0">
+            <a:schemeClr val="dk1"/>
+          </a:effectRef>
+          <a:fontRef idx="minor">
+            <a:schemeClr val="dk1"/>
+          </a:fontRef>
+        </p:style>
+        <p:txBody>
+          <a:bodyPr rtlCol="0" anchor="ctr"/>
+          <a:lstStyle/>
+          <a:p>
+            <a:pPr algn="ctr"/>
+            <a:r>
+              <a:rPr lang="en-IN" sz="1600" dirty="0" smtClean="0"/>
+              <a:t>Transcode the frames with required frame rate and stream the animation</a:t>
+            </a:r>
+            <a:endParaRPr lang="en-US" sz="1600" dirty="0"/>
+          </a:p>
+        </p:txBody>
+      </p:sp>
+      <p:cxnSp>
+        <p:nvCxnSpPr>
+          <p:cNvPr id="45" name="Straight Arrow Connector 44"/>
+          <p:cNvCxnSpPr/>
+          <p:nvPr/>
+        </p:nvCxnSpPr>
+        <p:spPr>
+          <a:xfrm flipH="1">
+            <a:off x="6289964" y="5745279"/>
+            <a:ext cx="339436" cy="0"/>
+          </a:xfrm>
+          <a:prstGeom prst="straightConnector1">
+            <a:avLst/>
+          </a:prstGeom>
+          <a:ln>
+            <a:solidFill>
+              <a:schemeClr val="tx1"/>
+            </a:solidFill>
+            <a:tailEnd type="arrow"/>
+          </a:ln>
+        </p:spPr>
+        <p:style>
+          <a:lnRef idx="1">
+            <a:schemeClr val="accent1"/>
+          </a:lnRef>
+          <a:fillRef idx="0">
+            <a:schemeClr val="accent1"/>
+          </a:fillRef>
+          <a:effectRef idx="0">
+            <a:schemeClr val="accent1"/>
+          </a:effectRef>
+          <a:fontRef idx="minor">
+            <a:schemeClr val="tx1"/>
+          </a:fontRef>
+        </p:style>
+      </p:cxnSp>
+      <p:cxnSp>
+        <p:nvCxnSpPr>
+          <p:cNvPr id="47" name="Straight Arrow Connector 46"/>
+          <p:cNvCxnSpPr>
+            <a:endCxn id="44" idx="3"/>
+          </p:cNvCxnSpPr>
+          <p:nvPr/>
+        </p:nvCxnSpPr>
+        <p:spPr>
+          <a:xfrm flipH="1">
+            <a:off x="3976255" y="5745280"/>
+            <a:ext cx="394854" cy="0"/>
+          </a:xfrm>
+          <a:prstGeom prst="straightConnector1">
+            <a:avLst/>
+          </a:prstGeom>
+          <a:ln>
+            <a:solidFill>
+              <a:schemeClr val="tx1"/>
+            </a:solidFill>
+            <a:tailEnd type="arrow"/>
+          </a:ln>
+        </p:spPr>
+        <p:style>
+          <a:lnRef idx="1">
+            <a:schemeClr val="accent1"/>
+          </a:lnRef>
+          <a:fillRef idx="0">
+            <a:schemeClr val="accent1"/>
+          </a:fillRef>
+          <a:effectRef idx="0">
+            <a:schemeClr val="accent1"/>
+          </a:effectRef>
+          <a:fontRef idx="minor">
+            <a:schemeClr val="tx1"/>
+          </a:fontRef>
+        </p:style>
+      </p:cxnSp>
+      <p:sp>
+        <p:nvSpPr>
+          <p:cNvPr id="49" name="TextBox 48"/>
+          <p:cNvSpPr txBox="1"/>
+          <p:nvPr/>
+        </p:nvSpPr>
+        <p:spPr>
+          <a:xfrm>
+            <a:off x="7706591" y="2324100"/>
+            <a:ext cx="526472" cy="338554"/>
+          </a:xfrm>
+          <a:prstGeom prst="rect">
+            <a:avLst/>
+          </a:prstGeom>
+          <a:noFill/>
+        </p:spPr>
+        <p:txBody>
+          <a:bodyPr wrap="square" rtlCol="0">
+            <a:spAutoFit/>
+          </a:bodyPr>
+          <a:lstStyle/>
+          <a:p>
+            <a:r>
+              <a:rPr lang="en-IN" sz="1600" dirty="0" smtClean="0"/>
+              <a:t>Yes</a:t>
+            </a:r>
+          </a:p>
+        </p:txBody>
+      </p:sp>
+    </p:spTree>
+    <p:extLst>
+      <p:ext uri="{BB962C8B-B14F-4D97-AF65-F5344CB8AC3E}">
+        <p14:creationId xmlns:p14="http://schemas.microsoft.com/office/powerpoint/2010/main" val="2139408850"/>
       </p:ext>
     </p:extLst>
   </p:cSld>
@@ -3948,7 +5085,27 @@
       </a:bgFillStyleLst>
     </a:fmtScheme>
   </a:themeElements>
-  <a:objectDefaults/>
+  <a:objectDefaults>
+    <a:spDef>
+      <a:spPr/>
+      <a:bodyPr/>
+      <a:lstStyle/>
+      <a:style>
+        <a:lnRef idx="2">
+          <a:schemeClr val="dk1"/>
+        </a:lnRef>
+        <a:fillRef idx="1">
+          <a:schemeClr val="lt1"/>
+        </a:fillRef>
+        <a:effectRef idx="0">
+          <a:schemeClr val="dk1"/>
+        </a:effectRef>
+        <a:fontRef idx="minor">
+          <a:schemeClr val="dk1"/>
+        </a:fontRef>
+      </a:style>
+    </a:spDef>
+  </a:objectDefaults>
   <a:extraClrSchemeLst/>
 </a:theme>
 </file>
--- a/Gov_templates/Customized_animation.pptx
+++ b/Gov_templates/Customized_animation.pptx
@@ -1706,7 +1706,7 @@
                 <a:spcPct val="100000"/>
               </a:lnSpc>
             </a:pPr>
-            <a:fld id="{95304498-7243-44C4-B0C9-520D68B25885}" type="datetime">
+            <a:fld id="{B800568A-9D9A-4F49-8104-D37953AF1433}" type="datetime">
               <a:rPr b="0" lang="en-IN" sz="1200" spc="-1" strike="noStrike">
                 <a:solidFill>
                   <a:srgbClr val="8b8b8b"/>
@@ -1776,7 +1776,7 @@
                 <a:spcPct val="100000"/>
               </a:lnSpc>
             </a:pPr>
-            <a:fld id="{5D790523-885C-499F-8830-08B7A20ADEA4}" type="slidenum">
+            <a:fld id="{544ECE70-AA9C-4455-9D02-42EEE1FFCD26}" type="slidenum">
               <a:rPr b="0" lang="en-IN" sz="1200" spc="-1" strike="noStrike">
                 <a:solidFill>
                   <a:srgbClr val="8b8b8b"/>
@@ -2208,7 +2208,7 @@
                 </a:solidFill>
                 <a:latin typeface="Calibri"/>
               </a:rPr>
-              <a:t>As a new image is added in the database a multi-resolution VP9(open source) encoded frame is created by a ‘pre-processing worker’ and then the location of the frame is stored along with the corresponding frame number.</a:t>
+              <a:t>As a new image is added in the database a multi-resolution VP9(open source) encoded frame is created by a ‘pre-processing worker’ and then the multi-resolution .mov frame is created and appended to the existing stream. Location of the frame is stored along with the corresponding frame number.</a:t>
             </a:r>
             <a:endParaRPr b="0" lang="en-US" sz="1800" spc="-1" strike="noStrike">
               <a:solidFill>
@@ -2268,7 +2268,16 @@
                 </a:solidFill>
                 <a:latin typeface="Calibri"/>
               </a:rPr>
-              <a:t>The webserver will only extract the required resolution and ‘adjust the frame rate’. The transcoded stream created at run time by the ‘display worker’ is spawned as the end user requests the service.</a:t>
+              <a:t> </a:t>
+            </a:r>
+            <a:r>
+              <a:rPr b="0" lang="en-US" sz="1800" spc="-1" strike="noStrike">
+                <a:solidFill>
+                  <a:srgbClr val="000000"/>
+                </a:solidFill>
+                <a:latin typeface="Calibri"/>
+              </a:rPr>
+              <a:t>The required resolution from the multi-resolution stream is extracted. The transcoded stream is created from the extracted stream while adjusting the frame rate at run time by the ‘display worker’. The display worker is spawned as the end user requests the service.</a:t>
             </a:r>
             <a:endParaRPr b="0" lang="en-US" sz="1800" spc="-1" strike="noStrike">
               <a:solidFill>

--- a/Gov_templates/Customized_animation.pptx
+++ b/Gov_templates/Customized_animation.pptx
@@ -1,20 +1,116 @@
 
 <file path=ppt/presentation.xml><?xml version="1.0" encoding="utf-8"?>
-<p:presentation xmlns:a="http://schemas.openxmlformats.org/drawingml/2006/main" xmlns:p="http://schemas.openxmlformats.org/presentationml/2006/main" xmlns:r="http://schemas.openxmlformats.org/officeDocument/2006/relationships" xmlns:p14="http://schemas.microsoft.com/office/powerpoint/2010/main" xmlns:p15="http://schemas.microsoft.com/office/powerpoint/2012/main" xmlns:mc="http://schemas.openxmlformats.org/markup-compatibility/2006">
+<p:presentation xmlns:a="http://schemas.openxmlformats.org/drawingml/2006/main" xmlns:r="http://schemas.openxmlformats.org/officeDocument/2006/relationships" xmlns:p="http://schemas.openxmlformats.org/presentationml/2006/main">
   <p:sldMasterIdLst>
-    <p:sldMasterId id="2147483648" r:id="rId2"/>
+    <p:sldMasterId id="2147483648" r:id="rId1"/>
   </p:sldMasterIdLst>
   <p:sldIdLst>
-    <p:sldId id="256" r:id="rId3"/>
-    <p:sldId id="257" r:id="rId4"/>
+    <p:sldId id="256" r:id="rId2"/>
+    <p:sldId id="257" r:id="rId3"/>
+    <p:sldId id="259" r:id="rId4"/>
   </p:sldIdLst>
-  <p:sldSz cx="9144000" cy="6858000"/>
-  <p:notesSz cx="7559675" cy="10691812"/>
+  <p:sldSz cx="9144000" cy="6858000" type="screen4x3"/>
+  <p:notesSz cx="7559675" cy="10691813"/>
+  <p:defaultTextStyle>
+    <a:defPPr>
+      <a:defRPr lang="en-US"/>
+    </a:defPPr>
+    <a:lvl1pPr marL="0" algn="l" defTabSz="914400" rtl="0" eaLnBrk="1" latinLnBrk="0" hangingPunct="1">
+      <a:defRPr sz="1800" kern="1200">
+        <a:solidFill>
+          <a:schemeClr val="tx1"/>
+        </a:solidFill>
+        <a:latin typeface="+mn-lt"/>
+        <a:ea typeface="+mn-ea"/>
+        <a:cs typeface="+mn-cs"/>
+      </a:defRPr>
+    </a:lvl1pPr>
+    <a:lvl2pPr marL="457200" algn="l" defTabSz="914400" rtl="0" eaLnBrk="1" latinLnBrk="0" hangingPunct="1">
+      <a:defRPr sz="1800" kern="1200">
+        <a:solidFill>
+          <a:schemeClr val="tx1"/>
+        </a:solidFill>
+        <a:latin typeface="+mn-lt"/>
+        <a:ea typeface="+mn-ea"/>
+        <a:cs typeface="+mn-cs"/>
+      </a:defRPr>
+    </a:lvl2pPr>
+    <a:lvl3pPr marL="914400" algn="l" defTabSz="914400" rtl="0" eaLnBrk="1" latinLnBrk="0" hangingPunct="1">
+      <a:defRPr sz="1800" kern="1200">
+        <a:solidFill>
+          <a:schemeClr val="tx1"/>
+        </a:solidFill>
+        <a:latin typeface="+mn-lt"/>
+        <a:ea typeface="+mn-ea"/>
+        <a:cs typeface="+mn-cs"/>
+      </a:defRPr>
+    </a:lvl3pPr>
+    <a:lvl4pPr marL="1371600" algn="l" defTabSz="914400" rtl="0" eaLnBrk="1" latinLnBrk="0" hangingPunct="1">
+      <a:defRPr sz="1800" kern="1200">
+        <a:solidFill>
+          <a:schemeClr val="tx1"/>
+        </a:solidFill>
+        <a:latin typeface="+mn-lt"/>
+        <a:ea typeface="+mn-ea"/>
+        <a:cs typeface="+mn-cs"/>
+      </a:defRPr>
+    </a:lvl4pPr>
+    <a:lvl5pPr marL="1828800" algn="l" defTabSz="914400" rtl="0" eaLnBrk="1" latinLnBrk="0" hangingPunct="1">
+      <a:defRPr sz="1800" kern="1200">
+        <a:solidFill>
+          <a:schemeClr val="tx1"/>
+        </a:solidFill>
+        <a:latin typeface="+mn-lt"/>
+        <a:ea typeface="+mn-ea"/>
+        <a:cs typeface="+mn-cs"/>
+      </a:defRPr>
+    </a:lvl5pPr>
+    <a:lvl6pPr marL="2286000" algn="l" defTabSz="914400" rtl="0" eaLnBrk="1" latinLnBrk="0" hangingPunct="1">
+      <a:defRPr sz="1800" kern="1200">
+        <a:solidFill>
+          <a:schemeClr val="tx1"/>
+        </a:solidFill>
+        <a:latin typeface="+mn-lt"/>
+        <a:ea typeface="+mn-ea"/>
+        <a:cs typeface="+mn-cs"/>
+      </a:defRPr>
+    </a:lvl6pPr>
+    <a:lvl7pPr marL="2743200" algn="l" defTabSz="914400" rtl="0" eaLnBrk="1" latinLnBrk="0" hangingPunct="1">
+      <a:defRPr sz="1800" kern="1200">
+        <a:solidFill>
+          <a:schemeClr val="tx1"/>
+        </a:solidFill>
+        <a:latin typeface="+mn-lt"/>
+        <a:ea typeface="+mn-ea"/>
+        <a:cs typeface="+mn-cs"/>
+      </a:defRPr>
+    </a:lvl7pPr>
+    <a:lvl8pPr marL="3200400" algn="l" defTabSz="914400" rtl="0" eaLnBrk="1" latinLnBrk="0" hangingPunct="1">
+      <a:defRPr sz="1800" kern="1200">
+        <a:solidFill>
+          <a:schemeClr val="tx1"/>
+        </a:solidFill>
+        <a:latin typeface="+mn-lt"/>
+        <a:ea typeface="+mn-ea"/>
+        <a:cs typeface="+mn-cs"/>
+      </a:defRPr>
+    </a:lvl8pPr>
+    <a:lvl9pPr marL="3657600" algn="l" defTabSz="914400" rtl="0" eaLnBrk="1" latinLnBrk="0" hangingPunct="1">
+      <a:defRPr sz="1800" kern="1200">
+        <a:solidFill>
+          <a:schemeClr val="tx1"/>
+        </a:solidFill>
+        <a:latin typeface="+mn-lt"/>
+        <a:ea typeface="+mn-ea"/>
+        <a:cs typeface="+mn-cs"/>
+      </a:defRPr>
+    </a:lvl9pPr>
+  </p:defaultTextStyle>
 </p:presentation>
 </file>
 
 <file path=ppt/slideLayouts/slideLayout1.xml><?xml version="1.0" encoding="utf-8"?>
-<p:sldLayout xmlns:a="http://schemas.openxmlformats.org/drawingml/2006/main" xmlns:p="http://schemas.openxmlformats.org/presentationml/2006/main" xmlns:r="http://schemas.openxmlformats.org/officeDocument/2006/relationships" xmlns:p14="http://schemas.microsoft.com/office/powerpoint/2010/main" xmlns:p15="http://schemas.microsoft.com/office/powerpoint/2012/main" xmlns:mc="http://schemas.openxmlformats.org/markup-compatibility/2006" type="blank" preserve="1">
+<p:sldLayout xmlns:a="http://schemas.openxmlformats.org/drawingml/2006/main" xmlns:r="http://schemas.openxmlformats.org/officeDocument/2006/relationships" xmlns:p="http://schemas.openxmlformats.org/presentationml/2006/main" type="blank" preserve="1">
   <p:cSld name="Blank Slide">
     <p:spTree>
       <p:nvGrpSpPr>
@@ -32,11 +128,14 @@
       </p:grpSpPr>
     </p:spTree>
   </p:cSld>
+  <p:clrMapOvr>
+    <a:masterClrMapping/>
+  </p:clrMapOvr>
 </p:sldLayout>
 </file>
 
 <file path=ppt/slideLayouts/slideLayout10.xml><?xml version="1.0" encoding="utf-8"?>
-<p:sldLayout xmlns:a="http://schemas.openxmlformats.org/drawingml/2006/main" xmlns:p="http://schemas.openxmlformats.org/presentationml/2006/main" xmlns:r="http://schemas.openxmlformats.org/officeDocument/2006/relationships" xmlns:p14="http://schemas.microsoft.com/office/powerpoint/2010/main" xmlns:p15="http://schemas.microsoft.com/office/powerpoint/2012/main" xmlns:mc="http://schemas.openxmlformats.org/markup-compatibility/2006" type="objOverTx" preserve="1">
+<p:sldLayout xmlns:a="http://schemas.openxmlformats.org/drawingml/2006/main" xmlns:r="http://schemas.openxmlformats.org/officeDocument/2006/relationships" xmlns:p="http://schemas.openxmlformats.org/presentationml/2006/main" type="objOverTx" preserve="1">
   <p:cSld name="Title, Content over Content">
     <p:spTree>
       <p:nvGrpSpPr>
@@ -72,9 +171,10 @@
           </a:prstGeom>
         </p:spPr>
         <p:txBody>
-          <a:bodyPr lIns="0" rIns="0" tIns="0" bIns="0" anchor="ctr"/>
-          <a:p>
-            <a:endParaRPr b="0" lang="en-US" sz="1800" spc="-1" strike="noStrike">
+          <a:bodyPr lIns="0" tIns="0" rIns="0" bIns="0" anchor="ctr"/>
+          <a:lstStyle/>
+          <a:p>
+            <a:endParaRPr lang="en-US" sz="1800" b="0" strike="noStrike" spc="-1">
               <a:solidFill>
                 <a:srgbClr val="000000"/>
               </a:solidFill>
@@ -103,11 +203,12 @@
           </a:prstGeom>
         </p:spPr>
         <p:txBody>
-          <a:bodyPr lIns="0" rIns="0" tIns="0" bIns="0">
+          <a:bodyPr lIns="0" tIns="0" rIns="0" bIns="0">
             <a:normAutofit/>
           </a:bodyPr>
-          <a:p>
-            <a:endParaRPr b="0" lang="en-US" sz="3200" spc="-1" strike="noStrike">
+          <a:lstStyle/>
+          <a:p>
+            <a:endParaRPr lang="en-US" sz="3200" b="0" strike="noStrike" spc="-1">
               <a:solidFill>
                 <a:srgbClr val="000000"/>
               </a:solidFill>
@@ -136,11 +237,12 @@
           </a:prstGeom>
         </p:spPr>
         <p:txBody>
-          <a:bodyPr lIns="0" rIns="0" tIns="0" bIns="0">
+          <a:bodyPr lIns="0" tIns="0" rIns="0" bIns="0">
             <a:normAutofit/>
           </a:bodyPr>
-          <a:p>
-            <a:endParaRPr b="0" lang="en-US" sz="3200" spc="-1" strike="noStrike">
+          <a:lstStyle/>
+          <a:p>
+            <a:endParaRPr lang="en-US" sz="3200" b="0" strike="noStrike" spc="-1">
               <a:solidFill>
                 <a:srgbClr val="000000"/>
               </a:solidFill>
@@ -151,11 +253,14 @@
       </p:sp>
     </p:spTree>
   </p:cSld>
+  <p:clrMapOvr>
+    <a:masterClrMapping/>
+  </p:clrMapOvr>
 </p:sldLayout>
 </file>
 
 <file path=ppt/slideLayouts/slideLayout11.xml><?xml version="1.0" encoding="utf-8"?>
-<p:sldLayout xmlns:a="http://schemas.openxmlformats.org/drawingml/2006/main" xmlns:p="http://schemas.openxmlformats.org/presentationml/2006/main" xmlns:r="http://schemas.openxmlformats.org/officeDocument/2006/relationships" xmlns:p14="http://schemas.microsoft.com/office/powerpoint/2010/main" xmlns:p15="http://schemas.microsoft.com/office/powerpoint/2012/main" xmlns:mc="http://schemas.openxmlformats.org/markup-compatibility/2006" type="fourObj" preserve="1">
+<p:sldLayout xmlns:a="http://schemas.openxmlformats.org/drawingml/2006/main" xmlns:r="http://schemas.openxmlformats.org/officeDocument/2006/relationships" xmlns:p="http://schemas.openxmlformats.org/presentationml/2006/main" type="fourObj" preserve="1">
   <p:cSld name="Title, 4 Content">
     <p:spTree>
       <p:nvGrpSpPr>
@@ -191,9 +296,10 @@
           </a:prstGeom>
         </p:spPr>
         <p:txBody>
-          <a:bodyPr lIns="0" rIns="0" tIns="0" bIns="0" anchor="ctr"/>
-          <a:p>
-            <a:endParaRPr b="0" lang="en-US" sz="1800" spc="-1" strike="noStrike">
+          <a:bodyPr lIns="0" tIns="0" rIns="0" bIns="0" anchor="ctr"/>
+          <a:lstStyle/>
+          <a:p>
+            <a:endParaRPr lang="en-US" sz="1800" b="0" strike="noStrike" spc="-1">
               <a:solidFill>
                 <a:srgbClr val="000000"/>
               </a:solidFill>
@@ -222,11 +328,12 @@
           </a:prstGeom>
         </p:spPr>
         <p:txBody>
-          <a:bodyPr lIns="0" rIns="0" tIns="0" bIns="0">
+          <a:bodyPr lIns="0" tIns="0" rIns="0" bIns="0">
             <a:normAutofit/>
           </a:bodyPr>
-          <a:p>
-            <a:endParaRPr b="0" lang="en-US" sz="3200" spc="-1" strike="noStrike">
+          <a:lstStyle/>
+          <a:p>
+            <a:endParaRPr lang="en-US" sz="3200" b="0" strike="noStrike" spc="-1">
               <a:solidFill>
                 <a:srgbClr val="000000"/>
               </a:solidFill>
@@ -255,11 +362,12 @@
           </a:prstGeom>
         </p:spPr>
         <p:txBody>
-          <a:bodyPr lIns="0" rIns="0" tIns="0" bIns="0">
+          <a:bodyPr lIns="0" tIns="0" rIns="0" bIns="0">
             <a:normAutofit/>
           </a:bodyPr>
-          <a:p>
-            <a:endParaRPr b="0" lang="en-US" sz="3200" spc="-1" strike="noStrike">
+          <a:lstStyle/>
+          <a:p>
+            <a:endParaRPr lang="en-US" sz="3200" b="0" strike="noStrike" spc="-1">
               <a:solidFill>
                 <a:srgbClr val="000000"/>
               </a:solidFill>
@@ -288,11 +396,12 @@
           </a:prstGeom>
         </p:spPr>
         <p:txBody>
-          <a:bodyPr lIns="0" rIns="0" tIns="0" bIns="0">
+          <a:bodyPr lIns="0" tIns="0" rIns="0" bIns="0">
             <a:normAutofit/>
           </a:bodyPr>
-          <a:p>
-            <a:endParaRPr b="0" lang="en-US" sz="3200" spc="-1" strike="noStrike">
+          <a:lstStyle/>
+          <a:p>
+            <a:endParaRPr lang="en-US" sz="3200" b="0" strike="noStrike" spc="-1">
               <a:solidFill>
                 <a:srgbClr val="000000"/>
               </a:solidFill>
@@ -321,11 +430,12 @@
           </a:prstGeom>
         </p:spPr>
         <p:txBody>
-          <a:bodyPr lIns="0" rIns="0" tIns="0" bIns="0">
+          <a:bodyPr lIns="0" tIns="0" rIns="0" bIns="0">
             <a:normAutofit/>
           </a:bodyPr>
-          <a:p>
-            <a:endParaRPr b="0" lang="en-US" sz="3200" spc="-1" strike="noStrike">
+          <a:lstStyle/>
+          <a:p>
+            <a:endParaRPr lang="en-US" sz="3200" b="0" strike="noStrike" spc="-1">
               <a:solidFill>
                 <a:srgbClr val="000000"/>
               </a:solidFill>
@@ -336,11 +446,14 @@
       </p:sp>
     </p:spTree>
   </p:cSld>
+  <p:clrMapOvr>
+    <a:masterClrMapping/>
+  </p:clrMapOvr>
 </p:sldLayout>
 </file>
 
 <file path=ppt/slideLayouts/slideLayout12.xml><?xml version="1.0" encoding="utf-8"?>
-<p:sldLayout xmlns:a="http://schemas.openxmlformats.org/drawingml/2006/main" xmlns:p="http://schemas.openxmlformats.org/presentationml/2006/main" xmlns:r="http://schemas.openxmlformats.org/officeDocument/2006/relationships" xmlns:p14="http://schemas.microsoft.com/office/powerpoint/2010/main" xmlns:p15="http://schemas.microsoft.com/office/powerpoint/2012/main" xmlns:mc="http://schemas.openxmlformats.org/markup-compatibility/2006" type="blank" preserve="1">
+<p:sldLayout xmlns:a="http://schemas.openxmlformats.org/drawingml/2006/main" xmlns:r="http://schemas.openxmlformats.org/officeDocument/2006/relationships" xmlns:p="http://schemas.openxmlformats.org/presentationml/2006/main" type="blank" preserve="1">
   <p:cSld name="Title, 6 Content">
     <p:spTree>
       <p:nvGrpSpPr>
@@ -376,9 +489,10 @@
           </a:prstGeom>
         </p:spPr>
         <p:txBody>
-          <a:bodyPr lIns="0" rIns="0" tIns="0" bIns="0" anchor="ctr"/>
-          <a:p>
-            <a:endParaRPr b="0" lang="en-US" sz="1800" spc="-1" strike="noStrike">
+          <a:bodyPr lIns="0" tIns="0" rIns="0" bIns="0" anchor="ctr"/>
+          <a:lstStyle/>
+          <a:p>
+            <a:endParaRPr lang="en-US" sz="1800" b="0" strike="noStrike" spc="-1">
               <a:solidFill>
                 <a:srgbClr val="000000"/>
               </a:solidFill>
@@ -407,11 +521,12 @@
           </a:prstGeom>
         </p:spPr>
         <p:txBody>
-          <a:bodyPr lIns="0" rIns="0" tIns="0" bIns="0">
+          <a:bodyPr lIns="0" tIns="0" rIns="0" bIns="0">
             <a:normAutofit/>
           </a:bodyPr>
-          <a:p>
-            <a:endParaRPr b="0" lang="en-US" sz="3200" spc="-1" strike="noStrike">
+          <a:lstStyle/>
+          <a:p>
+            <a:endParaRPr lang="en-US" sz="3200" b="0" strike="noStrike" spc="-1">
               <a:solidFill>
                 <a:srgbClr val="000000"/>
               </a:solidFill>
@@ -440,11 +555,12 @@
           </a:prstGeom>
         </p:spPr>
         <p:txBody>
-          <a:bodyPr lIns="0" rIns="0" tIns="0" bIns="0">
+          <a:bodyPr lIns="0" tIns="0" rIns="0" bIns="0">
             <a:normAutofit/>
           </a:bodyPr>
-          <a:p>
-            <a:endParaRPr b="0" lang="en-US" sz="3200" spc="-1" strike="noStrike">
+          <a:lstStyle/>
+          <a:p>
+            <a:endParaRPr lang="en-US" sz="3200" b="0" strike="noStrike" spc="-1">
               <a:solidFill>
                 <a:srgbClr val="000000"/>
               </a:solidFill>
@@ -473,11 +589,12 @@
           </a:prstGeom>
         </p:spPr>
         <p:txBody>
-          <a:bodyPr lIns="0" rIns="0" tIns="0" bIns="0">
+          <a:bodyPr lIns="0" tIns="0" rIns="0" bIns="0">
             <a:normAutofit/>
           </a:bodyPr>
-          <a:p>
-            <a:endParaRPr b="0" lang="en-US" sz="3200" spc="-1" strike="noStrike">
+          <a:lstStyle/>
+          <a:p>
+            <a:endParaRPr lang="en-US" sz="3200" b="0" strike="noStrike" spc="-1">
               <a:solidFill>
                 <a:srgbClr val="000000"/>
               </a:solidFill>
@@ -506,11 +623,12 @@
           </a:prstGeom>
         </p:spPr>
         <p:txBody>
-          <a:bodyPr lIns="0" rIns="0" tIns="0" bIns="0">
+          <a:bodyPr lIns="0" tIns="0" rIns="0" bIns="0">
             <a:normAutofit/>
           </a:bodyPr>
-          <a:p>
-            <a:endParaRPr b="0" lang="en-US" sz="3200" spc="-1" strike="noStrike">
+          <a:lstStyle/>
+          <a:p>
+            <a:endParaRPr lang="en-US" sz="3200" b="0" strike="noStrike" spc="-1">
               <a:solidFill>
                 <a:srgbClr val="000000"/>
               </a:solidFill>
@@ -539,11 +657,12 @@
           </a:prstGeom>
         </p:spPr>
         <p:txBody>
-          <a:bodyPr lIns="0" rIns="0" tIns="0" bIns="0">
+          <a:bodyPr lIns="0" tIns="0" rIns="0" bIns="0">
             <a:normAutofit/>
           </a:bodyPr>
-          <a:p>
-            <a:endParaRPr b="0" lang="en-US" sz="3200" spc="-1" strike="noStrike">
+          <a:lstStyle/>
+          <a:p>
+            <a:endParaRPr lang="en-US" sz="3200" b="0" strike="noStrike" spc="-1">
               <a:solidFill>
                 <a:srgbClr val="000000"/>
               </a:solidFill>
@@ -572,11 +691,12 @@
           </a:prstGeom>
         </p:spPr>
         <p:txBody>
-          <a:bodyPr lIns="0" rIns="0" tIns="0" bIns="0">
+          <a:bodyPr lIns="0" tIns="0" rIns="0" bIns="0">
             <a:normAutofit/>
           </a:bodyPr>
-          <a:p>
-            <a:endParaRPr b="0" lang="en-US" sz="3200" spc="-1" strike="noStrike">
+          <a:lstStyle/>
+          <a:p>
+            <a:endParaRPr lang="en-US" sz="3200" b="0" strike="noStrike" spc="-1">
               <a:solidFill>
                 <a:srgbClr val="000000"/>
               </a:solidFill>
@@ -587,11 +707,14 @@
       </p:sp>
     </p:spTree>
   </p:cSld>
+  <p:clrMapOvr>
+    <a:masterClrMapping/>
+  </p:clrMapOvr>
 </p:sldLayout>
 </file>
 
 <file path=ppt/slideLayouts/slideLayout2.xml><?xml version="1.0" encoding="utf-8"?>
-<p:sldLayout xmlns:a="http://schemas.openxmlformats.org/drawingml/2006/main" xmlns:p="http://schemas.openxmlformats.org/presentationml/2006/main" xmlns:r="http://schemas.openxmlformats.org/officeDocument/2006/relationships" xmlns:p14="http://schemas.microsoft.com/office/powerpoint/2010/main" xmlns:p15="http://schemas.microsoft.com/office/powerpoint/2012/main" xmlns:mc="http://schemas.openxmlformats.org/markup-compatibility/2006" type="tx" preserve="1">
+<p:sldLayout xmlns:a="http://schemas.openxmlformats.org/drawingml/2006/main" xmlns:r="http://schemas.openxmlformats.org/officeDocument/2006/relationships" xmlns:p="http://schemas.openxmlformats.org/presentationml/2006/main" type="tx" preserve="1">
   <p:cSld name="Title Slide">
     <p:spTree>
       <p:nvGrpSpPr>
@@ -627,9 +750,10 @@
           </a:prstGeom>
         </p:spPr>
         <p:txBody>
-          <a:bodyPr lIns="0" rIns="0" tIns="0" bIns="0" anchor="ctr"/>
-          <a:p>
-            <a:endParaRPr b="0" lang="en-US" sz="1800" spc="-1" strike="noStrike">
+          <a:bodyPr lIns="0" tIns="0" rIns="0" bIns="0" anchor="ctr"/>
+          <a:lstStyle/>
+          <a:p>
+            <a:endParaRPr lang="en-US" sz="1800" b="0" strike="noStrike" spc="-1">
               <a:solidFill>
                 <a:srgbClr val="000000"/>
               </a:solidFill>
@@ -658,10 +782,11 @@
           </a:prstGeom>
         </p:spPr>
         <p:txBody>
-          <a:bodyPr lIns="0" rIns="0" tIns="0" bIns="0" anchor="ctr"/>
+          <a:bodyPr lIns="0" tIns="0" rIns="0" bIns="0" anchor="ctr"/>
+          <a:lstStyle/>
           <a:p>
             <a:pPr algn="ctr"/>
-            <a:endParaRPr b="0" lang="en-IN" sz="3200" spc="-1" strike="noStrike">
+            <a:endParaRPr lang="en-IN" sz="3200" b="0" strike="noStrike" spc="-1">
               <a:latin typeface="Arial"/>
             </a:endParaRPr>
           </a:p>
@@ -669,11 +794,14 @@
       </p:sp>
     </p:spTree>
   </p:cSld>
+  <p:clrMapOvr>
+    <a:masterClrMapping/>
+  </p:clrMapOvr>
 </p:sldLayout>
 </file>
 
 <file path=ppt/slideLayouts/slideLayout3.xml><?xml version="1.0" encoding="utf-8"?>
-<p:sldLayout xmlns:a="http://schemas.openxmlformats.org/drawingml/2006/main" xmlns:p="http://schemas.openxmlformats.org/presentationml/2006/main" xmlns:r="http://schemas.openxmlformats.org/officeDocument/2006/relationships" xmlns:p14="http://schemas.microsoft.com/office/powerpoint/2010/main" xmlns:p15="http://schemas.microsoft.com/office/powerpoint/2012/main" xmlns:mc="http://schemas.openxmlformats.org/markup-compatibility/2006" type="obj" preserve="1">
+<p:sldLayout xmlns:a="http://schemas.openxmlformats.org/drawingml/2006/main" xmlns:r="http://schemas.openxmlformats.org/officeDocument/2006/relationships" xmlns:p="http://schemas.openxmlformats.org/presentationml/2006/main" type="obj" preserve="1">
   <p:cSld name="Title, Content">
     <p:spTree>
       <p:nvGrpSpPr>
@@ -709,9 +837,10 @@
           </a:prstGeom>
         </p:spPr>
         <p:txBody>
-          <a:bodyPr lIns="0" rIns="0" tIns="0" bIns="0" anchor="ctr"/>
-          <a:p>
-            <a:endParaRPr b="0" lang="en-US" sz="1800" spc="-1" strike="noStrike">
+          <a:bodyPr lIns="0" tIns="0" rIns="0" bIns="0" anchor="ctr"/>
+          <a:lstStyle/>
+          <a:p>
+            <a:endParaRPr lang="en-US" sz="1800" b="0" strike="noStrike" spc="-1">
               <a:solidFill>
                 <a:srgbClr val="000000"/>
               </a:solidFill>
@@ -740,11 +869,12 @@
           </a:prstGeom>
         </p:spPr>
         <p:txBody>
-          <a:bodyPr lIns="0" rIns="0" tIns="0" bIns="0">
+          <a:bodyPr lIns="0" tIns="0" rIns="0" bIns="0">
             <a:normAutofit/>
           </a:bodyPr>
-          <a:p>
-            <a:endParaRPr b="0" lang="en-US" sz="3200" spc="-1" strike="noStrike">
+          <a:lstStyle/>
+          <a:p>
+            <a:endParaRPr lang="en-US" sz="3200" b="0" strike="noStrike" spc="-1">
               <a:solidFill>
                 <a:srgbClr val="000000"/>
               </a:solidFill>
@@ -755,11 +885,14 @@
       </p:sp>
     </p:spTree>
   </p:cSld>
+  <p:clrMapOvr>
+    <a:masterClrMapping/>
+  </p:clrMapOvr>
 </p:sldLayout>
 </file>
 
 <file path=ppt/slideLayouts/slideLayout4.xml><?xml version="1.0" encoding="utf-8"?>
-<p:sldLayout xmlns:a="http://schemas.openxmlformats.org/drawingml/2006/main" xmlns:p="http://schemas.openxmlformats.org/presentationml/2006/main" xmlns:r="http://schemas.openxmlformats.org/officeDocument/2006/relationships" xmlns:p14="http://schemas.microsoft.com/office/powerpoint/2010/main" xmlns:p15="http://schemas.microsoft.com/office/powerpoint/2012/main" xmlns:mc="http://schemas.openxmlformats.org/markup-compatibility/2006" type="twoObj" preserve="1">
+<p:sldLayout xmlns:a="http://schemas.openxmlformats.org/drawingml/2006/main" xmlns:r="http://schemas.openxmlformats.org/officeDocument/2006/relationships" xmlns:p="http://schemas.openxmlformats.org/presentationml/2006/main" type="twoObj" preserve="1">
   <p:cSld name="Title, 2 Content">
     <p:spTree>
       <p:nvGrpSpPr>
@@ -795,9 +928,10 @@
           </a:prstGeom>
         </p:spPr>
         <p:txBody>
-          <a:bodyPr lIns="0" rIns="0" tIns="0" bIns="0" anchor="ctr"/>
-          <a:p>
-            <a:endParaRPr b="0" lang="en-US" sz="1800" spc="-1" strike="noStrike">
+          <a:bodyPr lIns="0" tIns="0" rIns="0" bIns="0" anchor="ctr"/>
+          <a:lstStyle/>
+          <a:p>
+            <a:endParaRPr lang="en-US" sz="1800" b="0" strike="noStrike" spc="-1">
               <a:solidFill>
                 <a:srgbClr val="000000"/>
               </a:solidFill>
@@ -826,11 +960,12 @@
           </a:prstGeom>
         </p:spPr>
         <p:txBody>
-          <a:bodyPr lIns="0" rIns="0" tIns="0" bIns="0">
+          <a:bodyPr lIns="0" tIns="0" rIns="0" bIns="0">
             <a:normAutofit/>
           </a:bodyPr>
-          <a:p>
-            <a:endParaRPr b="0" lang="en-US" sz="3200" spc="-1" strike="noStrike">
+          <a:lstStyle/>
+          <a:p>
+            <a:endParaRPr lang="en-US" sz="3200" b="0" strike="noStrike" spc="-1">
               <a:solidFill>
                 <a:srgbClr val="000000"/>
               </a:solidFill>
@@ -859,11 +994,12 @@
           </a:prstGeom>
         </p:spPr>
         <p:txBody>
-          <a:bodyPr lIns="0" rIns="0" tIns="0" bIns="0">
+          <a:bodyPr lIns="0" tIns="0" rIns="0" bIns="0">
             <a:normAutofit/>
           </a:bodyPr>
-          <a:p>
-            <a:endParaRPr b="0" lang="en-US" sz="3200" spc="-1" strike="noStrike">
+          <a:lstStyle/>
+          <a:p>
+            <a:endParaRPr lang="en-US" sz="3200" b="0" strike="noStrike" spc="-1">
               <a:solidFill>
                 <a:srgbClr val="000000"/>
               </a:solidFill>
@@ -874,11 +1010,14 @@
       </p:sp>
     </p:spTree>
   </p:cSld>
+  <p:clrMapOvr>
+    <a:masterClrMapping/>
+  </p:clrMapOvr>
 </p:sldLayout>
 </file>
 
 <file path=ppt/slideLayouts/slideLayout5.xml><?xml version="1.0" encoding="utf-8"?>
-<p:sldLayout xmlns:a="http://schemas.openxmlformats.org/drawingml/2006/main" xmlns:p="http://schemas.openxmlformats.org/presentationml/2006/main" xmlns:r="http://schemas.openxmlformats.org/officeDocument/2006/relationships" xmlns:p14="http://schemas.microsoft.com/office/powerpoint/2010/main" xmlns:p15="http://schemas.microsoft.com/office/powerpoint/2012/main" xmlns:mc="http://schemas.openxmlformats.org/markup-compatibility/2006" type="titleOnly" preserve="1">
+<p:sldLayout xmlns:a="http://schemas.openxmlformats.org/drawingml/2006/main" xmlns:r="http://schemas.openxmlformats.org/officeDocument/2006/relationships" xmlns:p="http://schemas.openxmlformats.org/presentationml/2006/main" type="titleOnly" preserve="1">
   <p:cSld name="Title Only">
     <p:spTree>
       <p:nvGrpSpPr>
@@ -914,9 +1053,10 @@
           </a:prstGeom>
         </p:spPr>
         <p:txBody>
-          <a:bodyPr lIns="0" rIns="0" tIns="0" bIns="0" anchor="ctr"/>
-          <a:p>
-            <a:endParaRPr b="0" lang="en-US" sz="1800" spc="-1" strike="noStrike">
+          <a:bodyPr lIns="0" tIns="0" rIns="0" bIns="0" anchor="ctr"/>
+          <a:lstStyle/>
+          <a:p>
+            <a:endParaRPr lang="en-US" sz="1800" b="0" strike="noStrike" spc="-1">
               <a:solidFill>
                 <a:srgbClr val="000000"/>
               </a:solidFill>
@@ -927,11 +1067,14 @@
       </p:sp>
     </p:spTree>
   </p:cSld>
+  <p:clrMapOvr>
+    <a:masterClrMapping/>
+  </p:clrMapOvr>
 </p:sldLayout>
 </file>
 
 <file path=ppt/slideLayouts/slideLayout6.xml><?xml version="1.0" encoding="utf-8"?>
-<p:sldLayout xmlns:a="http://schemas.openxmlformats.org/drawingml/2006/main" xmlns:p="http://schemas.openxmlformats.org/presentationml/2006/main" xmlns:r="http://schemas.openxmlformats.org/officeDocument/2006/relationships" xmlns:p14="http://schemas.microsoft.com/office/powerpoint/2010/main" xmlns:p15="http://schemas.microsoft.com/office/powerpoint/2012/main" xmlns:mc="http://schemas.openxmlformats.org/markup-compatibility/2006" type="objOnly" preserve="1">
+<p:sldLayout xmlns:a="http://schemas.openxmlformats.org/drawingml/2006/main" xmlns:r="http://schemas.openxmlformats.org/officeDocument/2006/relationships" xmlns:p="http://schemas.openxmlformats.org/presentationml/2006/main" type="objOnly" preserve="1">
   <p:cSld name="Centered Text">
     <p:spTree>
       <p:nvGrpSpPr>
@@ -967,10 +1110,11 @@
           </a:prstGeom>
         </p:spPr>
         <p:txBody>
-          <a:bodyPr lIns="0" rIns="0" tIns="0" bIns="0" anchor="ctr"/>
+          <a:bodyPr lIns="0" tIns="0" rIns="0" bIns="0" anchor="ctr"/>
+          <a:lstStyle/>
           <a:p>
             <a:pPr algn="ctr"/>
-            <a:endParaRPr b="0" lang="en-IN" sz="3200" spc="-1" strike="noStrike">
+            <a:endParaRPr lang="en-IN" sz="3200" b="0" strike="noStrike" spc="-1">
               <a:latin typeface="Arial"/>
             </a:endParaRPr>
           </a:p>
@@ -978,11 +1122,14 @@
       </p:sp>
     </p:spTree>
   </p:cSld>
+  <p:clrMapOvr>
+    <a:masterClrMapping/>
+  </p:clrMapOvr>
 </p:sldLayout>
 </file>
 
 <file path=ppt/slideLayouts/slideLayout7.xml><?xml version="1.0" encoding="utf-8"?>
-<p:sldLayout xmlns:a="http://schemas.openxmlformats.org/drawingml/2006/main" xmlns:p="http://schemas.openxmlformats.org/presentationml/2006/main" xmlns:r="http://schemas.openxmlformats.org/officeDocument/2006/relationships" xmlns:p14="http://schemas.microsoft.com/office/powerpoint/2010/main" xmlns:p15="http://schemas.microsoft.com/office/powerpoint/2012/main" xmlns:mc="http://schemas.openxmlformats.org/markup-compatibility/2006" type="twoObjAndObj" preserve="1">
+<p:sldLayout xmlns:a="http://schemas.openxmlformats.org/drawingml/2006/main" xmlns:r="http://schemas.openxmlformats.org/officeDocument/2006/relationships" xmlns:p="http://schemas.openxmlformats.org/presentationml/2006/main" type="twoObjAndObj" preserve="1">
   <p:cSld name="Title, 2 Content and Content">
     <p:spTree>
       <p:nvGrpSpPr>
@@ -1018,9 +1165,10 @@
           </a:prstGeom>
         </p:spPr>
         <p:txBody>
-          <a:bodyPr lIns="0" rIns="0" tIns="0" bIns="0" anchor="ctr"/>
-          <a:p>
-            <a:endParaRPr b="0" lang="en-US" sz="1800" spc="-1" strike="noStrike">
+          <a:bodyPr lIns="0" tIns="0" rIns="0" bIns="0" anchor="ctr"/>
+          <a:lstStyle/>
+          <a:p>
+            <a:endParaRPr lang="en-US" sz="1800" b="0" strike="noStrike" spc="-1">
               <a:solidFill>
                 <a:srgbClr val="000000"/>
               </a:solidFill>
@@ -1049,11 +1197,12 @@
           </a:prstGeom>
         </p:spPr>
         <p:txBody>
-          <a:bodyPr lIns="0" rIns="0" tIns="0" bIns="0">
+          <a:bodyPr lIns="0" tIns="0" rIns="0" bIns="0">
             <a:normAutofit/>
           </a:bodyPr>
-          <a:p>
-            <a:endParaRPr b="0" lang="en-US" sz="3200" spc="-1" strike="noStrike">
+          <a:lstStyle/>
+          <a:p>
+            <a:endParaRPr lang="en-US" sz="3200" b="0" strike="noStrike" spc="-1">
               <a:solidFill>
                 <a:srgbClr val="000000"/>
               </a:solidFill>
@@ -1082,11 +1231,12 @@
           </a:prstGeom>
         </p:spPr>
         <p:txBody>
-          <a:bodyPr lIns="0" rIns="0" tIns="0" bIns="0">
+          <a:bodyPr lIns="0" tIns="0" rIns="0" bIns="0">
             <a:normAutofit/>
           </a:bodyPr>
-          <a:p>
-            <a:endParaRPr b="0" lang="en-US" sz="3200" spc="-1" strike="noStrike">
+          <a:lstStyle/>
+          <a:p>
+            <a:endParaRPr lang="en-US" sz="3200" b="0" strike="noStrike" spc="-1">
               <a:solidFill>
                 <a:srgbClr val="000000"/>
               </a:solidFill>
@@ -1115,11 +1265,12 @@
           </a:prstGeom>
         </p:spPr>
         <p:txBody>
-          <a:bodyPr lIns="0" rIns="0" tIns="0" bIns="0">
+          <a:bodyPr lIns="0" tIns="0" rIns="0" bIns="0">
             <a:normAutofit/>
           </a:bodyPr>
-          <a:p>
-            <a:endParaRPr b="0" lang="en-US" sz="3200" spc="-1" strike="noStrike">
+          <a:lstStyle/>
+          <a:p>
+            <a:endParaRPr lang="en-US" sz="3200" b="0" strike="noStrike" spc="-1">
               <a:solidFill>
                 <a:srgbClr val="000000"/>
               </a:solidFill>
@@ -1130,11 +1281,14 @@
       </p:sp>
     </p:spTree>
   </p:cSld>
+  <p:clrMapOvr>
+    <a:masterClrMapping/>
+  </p:clrMapOvr>
 </p:sldLayout>
 </file>
 
 <file path=ppt/slideLayouts/slideLayout8.xml><?xml version="1.0" encoding="utf-8"?>
-<p:sldLayout xmlns:a="http://schemas.openxmlformats.org/drawingml/2006/main" xmlns:p="http://schemas.openxmlformats.org/presentationml/2006/main" xmlns:r="http://schemas.openxmlformats.org/officeDocument/2006/relationships" xmlns:p14="http://schemas.microsoft.com/office/powerpoint/2010/main" xmlns:p15="http://schemas.microsoft.com/office/powerpoint/2012/main" xmlns:mc="http://schemas.openxmlformats.org/markup-compatibility/2006" type="objAndTwoObj" preserve="1">
+<p:sldLayout xmlns:a="http://schemas.openxmlformats.org/drawingml/2006/main" xmlns:r="http://schemas.openxmlformats.org/officeDocument/2006/relationships" xmlns:p="http://schemas.openxmlformats.org/presentationml/2006/main" type="objAndTwoObj" preserve="1">
   <p:cSld name="Title Content and 2 Content">
     <p:spTree>
       <p:nvGrpSpPr>
@@ -1170,9 +1324,10 @@
           </a:prstGeom>
         </p:spPr>
         <p:txBody>
-          <a:bodyPr lIns="0" rIns="0" tIns="0" bIns="0" anchor="ctr"/>
-          <a:p>
-            <a:endParaRPr b="0" lang="en-US" sz="1800" spc="-1" strike="noStrike">
+          <a:bodyPr lIns="0" tIns="0" rIns="0" bIns="0" anchor="ctr"/>
+          <a:lstStyle/>
+          <a:p>
+            <a:endParaRPr lang="en-US" sz="1800" b="0" strike="noStrike" spc="-1">
               <a:solidFill>
                 <a:srgbClr val="000000"/>
               </a:solidFill>
@@ -1201,11 +1356,12 @@
           </a:prstGeom>
         </p:spPr>
         <p:txBody>
-          <a:bodyPr lIns="0" rIns="0" tIns="0" bIns="0">
+          <a:bodyPr lIns="0" tIns="0" rIns="0" bIns="0">
             <a:normAutofit/>
           </a:bodyPr>
-          <a:p>
-            <a:endParaRPr b="0" lang="en-US" sz="3200" spc="-1" strike="noStrike">
+          <a:lstStyle/>
+          <a:p>
+            <a:endParaRPr lang="en-US" sz="3200" b="0" strike="noStrike" spc="-1">
               <a:solidFill>
                 <a:srgbClr val="000000"/>
               </a:solidFill>
@@ -1234,11 +1390,12 @@
           </a:prstGeom>
         </p:spPr>
         <p:txBody>
-          <a:bodyPr lIns="0" rIns="0" tIns="0" bIns="0">
+          <a:bodyPr lIns="0" tIns="0" rIns="0" bIns="0">
             <a:normAutofit/>
           </a:bodyPr>
-          <a:p>
-            <a:endParaRPr b="0" lang="en-US" sz="3200" spc="-1" strike="noStrike">
+          <a:lstStyle/>
+          <a:p>
+            <a:endParaRPr lang="en-US" sz="3200" b="0" strike="noStrike" spc="-1">
               <a:solidFill>
                 <a:srgbClr val="000000"/>
               </a:solidFill>
@@ -1267,11 +1424,12 @@
           </a:prstGeom>
         </p:spPr>
         <p:txBody>
-          <a:bodyPr lIns="0" rIns="0" tIns="0" bIns="0">
+          <a:bodyPr lIns="0" tIns="0" rIns="0" bIns="0">
             <a:normAutofit/>
           </a:bodyPr>
-          <a:p>
-            <a:endParaRPr b="0" lang="en-US" sz="3200" spc="-1" strike="noStrike">
+          <a:lstStyle/>
+          <a:p>
+            <a:endParaRPr lang="en-US" sz="3200" b="0" strike="noStrike" spc="-1">
               <a:solidFill>
                 <a:srgbClr val="000000"/>
               </a:solidFill>
@@ -1282,11 +1440,14 @@
       </p:sp>
     </p:spTree>
   </p:cSld>
+  <p:clrMapOvr>
+    <a:masterClrMapping/>
+  </p:clrMapOvr>
 </p:sldLayout>
 </file>
 
 <file path=ppt/slideLayouts/slideLayout9.xml><?xml version="1.0" encoding="utf-8"?>
-<p:sldLayout xmlns:a="http://schemas.openxmlformats.org/drawingml/2006/main" xmlns:p="http://schemas.openxmlformats.org/presentationml/2006/main" xmlns:r="http://schemas.openxmlformats.org/officeDocument/2006/relationships" xmlns:p14="http://schemas.microsoft.com/office/powerpoint/2010/main" xmlns:p15="http://schemas.microsoft.com/office/powerpoint/2012/main" xmlns:mc="http://schemas.openxmlformats.org/markup-compatibility/2006" type="twoObjOverTx" preserve="1">
+<p:sldLayout xmlns:a="http://schemas.openxmlformats.org/drawingml/2006/main" xmlns:r="http://schemas.openxmlformats.org/officeDocument/2006/relationships" xmlns:p="http://schemas.openxmlformats.org/presentationml/2006/main" type="twoObjOverTx" preserve="1">
   <p:cSld name="Title, 2 Content over Content">
     <p:spTree>
       <p:nvGrpSpPr>
@@ -1322,9 +1483,10 @@
           </a:prstGeom>
         </p:spPr>
         <p:txBody>
-          <a:bodyPr lIns="0" rIns="0" tIns="0" bIns="0" anchor="ctr"/>
-          <a:p>
-            <a:endParaRPr b="0" lang="en-US" sz="1800" spc="-1" strike="noStrike">
+          <a:bodyPr lIns="0" tIns="0" rIns="0" bIns="0" anchor="ctr"/>
+          <a:lstStyle/>
+          <a:p>
+            <a:endParaRPr lang="en-US" sz="1800" b="0" strike="noStrike" spc="-1">
               <a:solidFill>
                 <a:srgbClr val="000000"/>
               </a:solidFill>
@@ -1353,11 +1515,12 @@
           </a:prstGeom>
         </p:spPr>
         <p:txBody>
-          <a:bodyPr lIns="0" rIns="0" tIns="0" bIns="0">
+          <a:bodyPr lIns="0" tIns="0" rIns="0" bIns="0">
             <a:normAutofit/>
           </a:bodyPr>
-          <a:p>
-            <a:endParaRPr b="0" lang="en-US" sz="3200" spc="-1" strike="noStrike">
+          <a:lstStyle/>
+          <a:p>
+            <a:endParaRPr lang="en-US" sz="3200" b="0" strike="noStrike" spc="-1">
               <a:solidFill>
                 <a:srgbClr val="000000"/>
               </a:solidFill>
@@ -1386,11 +1549,12 @@
           </a:prstGeom>
         </p:spPr>
         <p:txBody>
-          <a:bodyPr lIns="0" rIns="0" tIns="0" bIns="0">
+          <a:bodyPr lIns="0" tIns="0" rIns="0" bIns="0">
             <a:normAutofit/>
           </a:bodyPr>
-          <a:p>
-            <a:endParaRPr b="0" lang="en-US" sz="3200" spc="-1" strike="noStrike">
+          <a:lstStyle/>
+          <a:p>
+            <a:endParaRPr lang="en-US" sz="3200" b="0" strike="noStrike" spc="-1">
               <a:solidFill>
                 <a:srgbClr val="000000"/>
               </a:solidFill>
@@ -1419,11 +1583,12 @@
           </a:prstGeom>
         </p:spPr>
         <p:txBody>
-          <a:bodyPr lIns="0" rIns="0" tIns="0" bIns="0">
+          <a:bodyPr lIns="0" tIns="0" rIns="0" bIns="0">
             <a:normAutofit/>
           </a:bodyPr>
-          <a:p>
-            <a:endParaRPr b="0" lang="en-US" sz="3200" spc="-1" strike="noStrike">
+          <a:lstStyle/>
+          <a:p>
+            <a:endParaRPr lang="en-US" sz="3200" b="0" strike="noStrike" spc="-1">
               <a:solidFill>
                 <a:srgbClr val="000000"/>
               </a:solidFill>
@@ -1434,17 +1599,21 @@
       </p:sp>
     </p:spTree>
   </p:cSld>
+  <p:clrMapOvr>
+    <a:masterClrMapping/>
+  </p:clrMapOvr>
 </p:sldLayout>
 </file>
 
 <file path=ppt/slideMasters/slideMaster1.xml><?xml version="1.0" encoding="utf-8"?>
-<p:sldMaster xmlns:a="http://schemas.openxmlformats.org/drawingml/2006/main" xmlns:p="http://schemas.openxmlformats.org/presentationml/2006/main" xmlns:r="http://schemas.openxmlformats.org/officeDocument/2006/relationships" xmlns:p14="http://schemas.microsoft.com/office/powerpoint/2010/main" xmlns:p15="http://schemas.microsoft.com/office/powerpoint/2012/main" xmlns:mc="http://schemas.openxmlformats.org/markup-compatibility/2006">
+<p:sldMaster xmlns:a="http://schemas.openxmlformats.org/drawingml/2006/main" xmlns:r="http://schemas.openxmlformats.org/officeDocument/2006/relationships" xmlns:p="http://schemas.openxmlformats.org/presentationml/2006/main">
   <p:cSld>
     <p:bg>
       <p:bgPr>
         <a:solidFill>
-          <a:srgbClr val="ffffff"/>
+          <a:srgbClr val="FFFFFF"/>
         </a:solidFill>
+        <a:effectLst/>
       </p:bgPr>
     </p:bg>
     <p:spTree>
@@ -1463,7 +1632,7 @@
       </p:grpSpPr>
       <p:sp>
         <p:nvSpPr>
-          <p:cNvPr id="0" name="PlaceHolder 1"/>
+          <p:cNvPr id="5" name="PlaceHolder 1"/>
           <p:cNvSpPr>
             <a:spLocks noGrp="1"/>
           </p:cNvSpPr>
@@ -1482,6 +1651,7 @@
         </p:spPr>
         <p:txBody>
           <a:bodyPr anchor="ctr"/>
+          <a:lstStyle/>
           <a:p>
             <a:pPr algn="ctr">
               <a:lnSpc>
@@ -1489,7 +1659,7 @@
               </a:lnSpc>
             </a:pPr>
             <a:r>
-              <a:rPr b="0" lang="en-US" sz="4400" spc="-1" strike="noStrike">
+              <a:rPr lang="en-US" sz="4400" b="0" strike="noStrike" spc="-1">
                 <a:solidFill>
                   <a:srgbClr val="000000"/>
                 </a:solidFill>
@@ -1497,18 +1667,12 @@
               </a:rPr>
               <a:t>Click to edit Master title style</a:t>
             </a:r>
-            <a:endParaRPr b="0" lang="en-US" sz="4400" spc="-1" strike="noStrike">
-              <a:solidFill>
-                <a:srgbClr val="000000"/>
-              </a:solidFill>
-              <a:latin typeface="Calibri"/>
-            </a:endParaRPr>
-          </a:p>
-        </p:txBody>
-      </p:sp>
-      <p:sp>
-        <p:nvSpPr>
-          <p:cNvPr id="1" name="PlaceHolder 2"/>
+          </a:p>
+        </p:txBody>
+      </p:sp>
+      <p:sp>
+        <p:nvSpPr>
+          <p:cNvPr id="6" name="PlaceHolder 2"/>
           <p:cNvSpPr>
             <a:spLocks noGrp="1"/>
           </p:cNvSpPr>
@@ -1527,6 +1691,7 @@
         </p:spPr>
         <p:txBody>
           <a:bodyPr/>
+          <a:lstStyle/>
           <a:p>
             <a:pPr marL="343080" indent="-342720">
               <a:lnSpc>
@@ -1542,7 +1707,7 @@
               <a:buChar char="•"/>
             </a:pPr>
             <a:r>
-              <a:rPr b="0" lang="en-US" sz="3200" spc="-1" strike="noStrike">
+              <a:rPr lang="en-US" sz="3200" b="0" strike="noStrike" spc="-1">
                 <a:solidFill>
                   <a:srgbClr val="000000"/>
                 </a:solidFill>
@@ -1550,15 +1715,9 @@
               </a:rPr>
               <a:t>Click to edit Master text styles</a:t>
             </a:r>
-            <a:endParaRPr b="0" lang="en-US" sz="3200" spc="-1" strike="noStrike">
-              <a:solidFill>
-                <a:srgbClr val="000000"/>
-              </a:solidFill>
-              <a:latin typeface="Calibri"/>
-            </a:endParaRPr>
-          </a:p>
-          <a:p>
-            <a:pPr lvl="1" marL="743040" indent="-285480">
+          </a:p>
+          <a:p>
+            <a:pPr marL="743040" lvl="1" indent="-285480">
               <a:lnSpc>
                 <a:spcPct val="100000"/>
               </a:lnSpc>
@@ -1572,7 +1731,7 @@
               <a:buChar char="–"/>
             </a:pPr>
             <a:r>
-              <a:rPr b="0" lang="en-US" sz="2800" spc="-1" strike="noStrike">
+              <a:rPr lang="en-US" sz="2800" b="0" strike="noStrike" spc="-1">
                 <a:solidFill>
                   <a:srgbClr val="000000"/>
                 </a:solidFill>
@@ -1580,15 +1739,9 @@
               </a:rPr>
               <a:t>Second level</a:t>
             </a:r>
-            <a:endParaRPr b="0" lang="en-US" sz="2800" spc="-1" strike="noStrike">
-              <a:solidFill>
-                <a:srgbClr val="000000"/>
-              </a:solidFill>
-              <a:latin typeface="Calibri"/>
-            </a:endParaRPr>
-          </a:p>
-          <a:p>
-            <a:pPr lvl="2" marL="1143000" indent="-228240">
+          </a:p>
+          <a:p>
+            <a:pPr marL="1143000" lvl="2" indent="-228240">
               <a:lnSpc>
                 <a:spcPct val="100000"/>
               </a:lnSpc>
@@ -1602,7 +1755,7 @@
               <a:buChar char="•"/>
             </a:pPr>
             <a:r>
-              <a:rPr b="0" lang="en-US" sz="2400" spc="-1" strike="noStrike">
+              <a:rPr lang="en-US" sz="2400" b="0" strike="noStrike" spc="-1">
                 <a:solidFill>
                   <a:srgbClr val="000000"/>
                 </a:solidFill>
@@ -1610,15 +1763,9 @@
               </a:rPr>
               <a:t>Third level</a:t>
             </a:r>
-            <a:endParaRPr b="0" lang="en-US" sz="2400" spc="-1" strike="noStrike">
-              <a:solidFill>
-                <a:srgbClr val="000000"/>
-              </a:solidFill>
-              <a:latin typeface="Calibri"/>
-            </a:endParaRPr>
-          </a:p>
-          <a:p>
-            <a:pPr lvl="3" marL="1600200" indent="-228240">
+          </a:p>
+          <a:p>
+            <a:pPr marL="1600200" lvl="3" indent="-228240">
               <a:lnSpc>
                 <a:spcPct val="100000"/>
               </a:lnSpc>
@@ -1632,7 +1779,7 @@
               <a:buChar char="–"/>
             </a:pPr>
             <a:r>
-              <a:rPr b="0" lang="en-US" sz="2000" spc="-1" strike="noStrike">
+              <a:rPr lang="en-US" sz="2000" b="0" strike="noStrike" spc="-1">
                 <a:solidFill>
                   <a:srgbClr val="000000"/>
                 </a:solidFill>
@@ -1640,15 +1787,9 @@
               </a:rPr>
               <a:t>Fourth level</a:t>
             </a:r>
-            <a:endParaRPr b="0" lang="en-US" sz="2000" spc="-1" strike="noStrike">
-              <a:solidFill>
-                <a:srgbClr val="000000"/>
-              </a:solidFill>
-              <a:latin typeface="Calibri"/>
-            </a:endParaRPr>
-          </a:p>
-          <a:p>
-            <a:pPr lvl="4" marL="2057400" indent="-228240">
+          </a:p>
+          <a:p>
+            <a:pPr marL="2057400" lvl="4" indent="-228240">
               <a:lnSpc>
                 <a:spcPct val="100000"/>
               </a:lnSpc>
@@ -1662,7 +1803,7 @@
               <a:buChar char="»"/>
             </a:pPr>
             <a:r>
-              <a:rPr b="0" lang="en-US" sz="2000" spc="-1" strike="noStrike">
+              <a:rPr lang="en-US" sz="2000" b="0" strike="noStrike" spc="-1">
                 <a:solidFill>
                   <a:srgbClr val="000000"/>
                 </a:solidFill>
@@ -1670,12 +1811,6 @@
               </a:rPr>
               <a:t>Fifth level</a:t>
             </a:r>
-            <a:endParaRPr b="0" lang="en-US" sz="2000" spc="-1" strike="noStrike">
-              <a:solidFill>
-                <a:srgbClr val="000000"/>
-              </a:solidFill>
-              <a:latin typeface="Calibri"/>
-            </a:endParaRPr>
           </a:p>
         </p:txBody>
       </p:sp>
@@ -1700,6 +1835,7 @@
         </p:spPr>
         <p:txBody>
           <a:bodyPr anchor="ctr"/>
+          <a:lstStyle/>
           <a:p>
             <a:pPr>
               <a:lnSpc>
@@ -1707,15 +1843,15 @@
               </a:lnSpc>
             </a:pPr>
             <a:fld id="{B800568A-9D9A-4F49-8104-D37953AF1433}" type="datetime">
-              <a:rPr b="0" lang="en-IN" sz="1200" spc="-1" strike="noStrike">
+              <a:rPr lang="en-IN" sz="1200" b="0" strike="noStrike" spc="-1">
                 <a:solidFill>
-                  <a:srgbClr val="8b8b8b"/>
+                  <a:srgbClr val="8B8B8B"/>
                 </a:solidFill>
                 <a:latin typeface="Calibri"/>
               </a:rPr>
-              <a:t>31/12/17</a:t>
+              <a:t>31-12-2017</a:t>
             </a:fld>
-            <a:endParaRPr b="0" lang="en-IN" sz="1200" spc="-1" strike="noStrike">
+            <a:endParaRPr lang="en-IN" sz="1200" b="0" strike="noStrike" spc="-1">
               <a:latin typeface="Times New Roman"/>
             </a:endParaRPr>
           </a:p>
@@ -1742,8 +1878,9 @@
         </p:spPr>
         <p:txBody>
           <a:bodyPr anchor="ctr"/>
-          <a:p>
-            <a:endParaRPr b="0" lang="en-IN" sz="2400" spc="-1" strike="noStrike">
+          <a:lstStyle/>
+          <a:p>
+            <a:endParaRPr lang="en-IN" sz="2400" b="0" strike="noStrike" spc="-1">
               <a:latin typeface="Times New Roman"/>
             </a:endParaRPr>
           </a:p>
@@ -1770,6 +1907,7 @@
         </p:spPr>
         <p:txBody>
           <a:bodyPr anchor="ctr"/>
+          <a:lstStyle/>
           <a:p>
             <a:pPr algn="r">
               <a:lnSpc>
@@ -1777,15 +1915,15 @@
               </a:lnSpc>
             </a:pPr>
             <a:fld id="{544ECE70-AA9C-4455-9D02-42EEE1FFCD26}" type="slidenum">
-              <a:rPr b="0" lang="en-IN" sz="1200" spc="-1" strike="noStrike">
+              <a:rPr lang="en-IN" sz="1200" b="0" strike="noStrike" spc="-1">
                 <a:solidFill>
-                  <a:srgbClr val="8b8b8b"/>
+                  <a:srgbClr val="8B8B8B"/>
                 </a:solidFill>
                 <a:latin typeface="Calibri"/>
               </a:rPr>
-              <a:t>&lt;number&gt;</a:t>
+              <a:t>‹#›</a:t>
             </a:fld>
-            <a:endParaRPr b="0" lang="en-IN" sz="1200" spc="-1" strike="noStrike">
+            <a:endParaRPr lang="en-IN" sz="1200" b="0" strike="noStrike" spc="-1">
               <a:latin typeface="Times New Roman"/>
             </a:endParaRPr>
           </a:p>
@@ -1793,26 +1931,31 @@
       </p:sp>
     </p:spTree>
   </p:cSld>
-  <p:clrMap bg1="lt1" bg2="lt2" tx1="dk1" tx2="dk2" accent1="accent1" accent2="accent2" accent3="accent3" accent4="accent4" accent5="accent5" accent6="accent6" hlink="hlink" folHlink="folHlink"/>
+  <p:clrMap bg1="lt1" tx1="dk1" bg2="lt2" tx2="dk2" accent1="accent1" accent2="accent2" accent3="accent3" accent4="accent4" accent5="accent5" accent6="accent6" hlink="hlink" folHlink="folHlink"/>
   <p:sldLayoutIdLst>
-    <p:sldLayoutId id="2147483649" r:id="rId2"/>
-    <p:sldLayoutId id="2147483650" r:id="rId3"/>
-    <p:sldLayoutId id="2147483651" r:id="rId4"/>
-    <p:sldLayoutId id="2147483652" r:id="rId5"/>
-    <p:sldLayoutId id="2147483653" r:id="rId6"/>
-    <p:sldLayoutId id="2147483654" r:id="rId7"/>
-    <p:sldLayoutId id="2147483655" r:id="rId8"/>
-    <p:sldLayoutId id="2147483656" r:id="rId9"/>
-    <p:sldLayoutId id="2147483657" r:id="rId10"/>
-    <p:sldLayoutId id="2147483658" r:id="rId11"/>
-    <p:sldLayoutId id="2147483659" r:id="rId12"/>
-    <p:sldLayoutId id="2147483660" r:id="rId13"/>
+    <p:sldLayoutId id="2147483649" r:id="rId1"/>
+    <p:sldLayoutId id="2147483650" r:id="rId2"/>
+    <p:sldLayoutId id="2147483651" r:id="rId3"/>
+    <p:sldLayoutId id="2147483652" r:id="rId4"/>
+    <p:sldLayoutId id="2147483653" r:id="rId5"/>
+    <p:sldLayoutId id="2147483654" r:id="rId6"/>
+    <p:sldLayoutId id="2147483655" r:id="rId7"/>
+    <p:sldLayoutId id="2147483656" r:id="rId8"/>
+    <p:sldLayoutId id="2147483657" r:id="rId9"/>
+    <p:sldLayoutId id="2147483658" r:id="rId10"/>
+    <p:sldLayoutId id="2147483659" r:id="rId11"/>
+    <p:sldLayoutId id="2147483660" r:id="rId12"/>
   </p:sldLayoutIdLst>
+  <p:txStyles>
+    <p:titleStyle/>
+    <p:bodyStyle/>
+    <p:otherStyle/>
+  </p:txStyles>
 </p:sldMaster>
 </file>
 
 <file path=ppt/slides/slide1.xml><?xml version="1.0" encoding="utf-8"?>
-<p:sld xmlns:a="http://schemas.openxmlformats.org/drawingml/2006/main" xmlns:p="http://schemas.openxmlformats.org/presentationml/2006/main" xmlns:r="http://schemas.openxmlformats.org/officeDocument/2006/relationships" xmlns:p14="http://schemas.microsoft.com/office/powerpoint/2010/main" xmlns:p15="http://schemas.microsoft.com/office/powerpoint/2012/main" xmlns:mc="http://schemas.openxmlformats.org/markup-compatibility/2006">
+<p:sld xmlns:a="http://schemas.openxmlformats.org/drawingml/2006/main" xmlns:r="http://schemas.openxmlformats.org/officeDocument/2006/relationships" xmlns:p="http://schemas.openxmlformats.org/presentationml/2006/main">
   <p:cSld>
     <p:spTree>
       <p:nvGrpSpPr>
@@ -1851,6 +1994,7 @@
           <a:bodyPr anchor="ctr">
             <a:normAutofit/>
           </a:bodyPr>
+          <a:lstStyle/>
           <a:p>
             <a:pPr algn="ctr">
               <a:lnSpc>
@@ -1858,7 +2002,7 @@
               </a:lnSpc>
             </a:pPr>
             <a:r>
-              <a:rPr b="1" lang="en-US" sz="2000" spc="-1" strike="noStrike">
+              <a:rPr lang="en-US" sz="2000" b="1" strike="noStrike" spc="-1">
                 <a:solidFill>
                   <a:srgbClr val="000000"/>
                 </a:solidFill>
@@ -1867,7 +2011,7 @@
               </a:rPr>
               <a:t>SMART INDIA HACKATHON ‘18</a:t>
             </a:r>
-            <a:endParaRPr b="0" lang="en-US" sz="2000" spc="-1" strike="noStrike">
+            <a:endParaRPr lang="en-US" sz="2000" b="0" strike="noStrike" spc="-1">
               <a:solidFill>
                 <a:srgbClr val="000000"/>
               </a:solidFill>
@@ -1896,13 +2040,20 @@
           </a:ln>
         </p:spPr>
         <p:style>
-          <a:lnRef idx="0"/>
-          <a:fillRef idx="0"/>
-          <a:effectRef idx="0"/>
+          <a:lnRef idx="0">
+            <a:scrgbClr r="0" g="0" b="0"/>
+          </a:lnRef>
+          <a:fillRef idx="0">
+            <a:scrgbClr r="0" g="0" b="0"/>
+          </a:fillRef>
+          <a:effectRef idx="0">
+            <a:scrgbClr r="0" g="0" b="0"/>
+          </a:effectRef>
           <a:fontRef idx="minor"/>
         </p:style>
         <p:txBody>
-          <a:bodyPr lIns="90000" rIns="90000" tIns="45000" bIns="45000"/>
+          <a:bodyPr lIns="90000" tIns="45000" rIns="90000" bIns="45000"/>
+          <a:lstStyle/>
           <a:p>
             <a:pPr algn="ctr">
               <a:lnSpc>
@@ -1910,7 +2061,7 @@
               </a:lnSpc>
             </a:pPr>
             <a:r>
-              <a:rPr b="1" lang="en-IN" sz="1800" spc="-1" strike="noStrike">
+              <a:rPr lang="en-IN" sz="1800" b="1" strike="noStrike" spc="-1">
                 <a:solidFill>
                   <a:srgbClr val="000000"/>
                 </a:solidFill>
@@ -1920,7 +2071,7 @@
               <a:t>Ministry Category</a:t>
             </a:r>
             <a:r>
-              <a:rPr b="0" lang="en-IN" sz="1800" spc="-1" strike="noStrike">
+              <a:rPr lang="en-IN" sz="1800" b="0" strike="noStrike" spc="-1">
                 <a:solidFill>
                   <a:srgbClr val="000000"/>
                 </a:solidFill>
@@ -1929,7 +2080,7 @@
               </a:rPr>
               <a:t>: Ministry of Space(ISRO)</a:t>
             </a:r>
-            <a:endParaRPr b="0" lang="en-IN" sz="1800" spc="-1" strike="noStrike">
+            <a:endParaRPr lang="en-IN" sz="1800" b="0" strike="noStrike" spc="-1">
               <a:latin typeface="Arial"/>
             </a:endParaRPr>
           </a:p>
@@ -1943,7 +2094,7 @@
               </a:spcBef>
             </a:pPr>
             <a:r>
-              <a:rPr b="1" lang="en-IN" sz="1800" spc="-1" strike="noStrike">
+              <a:rPr lang="en-IN" sz="1800" b="1" strike="noStrike" spc="-1">
                 <a:solidFill>
                   <a:srgbClr val="000000"/>
                 </a:solidFill>
@@ -1953,26 +2104,16 @@
               <a:t>Problem Statement</a:t>
             </a:r>
             <a:r>
-              <a:rPr b="0" lang="en-IN" sz="1800" spc="-1" strike="noStrike">
+              <a:rPr lang="en-IN" sz="1800" b="0" strike="noStrike" spc="-1">
                 <a:solidFill>
                   <a:srgbClr val="000000"/>
                 </a:solidFill>
                 <a:latin typeface="Calibri"/>
                 <a:ea typeface="Calibri"/>
               </a:rPr>
-              <a:t>: Enable customized animation over the internet</a:t>
-            </a:r>
-            <a:r>
-              <a:rPr b="0" lang="en-IN" sz="1800" spc="-1" strike="noStrike">
-                <a:solidFill>
-                  <a:srgbClr val="000000"/>
-                </a:solidFill>
-                <a:latin typeface="Calibri"/>
-                <a:ea typeface="Calibri"/>
-              </a:rPr>
-              <a:t>	</a:t>
-            </a:r>
-            <a:endParaRPr b="0" lang="en-IN" sz="1800" spc="-1" strike="noStrike">
+              <a:t>: Enable customized animation over the internet	</a:t>
+            </a:r>
+            <a:endParaRPr lang="en-IN" sz="1800" b="0" strike="noStrike" spc="-1">
               <a:latin typeface="Arial"/>
             </a:endParaRPr>
           </a:p>
@@ -1986,7 +2127,7 @@
               </a:spcBef>
             </a:pPr>
             <a:r>
-              <a:rPr b="1" lang="en-IN" sz="1800" spc="-1" strike="noStrike">
+              <a:rPr lang="en-IN" sz="1800" b="1" strike="noStrike" spc="-1">
                 <a:solidFill>
                   <a:srgbClr val="000000"/>
                 </a:solidFill>
@@ -1996,66 +2137,26 @@
               <a:t>Problem Code</a:t>
             </a:r>
             <a:r>
-              <a:rPr b="0" lang="en-IN" sz="1800" spc="-1" strike="noStrike">
+              <a:rPr lang="en-IN" sz="1800" b="0" strike="noStrike" spc="-1">
                 <a:solidFill>
                   <a:srgbClr val="000000"/>
                 </a:solidFill>
                 <a:latin typeface="Calibri"/>
                 <a:ea typeface="Calibri"/>
               </a:rPr>
-              <a:t>:  #ISR4</a:t>
-            </a:r>
-            <a:r>
-              <a:rPr b="0" lang="en-IN" sz="1800" spc="-1" strike="noStrike">
+              <a:t>:  #ISR4			         </a:t>
+            </a:r>
+            <a:r>
+              <a:rPr lang="en-IN" sz="1800" b="1" strike="noStrike" spc="-1">
                 <a:solidFill>
                   <a:srgbClr val="000000"/>
                 </a:solidFill>
                 <a:latin typeface="Calibri"/>
                 <a:ea typeface="Calibri"/>
               </a:rPr>
-              <a:t>	</a:t>
-            </a:r>
-            <a:r>
-              <a:rPr b="0" lang="en-IN" sz="1800" spc="-1" strike="noStrike">
-                <a:solidFill>
-                  <a:srgbClr val="000000"/>
-                </a:solidFill>
-                <a:latin typeface="Calibri"/>
-                <a:ea typeface="Calibri"/>
-              </a:rPr>
-              <a:t>	</a:t>
-            </a:r>
-            <a:r>
-              <a:rPr b="0" lang="en-IN" sz="1800" spc="-1" strike="noStrike">
-                <a:solidFill>
-                  <a:srgbClr val="000000"/>
-                </a:solidFill>
-                <a:latin typeface="Calibri"/>
-                <a:ea typeface="Calibri"/>
-              </a:rPr>
-              <a:t>	</a:t>
-            </a:r>
-            <a:r>
-              <a:rPr b="0" lang="en-IN" sz="1800" spc="-1" strike="noStrike">
-                <a:solidFill>
-                  <a:srgbClr val="000000"/>
-                </a:solidFill>
-                <a:latin typeface="Calibri"/>
-                <a:ea typeface="Calibri"/>
-              </a:rPr>
-              <a:t>         </a:t>
-            </a:r>
-            <a:r>
-              <a:rPr b="1" lang="en-IN" sz="1800" spc="-1" strike="noStrike">
-                <a:solidFill>
-                  <a:srgbClr val="000000"/>
-                </a:solidFill>
-                <a:latin typeface="Calibri"/>
-                <a:ea typeface="Calibri"/>
-              </a:rPr>
               <a:t>Team Name:  X-GEN</a:t>
             </a:r>
-            <a:endParaRPr b="0" lang="en-IN" sz="1800" spc="-1" strike="noStrike">
+            <a:endParaRPr lang="en-IN" sz="1800" b="0" strike="noStrike" spc="-1">
               <a:latin typeface="Arial"/>
             </a:endParaRPr>
           </a:p>
@@ -2069,7 +2170,7 @@
               </a:spcBef>
             </a:pPr>
             <a:r>
-              <a:rPr b="1" lang="en-IN" sz="1800" spc="-1" strike="noStrike">
+              <a:rPr lang="en-IN" sz="1800" b="1" strike="noStrike" spc="-1">
                 <a:solidFill>
                   <a:srgbClr val="000000"/>
                 </a:solidFill>
@@ -2079,56 +2180,36 @@
               <a:t>Team Leader Name</a:t>
             </a:r>
             <a:r>
-              <a:rPr b="0" lang="en-IN" sz="1800" spc="-1" strike="noStrike">
+              <a:rPr lang="en-IN" sz="1800" b="0" strike="noStrike" spc="-1">
                 <a:solidFill>
                   <a:srgbClr val="000000"/>
                 </a:solidFill>
                 <a:latin typeface="Calibri"/>
                 <a:ea typeface="Calibri"/>
               </a:rPr>
-              <a:t>: Akshata  Jahagirdar</a:t>
-            </a:r>
-            <a:r>
-              <a:rPr b="0" lang="en-IN" sz="1800" spc="-1" strike="noStrike">
+              <a:t>: Akshata  Jahagirdar	         </a:t>
+            </a:r>
+            <a:r>
+              <a:rPr lang="en-IN" sz="1800" b="1" strike="noStrike" spc="-1">
                 <a:solidFill>
                   <a:srgbClr val="000000"/>
                 </a:solidFill>
                 <a:latin typeface="Calibri"/>
                 <a:ea typeface="Calibri"/>
               </a:rPr>
-              <a:t>	</a:t>
-            </a:r>
-            <a:r>
-              <a:rPr b="0" lang="en-IN" sz="1800" spc="-1" strike="noStrike">
+              <a:t>College Code</a:t>
+            </a:r>
+            <a:r>
+              <a:rPr lang="en-IN" sz="1800" b="0" strike="noStrike" spc="-1">
                 <a:solidFill>
                   <a:srgbClr val="000000"/>
                 </a:solidFill>
                 <a:latin typeface="Calibri"/>
                 <a:ea typeface="Calibri"/>
               </a:rPr>
-              <a:t>         </a:t>
-            </a:r>
-            <a:r>
-              <a:rPr b="1" lang="en-IN" sz="1800" spc="-1" strike="noStrike">
-                <a:solidFill>
-                  <a:srgbClr val="000000"/>
-                </a:solidFill>
-                <a:latin typeface="Calibri"/>
-                <a:ea typeface="Calibri"/>
-              </a:rPr>
-              <a:t>College Code</a:t>
-            </a:r>
-            <a:r>
-              <a:rPr b="0" lang="en-IN" sz="1800" spc="-1" strike="noStrike">
-                <a:solidFill>
-                  <a:srgbClr val="000000"/>
-                </a:solidFill>
-                <a:latin typeface="Calibri"/>
-                <a:ea typeface="Calibri"/>
-              </a:rPr>
               <a:t>:1-3328028571</a:t>
             </a:r>
-            <a:endParaRPr b="0" lang="en-IN" sz="1800" spc="-1" strike="noStrike">
+            <a:endParaRPr lang="en-IN" sz="1800" b="0" strike="noStrike" spc="-1">
               <a:latin typeface="Arial"/>
             </a:endParaRPr>
           </a:p>
@@ -2157,6 +2238,7 @@
           <a:bodyPr>
             <a:normAutofit/>
           </a:bodyPr>
+          <a:lstStyle/>
           <a:p>
             <a:pPr marL="343080" indent="-342720">
               <a:lnSpc>
@@ -2172,7 +2254,7 @@
               <a:buChar char="•"/>
             </a:pPr>
             <a:r>
-              <a:rPr b="0" lang="en-US" sz="1800" spc="-1" strike="noStrike">
+              <a:rPr lang="en-US" sz="1600" b="0" strike="noStrike" spc="-1" dirty="0">
                 <a:solidFill>
                   <a:srgbClr val="000000"/>
                 </a:solidFill>
@@ -2180,12 +2262,6 @@
               </a:rPr>
               <a:t>A server with database consisting of address of images, timestamps (IST and GMT) and name of the satellite is maintained.</a:t>
             </a:r>
-            <a:endParaRPr b="0" lang="en-US" sz="1800" spc="-1" strike="noStrike">
-              <a:solidFill>
-                <a:srgbClr val="000000"/>
-              </a:solidFill>
-              <a:latin typeface="Calibri"/>
-            </a:endParaRPr>
           </a:p>
           <a:p>
             <a:pPr marL="343080" indent="-342720">
@@ -2202,20 +2278,32 @@
               <a:buChar char="•"/>
             </a:pPr>
             <a:r>
-              <a:rPr b="0" lang="en-US" sz="1800" spc="-1" strike="noStrike">
+              <a:rPr lang="en-US" sz="1600" b="0" strike="noStrike" spc="-1" dirty="0">
                 <a:solidFill>
                   <a:srgbClr val="000000"/>
                 </a:solidFill>
                 <a:latin typeface="Calibri"/>
               </a:rPr>
-              <a:t>As a new image is added in the database a multi-resolution VP9(open source) encoded frame is created by a ‘pre-processing worker’ and then the multi-resolution .mov frame is created and appended to the existing stream. Location of the frame is stored along with the corresponding frame number.</a:t>
-            </a:r>
-            <a:endParaRPr b="0" lang="en-US" sz="1800" spc="-1" strike="noStrike">
-              <a:solidFill>
-                <a:srgbClr val="000000"/>
-              </a:solidFill>
-              <a:latin typeface="Calibri"/>
-            </a:endParaRPr>
+              <a:t>As a new image is added in the database a multi-resolution VP9(open source) encoded frame is created by a ‘pre-processing worker’ and then the multi-resolution .</a:t>
+            </a:r>
+            <a:r>
+              <a:rPr lang="en-US" sz="1600" b="0" strike="noStrike" spc="-1" dirty="0" err="1">
+                <a:solidFill>
+                  <a:srgbClr val="000000"/>
+                </a:solidFill>
+                <a:latin typeface="Calibri"/>
+              </a:rPr>
+              <a:t>mov</a:t>
+            </a:r>
+            <a:r>
+              <a:rPr lang="en-US" sz="1600" b="0" strike="noStrike" spc="-1" dirty="0">
+                <a:solidFill>
+                  <a:srgbClr val="000000"/>
+                </a:solidFill>
+                <a:latin typeface="Calibri"/>
+              </a:rPr>
+              <a:t> frame is created and appended to the existing stream. Location of the frame is stored along with the corresponding frame number.</a:t>
+            </a:r>
           </a:p>
           <a:p>
             <a:pPr marL="343080" indent="-342720">
@@ -2232,7 +2320,7 @@
               <a:buChar char="•"/>
             </a:pPr>
             <a:r>
-              <a:rPr b="0" lang="en-US" sz="1800" spc="-1" strike="noStrike">
+              <a:rPr lang="en-US" sz="1600" b="0" strike="noStrike" spc="-1" dirty="0">
                 <a:solidFill>
                   <a:srgbClr val="000000"/>
                 </a:solidFill>
@@ -2240,12 +2328,6 @@
               </a:rPr>
               <a:t>The heavy computing and the encoding is done at the server. This facilitates smooth , lag free streaming at the run time. </a:t>
             </a:r>
-            <a:endParaRPr b="0" lang="en-US" sz="1800" spc="-1" strike="noStrike">
-              <a:solidFill>
-                <a:srgbClr val="000000"/>
-              </a:solidFill>
-              <a:latin typeface="Calibri"/>
-            </a:endParaRPr>
           </a:p>
           <a:p>
             <a:pPr marL="343080" indent="-342720">
@@ -2262,29 +2344,14 @@
               <a:buChar char="•"/>
             </a:pPr>
             <a:r>
-              <a:rPr b="0" lang="en-US" sz="1800" spc="-1" strike="noStrike">
+              <a:rPr lang="en-US" sz="1600" b="0" strike="noStrike" spc="-1" dirty="0">
                 <a:solidFill>
                   <a:srgbClr val="000000"/>
                 </a:solidFill>
                 <a:latin typeface="Calibri"/>
               </a:rPr>
-              <a:t> </a:t>
-            </a:r>
-            <a:r>
-              <a:rPr b="0" lang="en-US" sz="1800" spc="-1" strike="noStrike">
-                <a:solidFill>
-                  <a:srgbClr val="000000"/>
-                </a:solidFill>
-                <a:latin typeface="Calibri"/>
-              </a:rPr>
-              <a:t>The required resolution from the multi-resolution stream is extracted. The transcoded stream is created from the extracted stream while adjusting the frame rate at run time by the ‘display worker’. The display worker is spawned as the end user requests the service.</a:t>
-            </a:r>
-            <a:endParaRPr b="0" lang="en-US" sz="1800" spc="-1" strike="noStrike">
-              <a:solidFill>
-                <a:srgbClr val="000000"/>
-              </a:solidFill>
-              <a:latin typeface="Calibri"/>
-            </a:endParaRPr>
+              <a:t> The required resolution from the multi-resolution stream is extracted. The transcoded stream is created from the extracted stream while adjusting the frame rate at run time by the ‘display worker’. The display worker is spawned as the end user requests the service.</a:t>
+            </a:r>
           </a:p>
           <a:p>
             <a:pPr marL="343080" indent="-342720">
@@ -2301,7 +2368,7 @@
               <a:buChar char="•"/>
             </a:pPr>
             <a:r>
-              <a:rPr b="0" lang="en-US" sz="1800" spc="-1" strike="noStrike">
+              <a:rPr lang="en-US" sz="1600" b="0" strike="noStrike" spc="-1" dirty="0">
                 <a:solidFill>
                   <a:srgbClr val="000000"/>
                 </a:solidFill>
@@ -2309,12 +2376,6 @@
               </a:rPr>
               <a:t>The web server authenticates the user. The display worker sends the encoded live stream to the web server. The end user can access the live stream  from the webserver as per requirement sent previously.  </a:t>
             </a:r>
-            <a:endParaRPr b="0" lang="en-US" sz="1800" spc="-1" strike="noStrike">
-              <a:solidFill>
-                <a:srgbClr val="000000"/>
-              </a:solidFill>
-              <a:latin typeface="Calibri"/>
-            </a:endParaRPr>
           </a:p>
           <a:p>
             <a:pPr marL="343080" indent="-342720">
@@ -2331,7 +2392,7 @@
               <a:buChar char="•"/>
             </a:pPr>
             <a:r>
-              <a:rPr b="0" lang="en-US" sz="1800" spc="-1" strike="noStrike">
+              <a:rPr lang="en-US" sz="1600" b="0" strike="noStrike" spc="-1" dirty="0">
                 <a:solidFill>
                   <a:srgbClr val="000000"/>
                 </a:solidFill>
@@ -2339,12 +2400,6 @@
               </a:rPr>
               <a:t>This web server also caches the previously encoded video of most frequently used speed and resolution.</a:t>
             </a:r>
-            <a:endParaRPr b="0" lang="en-US" sz="1800" spc="-1" strike="noStrike">
-              <a:solidFill>
-                <a:srgbClr val="000000"/>
-              </a:solidFill>
-              <a:latin typeface="Calibri"/>
-            </a:endParaRPr>
           </a:p>
           <a:p>
             <a:pPr>
@@ -2355,7 +2410,7 @@
                 <a:spcPts val="360"/>
               </a:spcBef>
             </a:pPr>
-            <a:endParaRPr b="0" lang="en-US" sz="1800" spc="-1" strike="noStrike">
+            <a:endParaRPr lang="en-US" sz="1600" b="0" strike="noStrike" spc="-1" dirty="0">
               <a:solidFill>
                 <a:srgbClr val="000000"/>
               </a:solidFill>
@@ -2384,13 +2439,20 @@
           </a:ln>
         </p:spPr>
         <p:style>
-          <a:lnRef idx="0"/>
-          <a:fillRef idx="0"/>
-          <a:effectRef idx="0"/>
+          <a:lnRef idx="0">
+            <a:scrgbClr r="0" g="0" b="0"/>
+          </a:lnRef>
+          <a:fillRef idx="0">
+            <a:scrgbClr r="0" g="0" b="0"/>
+          </a:fillRef>
+          <a:effectRef idx="0">
+            <a:scrgbClr r="0" g="0" b="0"/>
+          </a:effectRef>
           <a:fontRef idx="minor"/>
         </p:style>
         <p:txBody>
-          <a:bodyPr lIns="90000" rIns="90000" tIns="45000" bIns="45000"/>
+          <a:bodyPr lIns="90000" tIns="45000" rIns="90000" bIns="45000"/>
+          <a:lstStyle/>
           <a:p>
             <a:pPr algn="ctr">
               <a:lnSpc>
@@ -2398,7 +2460,7 @@
               </a:lnSpc>
             </a:pPr>
             <a:r>
-              <a:rPr b="1" lang="en-IN" sz="2000" spc="-1" strike="noStrike">
+              <a:rPr lang="en-IN" sz="2000" b="1" strike="noStrike" spc="-1">
                 <a:solidFill>
                   <a:srgbClr val="000000"/>
                 </a:solidFill>
@@ -2407,7 +2469,7 @@
               </a:rPr>
               <a:t>IDEA / SOLUTION / PROTOTYPE</a:t>
             </a:r>
-            <a:endParaRPr b="0" lang="en-IN" sz="2000" spc="-1" strike="noStrike">
+            <a:endParaRPr lang="en-IN" sz="2000" b="0" strike="noStrike" spc="-1">
               <a:latin typeface="Arial"/>
             </a:endParaRPr>
           </a:p>
@@ -2415,6 +2477,9 @@
       </p:sp>
     </p:spTree>
   </p:cSld>
+  <p:clrMapOvr>
+    <a:masterClrMapping/>
+  </p:clrMapOvr>
   <p:timing>
     <p:tnLst>
       <p:par>
@@ -2423,14 +2488,14 @@
             <p:seq>
               <p:cTn id="2" nodeType="mainSeq"/>
               <p:prevCondLst>
-                <p:cond delay="0" evt="onPrev">
+                <p:cond evt="onPrev" delay="0">
                   <p:tgtEl>
                     <p:sldTgt/>
                   </p:tgtEl>
                 </p:cond>
               </p:prevCondLst>
               <p:nextCondLst>
-                <p:cond delay="0" evt="onNext">
+                <p:cond evt="onNext" delay="0">
                   <p:tgtEl>
                     <p:sldTgt/>
                   </p:tgtEl>
@@ -2446,7 +2511,7 @@
 </file>
 
 <file path=ppt/slides/slide2.xml><?xml version="1.0" encoding="utf-8"?>
-<p:sld xmlns:a="http://schemas.openxmlformats.org/drawingml/2006/main" xmlns:p="http://schemas.openxmlformats.org/presentationml/2006/main" xmlns:r="http://schemas.openxmlformats.org/officeDocument/2006/relationships" xmlns:p14="http://schemas.microsoft.com/office/powerpoint/2010/main" xmlns:p15="http://schemas.microsoft.com/office/powerpoint/2012/main" xmlns:mc="http://schemas.openxmlformats.org/markup-compatibility/2006">
+<p:sld xmlns:a="http://schemas.openxmlformats.org/drawingml/2006/main" xmlns:r="http://schemas.openxmlformats.org/officeDocument/2006/relationships" xmlns:p="http://schemas.openxmlformats.org/presentationml/2006/main">
   <p:cSld>
     <p:spTree>
       <p:nvGrpSpPr>
@@ -2483,6 +2548,7 @@
         </p:spPr>
         <p:txBody>
           <a:bodyPr anchor="ctr"/>
+          <a:lstStyle/>
           <a:p>
             <a:pPr algn="ctr">
               <a:lnSpc>
@@ -2490,7 +2556,7 @@
               </a:lnSpc>
             </a:pPr>
             <a:r>
-              <a:rPr b="1" lang="en-US" sz="2000" spc="-1" strike="noStrike">
+              <a:rPr lang="en-US" sz="2000" b="1" strike="noStrike" spc="-1">
                 <a:solidFill>
                   <a:srgbClr val="000000"/>
                 </a:solidFill>
@@ -2498,7 +2564,7 @@
               </a:rPr>
               <a:t>TECHNOLOGY STACK</a:t>
             </a:r>
-            <a:endParaRPr b="0" lang="en-US" sz="2000" spc="-1" strike="noStrike">
+            <a:endParaRPr lang="en-US" sz="2000" b="0" strike="noStrike" spc="-1">
               <a:solidFill>
                 <a:srgbClr val="000000"/>
               </a:solidFill>
@@ -2530,6 +2596,7 @@
           <a:bodyPr>
             <a:normAutofit/>
           </a:bodyPr>
+          <a:lstStyle/>
           <a:p>
             <a:pPr marL="343080" indent="-342720">
               <a:lnSpc>
@@ -2545,7 +2612,7 @@
               <a:buChar char="•"/>
             </a:pPr>
             <a:r>
-              <a:rPr b="0" lang="en-US" sz="1800" spc="-1" strike="noStrike">
+              <a:rPr lang="en-US" sz="1800" b="0" strike="noStrike" spc="-1">
                 <a:solidFill>
                   <a:srgbClr val="000000"/>
                 </a:solidFill>
@@ -2553,12 +2620,6 @@
               </a:rPr>
               <a:t>Open source encoders like VP9</a:t>
             </a:r>
-            <a:endParaRPr b="0" lang="en-US" sz="1800" spc="-1" strike="noStrike">
-              <a:solidFill>
-                <a:srgbClr val="000000"/>
-              </a:solidFill>
-              <a:latin typeface="Calibri"/>
-            </a:endParaRPr>
           </a:p>
           <a:p>
             <a:pPr marL="343080" indent="-342720">
@@ -2575,7 +2636,7 @@
               <a:buChar char="•"/>
             </a:pPr>
             <a:r>
-              <a:rPr b="0" lang="en-US" sz="1800" spc="-1" strike="noStrike">
+              <a:rPr lang="en-US" sz="1800" b="0" strike="noStrike" spc="-1">
                 <a:solidFill>
                   <a:srgbClr val="000000"/>
                 </a:solidFill>
@@ -2583,12 +2644,6 @@
               </a:rPr>
               <a:t>Browser based front end client</a:t>
             </a:r>
-            <a:endParaRPr b="0" lang="en-US" sz="1800" spc="-1" strike="noStrike">
-              <a:solidFill>
-                <a:srgbClr val="000000"/>
-              </a:solidFill>
-              <a:latin typeface="Calibri"/>
-            </a:endParaRPr>
           </a:p>
           <a:p>
             <a:pPr marL="343080" indent="-342720">
@@ -2605,7 +2660,7 @@
               <a:buChar char="•"/>
             </a:pPr>
             <a:r>
-              <a:rPr b="0" lang="en-US" sz="1800" spc="-1" strike="noStrike">
+              <a:rPr lang="en-US" sz="1800" b="0" strike="noStrike" spc="-1">
                 <a:solidFill>
                   <a:srgbClr val="000000"/>
                 </a:solidFill>
@@ -2613,12 +2668,6 @@
               </a:rPr>
               <a:t>Database: PostgreSQL</a:t>
             </a:r>
-            <a:endParaRPr b="0" lang="en-US" sz="1800" spc="-1" strike="noStrike">
-              <a:solidFill>
-                <a:srgbClr val="000000"/>
-              </a:solidFill>
-              <a:latin typeface="Calibri"/>
-            </a:endParaRPr>
           </a:p>
           <a:p>
             <a:pPr marL="343080" indent="-342720">
@@ -2635,7 +2684,7 @@
               <a:buChar char="•"/>
             </a:pPr>
             <a:r>
-              <a:rPr b="0" lang="en-US" sz="1800" spc="-1" strike="noStrike">
+              <a:rPr lang="en-US" sz="1800" b="0" strike="noStrike" spc="-1">
                 <a:solidFill>
                   <a:srgbClr val="000000"/>
                 </a:solidFill>
@@ -2643,12 +2692,6 @@
               </a:rPr>
               <a:t>Languages used: Python for web interface, Rust/Go for encoders</a:t>
             </a:r>
-            <a:endParaRPr b="0" lang="en-US" sz="1800" spc="-1" strike="noStrike">
-              <a:solidFill>
-                <a:srgbClr val="000000"/>
-              </a:solidFill>
-              <a:latin typeface="Calibri"/>
-            </a:endParaRPr>
           </a:p>
         </p:txBody>
       </p:sp>
@@ -2672,13 +2715,20 @@
           </a:ln>
         </p:spPr>
         <p:style>
-          <a:lnRef idx="0"/>
-          <a:fillRef idx="0"/>
-          <a:effectRef idx="0"/>
+          <a:lnRef idx="0">
+            <a:scrgbClr r="0" g="0" b="0"/>
+          </a:lnRef>
+          <a:fillRef idx="0">
+            <a:scrgbClr r="0" g="0" b="0"/>
+          </a:fillRef>
+          <a:effectRef idx="0">
+            <a:scrgbClr r="0" g="0" b="0"/>
+          </a:effectRef>
           <a:fontRef idx="minor"/>
         </p:style>
         <p:txBody>
           <a:bodyPr anchor="ctr"/>
+          <a:lstStyle/>
           <a:p>
             <a:pPr algn="ctr">
               <a:lnSpc>
@@ -2686,7 +2736,7 @@
               </a:lnSpc>
             </a:pPr>
             <a:r>
-              <a:rPr b="1" lang="en-IN" sz="2000" spc="-1" strike="noStrike">
+              <a:rPr lang="en-IN" sz="2000" b="1" strike="noStrike" spc="-1">
                 <a:solidFill>
                   <a:srgbClr val="000000"/>
                 </a:solidFill>
@@ -2694,7 +2744,7 @@
               </a:rPr>
               <a:t>DEPENDENCIES/SHOW-STOPPERS</a:t>
             </a:r>
-            <a:endParaRPr b="0" lang="en-IN" sz="2000" spc="-1" strike="noStrike">
+            <a:endParaRPr lang="en-IN" sz="2000" b="0" strike="noStrike" spc="-1">
               <a:latin typeface="Arial"/>
             </a:endParaRPr>
           </a:p>
@@ -2720,13 +2770,20 @@
           </a:ln>
         </p:spPr>
         <p:style>
-          <a:lnRef idx="0"/>
-          <a:fillRef idx="0"/>
-          <a:effectRef idx="0"/>
+          <a:lnRef idx="0">
+            <a:scrgbClr r="0" g="0" b="0"/>
+          </a:lnRef>
+          <a:fillRef idx="0">
+            <a:scrgbClr r="0" g="0" b="0"/>
+          </a:fillRef>
+          <a:effectRef idx="0">
+            <a:scrgbClr r="0" g="0" b="0"/>
+          </a:effectRef>
           <a:fontRef idx="minor"/>
         </p:style>
         <p:txBody>
-          <a:bodyPr lIns="90000" rIns="90000" tIns="45000" bIns="45000"/>
+          <a:bodyPr lIns="90000" tIns="45000" rIns="90000" bIns="45000"/>
+          <a:lstStyle/>
           <a:p>
             <a:pPr marL="285840" indent="-285480">
               <a:lnSpc>
@@ -2739,7 +2796,7 @@
               <a:buChar char="•"/>
             </a:pPr>
             <a:r>
-              <a:rPr b="0" lang="en-IN" sz="1800" spc="-1" strike="noStrike">
+              <a:rPr lang="en-IN" sz="1800" b="0" strike="noStrike" spc="-1">
                 <a:solidFill>
                   <a:srgbClr val="000000"/>
                 </a:solidFill>
@@ -2747,7 +2804,7 @@
               </a:rPr>
               <a:t>The encoders should be able to smoothly encode in real-time without any losses and delay.</a:t>
             </a:r>
-            <a:endParaRPr b="0" lang="en-IN" sz="1800" spc="-1" strike="noStrike">
+            <a:endParaRPr lang="en-IN" sz="1800" b="0" strike="noStrike" spc="-1">
               <a:latin typeface="Arial"/>
             </a:endParaRPr>
           </a:p>
@@ -2763,7 +2820,7 @@
               <a:buChar char="•"/>
             </a:pPr>
             <a:r>
-              <a:rPr b="0" lang="en-IN" sz="1800" spc="-1" strike="noStrike">
+              <a:rPr lang="en-IN" sz="1800" b="0" strike="noStrike" spc="-1">
                 <a:solidFill>
                   <a:srgbClr val="000000"/>
                 </a:solidFill>
@@ -2771,7 +2828,7 @@
               </a:rPr>
               <a:t>Fast network/filesystem interface from workers/where the images are stored.</a:t>
             </a:r>
-            <a:endParaRPr b="0" lang="en-IN" sz="1800" spc="-1" strike="noStrike">
+            <a:endParaRPr lang="en-IN" sz="1800" b="0" strike="noStrike" spc="-1">
               <a:latin typeface="Arial"/>
             </a:endParaRPr>
           </a:p>
@@ -2779,22 +2836,25 @@
       </p:sp>
     </p:spTree>
   </p:cSld>
+  <p:clrMapOvr>
+    <a:masterClrMapping/>
+  </p:clrMapOvr>
   <p:timing>
     <p:tnLst>
       <p:par>
-        <p:cTn id="3" dur="indefinite" restart="never" nodeType="tmRoot">
+        <p:cTn id="1" dur="indefinite" restart="never" nodeType="tmRoot">
           <p:childTnLst>
             <p:seq>
-              <p:cTn id="4" nodeType="mainSeq"/>
+              <p:cTn id="2" nodeType="mainSeq"/>
               <p:prevCondLst>
-                <p:cond delay="0" evt="onPrev">
+                <p:cond evt="onPrev" delay="0">
                   <p:tgtEl>
                     <p:sldTgt/>
                   </p:tgtEl>
                 </p:cond>
               </p:prevCondLst>
               <p:nextCondLst>
-                <p:cond delay="0" evt="onNext">
+                <p:cond evt="onNext" delay="0">
                   <p:tgtEl>
                     <p:sldTgt/>
                   </p:tgtEl>
@@ -2806,6 +2866,1234 @@
       </p:par>
     </p:tnLst>
   </p:timing>
+</p:sld>
+</file>
+
+<file path=ppt/slides/slide3.xml><?xml version="1.0" encoding="utf-8"?>
+<p:sld xmlns:a="http://schemas.openxmlformats.org/drawingml/2006/main" xmlns:r="http://schemas.openxmlformats.org/officeDocument/2006/relationships" xmlns:p="http://schemas.openxmlformats.org/presentationml/2006/main">
+  <p:cSld>
+    <p:spTree>
+      <p:nvGrpSpPr>
+        <p:cNvPr id="1" name=""/>
+        <p:cNvGrpSpPr/>
+        <p:nvPr/>
+      </p:nvGrpSpPr>
+      <p:grpSpPr>
+        <a:xfrm>
+          <a:off x="0" y="0"/>
+          <a:ext cx="0" cy="0"/>
+          <a:chOff x="0" y="0"/>
+          <a:chExt cx="0" cy="0"/>
+        </a:xfrm>
+      </p:grpSpPr>
+      <p:sp>
+        <p:nvSpPr>
+          <p:cNvPr id="58" name="TextBox 57"/>
+          <p:cNvSpPr txBox="1"/>
+          <p:nvPr/>
+        </p:nvSpPr>
+        <p:spPr>
+          <a:xfrm>
+            <a:off x="457200" y="228600"/>
+            <a:ext cx="2667000" cy="338554"/>
+          </a:xfrm>
+          <a:prstGeom prst="rect">
+            <a:avLst/>
+          </a:prstGeom>
+          <a:noFill/>
+        </p:spPr>
+        <p:txBody>
+          <a:bodyPr wrap="square" rtlCol="0">
+            <a:spAutoFit/>
+          </a:bodyPr>
+          <a:lstStyle/>
+          <a:p>
+            <a:r>
+              <a:rPr lang="en-IN" sz="1600" dirty="0" smtClean="0">
+                <a:latin typeface="Calibri" pitchFamily="34" charset="0"/>
+                <a:cs typeface="Calibri" pitchFamily="34" charset="0"/>
+              </a:rPr>
+              <a:t>Pre-processing </a:t>
+            </a:r>
+            <a:endParaRPr lang="en-US" sz="1600" dirty="0">
+              <a:latin typeface="Calibri" pitchFamily="34" charset="0"/>
+              <a:cs typeface="Calibri" pitchFamily="34" charset="0"/>
+            </a:endParaRPr>
+          </a:p>
+        </p:txBody>
+      </p:sp>
+      <p:sp>
+        <p:nvSpPr>
+          <p:cNvPr id="59" name="Rectangle 58"/>
+          <p:cNvSpPr/>
+          <p:nvPr/>
+        </p:nvSpPr>
+        <p:spPr>
+          <a:xfrm>
+            <a:off x="436418" y="762000"/>
+            <a:ext cx="1981200" cy="838200"/>
+          </a:xfrm>
+          <a:prstGeom prst="rect">
+            <a:avLst/>
+          </a:prstGeom>
+        </p:spPr>
+        <p:style>
+          <a:lnRef idx="2">
+            <a:schemeClr val="dk1"/>
+          </a:lnRef>
+          <a:fillRef idx="1">
+            <a:schemeClr val="lt1"/>
+          </a:fillRef>
+          <a:effectRef idx="0">
+            <a:schemeClr val="dk1"/>
+          </a:effectRef>
+          <a:fontRef idx="minor">
+            <a:schemeClr val="dk1"/>
+          </a:fontRef>
+        </p:style>
+        <p:txBody>
+          <a:bodyPr rtlCol="0" anchor="ctr"/>
+          <a:lstStyle/>
+          <a:p>
+            <a:pPr algn="ctr"/>
+            <a:r>
+              <a:rPr lang="en-IN" sz="1600" dirty="0" smtClean="0">
+                <a:latin typeface="Calibri" pitchFamily="34" charset="0"/>
+                <a:cs typeface="Calibri" pitchFamily="34" charset="0"/>
+              </a:rPr>
+              <a:t>Images are added in database according to name of satellite</a:t>
+            </a:r>
+            <a:endParaRPr lang="en-US" sz="1600" dirty="0">
+              <a:latin typeface="Calibri" pitchFamily="34" charset="0"/>
+              <a:cs typeface="Calibri" pitchFamily="34" charset="0"/>
+            </a:endParaRPr>
+          </a:p>
+        </p:txBody>
+      </p:sp>
+      <p:sp>
+        <p:nvSpPr>
+          <p:cNvPr id="60" name="Rectangle 59"/>
+          <p:cNvSpPr/>
+          <p:nvPr/>
+        </p:nvSpPr>
+        <p:spPr>
+          <a:xfrm>
+            <a:off x="436417" y="1905000"/>
+            <a:ext cx="2447059" cy="990600"/>
+          </a:xfrm>
+          <a:prstGeom prst="rect">
+            <a:avLst/>
+          </a:prstGeom>
+        </p:spPr>
+        <p:style>
+          <a:lnRef idx="2">
+            <a:schemeClr val="dk1"/>
+          </a:lnRef>
+          <a:fillRef idx="1">
+            <a:schemeClr val="lt1"/>
+          </a:fillRef>
+          <a:effectRef idx="0">
+            <a:schemeClr val="dk1"/>
+          </a:effectRef>
+          <a:fontRef idx="minor">
+            <a:schemeClr val="dk1"/>
+          </a:fontRef>
+        </p:style>
+        <p:txBody>
+          <a:bodyPr rtlCol="0" anchor="ctr"/>
+          <a:lstStyle/>
+          <a:p>
+            <a:r>
+              <a:rPr lang="en-IN" sz="1600" dirty="0" smtClean="0">
+                <a:latin typeface="Calibri" pitchFamily="34" charset="0"/>
+                <a:cs typeface="Calibri" pitchFamily="34" charset="0"/>
+              </a:rPr>
+              <a:t>The images are pre-processed using multi-resolution VP9 encoder by the pre-processing worker</a:t>
+            </a:r>
+            <a:endParaRPr lang="en-US" sz="1600" dirty="0">
+              <a:latin typeface="Calibri" pitchFamily="34" charset="0"/>
+              <a:cs typeface="Calibri" pitchFamily="34" charset="0"/>
+            </a:endParaRPr>
+          </a:p>
+        </p:txBody>
+      </p:sp>
+      <p:sp>
+        <p:nvSpPr>
+          <p:cNvPr id="61" name="Rectangle 60"/>
+          <p:cNvSpPr/>
+          <p:nvPr/>
+        </p:nvSpPr>
+        <p:spPr>
+          <a:xfrm>
+            <a:off x="436418" y="3093026"/>
+            <a:ext cx="2230582" cy="1091911"/>
+          </a:xfrm>
+          <a:prstGeom prst="rect">
+            <a:avLst/>
+          </a:prstGeom>
+        </p:spPr>
+        <p:style>
+          <a:lnRef idx="2">
+            <a:schemeClr val="dk1"/>
+          </a:lnRef>
+          <a:fillRef idx="1">
+            <a:schemeClr val="lt1"/>
+          </a:fillRef>
+          <a:effectRef idx="0">
+            <a:schemeClr val="dk1"/>
+          </a:effectRef>
+          <a:fontRef idx="minor">
+            <a:schemeClr val="dk1"/>
+          </a:fontRef>
+        </p:style>
+        <p:txBody>
+          <a:bodyPr rtlCol="0" anchor="ctr"/>
+          <a:lstStyle/>
+          <a:p>
+            <a:pPr algn="ctr"/>
+            <a:r>
+              <a:rPr lang="en-IN" sz="1600" dirty="0" smtClean="0">
+                <a:latin typeface="Calibri" pitchFamily="34" charset="0"/>
+                <a:cs typeface="Calibri" pitchFamily="34" charset="0"/>
+              </a:rPr>
+              <a:t>The addresses of the frame are stored and frame is appended to existing in .</a:t>
+            </a:r>
+            <a:r>
+              <a:rPr lang="en-IN" sz="1600" dirty="0" err="1" smtClean="0">
+                <a:latin typeface="Calibri" pitchFamily="34" charset="0"/>
+                <a:cs typeface="Calibri" pitchFamily="34" charset="0"/>
+              </a:rPr>
+              <a:t>mov</a:t>
+            </a:r>
+            <a:r>
+              <a:rPr lang="en-IN" sz="1600" dirty="0" smtClean="0">
+                <a:latin typeface="Calibri" pitchFamily="34" charset="0"/>
+                <a:cs typeface="Calibri" pitchFamily="34" charset="0"/>
+              </a:rPr>
+              <a:t> format.</a:t>
+            </a:r>
+            <a:endParaRPr lang="en-US" sz="1600" dirty="0">
+              <a:latin typeface="Calibri" pitchFamily="34" charset="0"/>
+              <a:cs typeface="Calibri" pitchFamily="34" charset="0"/>
+            </a:endParaRPr>
+          </a:p>
+        </p:txBody>
+      </p:sp>
+      <p:cxnSp>
+        <p:nvCxnSpPr>
+          <p:cNvPr id="62" name="Straight Arrow Connector 61"/>
+          <p:cNvCxnSpPr>
+            <a:stCxn id="59" idx="2"/>
+          </p:cNvCxnSpPr>
+          <p:nvPr/>
+        </p:nvCxnSpPr>
+        <p:spPr>
+          <a:xfrm>
+            <a:off x="1427018" y="1600200"/>
+            <a:ext cx="0" cy="304800"/>
+          </a:xfrm>
+          <a:prstGeom prst="straightConnector1">
+            <a:avLst/>
+          </a:prstGeom>
+          <a:ln>
+            <a:solidFill>
+              <a:schemeClr val="tx1"/>
+            </a:solidFill>
+            <a:tailEnd type="arrow"/>
+          </a:ln>
+        </p:spPr>
+        <p:style>
+          <a:lnRef idx="1">
+            <a:schemeClr val="accent1"/>
+          </a:lnRef>
+          <a:fillRef idx="0">
+            <a:schemeClr val="accent1"/>
+          </a:fillRef>
+          <a:effectRef idx="0">
+            <a:schemeClr val="accent1"/>
+          </a:effectRef>
+          <a:fontRef idx="minor">
+            <a:schemeClr val="tx1"/>
+          </a:fontRef>
+        </p:style>
+      </p:cxnSp>
+      <p:cxnSp>
+        <p:nvCxnSpPr>
+          <p:cNvPr id="63" name="Straight Arrow Connector 62"/>
+          <p:cNvCxnSpPr/>
+          <p:nvPr/>
+        </p:nvCxnSpPr>
+        <p:spPr>
+          <a:xfrm>
+            <a:off x="1406236" y="2895600"/>
+            <a:ext cx="0" cy="197427"/>
+          </a:xfrm>
+          <a:prstGeom prst="straightConnector1">
+            <a:avLst/>
+          </a:prstGeom>
+          <a:ln>
+            <a:solidFill>
+              <a:schemeClr val="tx1"/>
+            </a:solidFill>
+            <a:tailEnd type="arrow"/>
+          </a:ln>
+        </p:spPr>
+        <p:style>
+          <a:lnRef idx="1">
+            <a:schemeClr val="accent1"/>
+          </a:lnRef>
+          <a:fillRef idx="0">
+            <a:schemeClr val="accent1"/>
+          </a:fillRef>
+          <a:effectRef idx="0">
+            <a:schemeClr val="accent1"/>
+          </a:effectRef>
+          <a:fontRef idx="minor">
+            <a:schemeClr val="tx1"/>
+          </a:fontRef>
+        </p:style>
+      </p:cxnSp>
+      <p:sp>
+        <p:nvSpPr>
+          <p:cNvPr id="64" name="Rectangle 63"/>
+          <p:cNvSpPr/>
+          <p:nvPr/>
+        </p:nvSpPr>
+        <p:spPr>
+          <a:xfrm>
+            <a:off x="6858000" y="762000"/>
+            <a:ext cx="1350818" cy="419100"/>
+          </a:xfrm>
+          <a:prstGeom prst="rect">
+            <a:avLst/>
+          </a:prstGeom>
+        </p:spPr>
+        <p:style>
+          <a:lnRef idx="2">
+            <a:schemeClr val="dk1"/>
+          </a:lnRef>
+          <a:fillRef idx="1">
+            <a:schemeClr val="lt1"/>
+          </a:fillRef>
+          <a:effectRef idx="0">
+            <a:schemeClr val="dk1"/>
+          </a:effectRef>
+          <a:fontRef idx="minor">
+            <a:schemeClr val="dk1"/>
+          </a:fontRef>
+        </p:style>
+        <p:txBody>
+          <a:bodyPr rtlCol="0" anchor="ctr"/>
+          <a:lstStyle/>
+          <a:p>
+            <a:pPr algn="ctr"/>
+            <a:r>
+              <a:rPr lang="en-IN" sz="1600" dirty="0" smtClean="0">
+                <a:latin typeface="Calibri" pitchFamily="34" charset="0"/>
+                <a:cs typeface="Calibri" pitchFamily="34" charset="0"/>
+              </a:rPr>
+              <a:t>User</a:t>
+            </a:r>
+            <a:endParaRPr lang="en-US" sz="1600" dirty="0">
+              <a:latin typeface="Calibri" pitchFamily="34" charset="0"/>
+              <a:cs typeface="Calibri" pitchFamily="34" charset="0"/>
+            </a:endParaRPr>
+          </a:p>
+        </p:txBody>
+      </p:sp>
+      <p:sp>
+        <p:nvSpPr>
+          <p:cNvPr id="65" name="Rectangle 64"/>
+          <p:cNvSpPr/>
+          <p:nvPr/>
+        </p:nvSpPr>
+        <p:spPr>
+          <a:xfrm>
+            <a:off x="6553200" y="1752600"/>
+            <a:ext cx="1884218" cy="571500"/>
+          </a:xfrm>
+          <a:prstGeom prst="rect">
+            <a:avLst/>
+          </a:prstGeom>
+        </p:spPr>
+        <p:style>
+          <a:lnRef idx="2">
+            <a:schemeClr val="dk1"/>
+          </a:lnRef>
+          <a:fillRef idx="1">
+            <a:schemeClr val="lt1"/>
+          </a:fillRef>
+          <a:effectRef idx="0">
+            <a:schemeClr val="dk1"/>
+          </a:effectRef>
+          <a:fontRef idx="minor">
+            <a:schemeClr val="dk1"/>
+          </a:fontRef>
+        </p:style>
+        <p:txBody>
+          <a:bodyPr rtlCol="0" anchor="ctr"/>
+          <a:lstStyle/>
+          <a:p>
+            <a:pPr algn="ctr"/>
+            <a:r>
+              <a:rPr lang="en-IN" sz="1600" dirty="0" smtClean="0">
+                <a:latin typeface="Calibri" pitchFamily="34" charset="0"/>
+                <a:cs typeface="Calibri" pitchFamily="34" charset="0"/>
+              </a:rPr>
+              <a:t> </a:t>
+            </a:r>
+            <a:r>
+              <a:rPr lang="en-IN" sz="1600" dirty="0">
+                <a:latin typeface="Calibri" pitchFamily="34" charset="0"/>
+                <a:cs typeface="Calibri" pitchFamily="34" charset="0"/>
+              </a:rPr>
+              <a:t>A</a:t>
+            </a:r>
+            <a:r>
+              <a:rPr lang="en-IN" sz="1600" dirty="0" smtClean="0">
+                <a:latin typeface="Calibri" pitchFamily="34" charset="0"/>
+                <a:cs typeface="Calibri" pitchFamily="34" charset="0"/>
+              </a:rPr>
+              <a:t>uthentication successful?</a:t>
+            </a:r>
+            <a:endParaRPr lang="en-US" sz="1600" dirty="0">
+              <a:latin typeface="Calibri" pitchFamily="34" charset="0"/>
+              <a:cs typeface="Calibri" pitchFamily="34" charset="0"/>
+            </a:endParaRPr>
+          </a:p>
+        </p:txBody>
+      </p:sp>
+      <p:sp>
+        <p:nvSpPr>
+          <p:cNvPr id="66" name="Rectangle 65"/>
+          <p:cNvSpPr/>
+          <p:nvPr/>
+        </p:nvSpPr>
+        <p:spPr>
+          <a:xfrm>
+            <a:off x="6248400" y="2642755"/>
+            <a:ext cx="2275609" cy="824346"/>
+          </a:xfrm>
+          <a:prstGeom prst="rect">
+            <a:avLst/>
+          </a:prstGeom>
+        </p:spPr>
+        <p:style>
+          <a:lnRef idx="2">
+            <a:schemeClr val="dk1"/>
+          </a:lnRef>
+          <a:fillRef idx="1">
+            <a:schemeClr val="lt1"/>
+          </a:fillRef>
+          <a:effectRef idx="0">
+            <a:schemeClr val="dk1"/>
+          </a:effectRef>
+          <a:fontRef idx="minor">
+            <a:schemeClr val="dk1"/>
+          </a:fontRef>
+        </p:style>
+        <p:txBody>
+          <a:bodyPr rtlCol="0" anchor="ctr"/>
+          <a:lstStyle/>
+          <a:p>
+            <a:pPr algn="ctr"/>
+            <a:r>
+              <a:rPr lang="en-IN" sz="1600" dirty="0" smtClean="0">
+                <a:latin typeface="Calibri" pitchFamily="34" charset="0"/>
+                <a:cs typeface="Calibri" pitchFamily="34" charset="0"/>
+              </a:rPr>
+              <a:t>User specifies start and end time, resolution and frame rate(speed)</a:t>
+            </a:r>
+            <a:endParaRPr lang="en-US" sz="1600" dirty="0">
+              <a:latin typeface="Calibri" pitchFamily="34" charset="0"/>
+              <a:cs typeface="Calibri" pitchFamily="34" charset="0"/>
+            </a:endParaRPr>
+          </a:p>
+        </p:txBody>
+      </p:sp>
+      <p:cxnSp>
+        <p:nvCxnSpPr>
+          <p:cNvPr id="67" name="Straight Arrow Connector 66"/>
+          <p:cNvCxnSpPr>
+            <a:stCxn id="64" idx="2"/>
+          </p:cNvCxnSpPr>
+          <p:nvPr/>
+        </p:nvCxnSpPr>
+        <p:spPr>
+          <a:xfrm>
+            <a:off x="7533409" y="1181100"/>
+            <a:ext cx="0" cy="571500"/>
+          </a:xfrm>
+          <a:prstGeom prst="straightConnector1">
+            <a:avLst/>
+          </a:prstGeom>
+          <a:ln>
+            <a:solidFill>
+              <a:schemeClr val="tx1"/>
+            </a:solidFill>
+            <a:tailEnd type="arrow"/>
+          </a:ln>
+        </p:spPr>
+        <p:style>
+          <a:lnRef idx="1">
+            <a:schemeClr val="accent1"/>
+          </a:lnRef>
+          <a:fillRef idx="0">
+            <a:schemeClr val="accent1"/>
+          </a:fillRef>
+          <a:effectRef idx="0">
+            <a:schemeClr val="accent1"/>
+          </a:effectRef>
+          <a:fontRef idx="minor">
+            <a:schemeClr val="tx1"/>
+          </a:fontRef>
+        </p:style>
+      </p:cxnSp>
+      <p:cxnSp>
+        <p:nvCxnSpPr>
+          <p:cNvPr id="68" name="Straight Arrow Connector 67"/>
+          <p:cNvCxnSpPr/>
+          <p:nvPr/>
+        </p:nvCxnSpPr>
+        <p:spPr>
+          <a:xfrm>
+            <a:off x="7568045" y="2324100"/>
+            <a:ext cx="0" cy="304800"/>
+          </a:xfrm>
+          <a:prstGeom prst="straightConnector1">
+            <a:avLst/>
+          </a:prstGeom>
+          <a:ln>
+            <a:solidFill>
+              <a:schemeClr val="tx1"/>
+            </a:solidFill>
+            <a:tailEnd type="arrow"/>
+          </a:ln>
+        </p:spPr>
+        <p:style>
+          <a:lnRef idx="1">
+            <a:schemeClr val="accent1"/>
+          </a:lnRef>
+          <a:fillRef idx="0">
+            <a:schemeClr val="accent1"/>
+          </a:fillRef>
+          <a:effectRef idx="0">
+            <a:schemeClr val="accent1"/>
+          </a:effectRef>
+          <a:fontRef idx="minor">
+            <a:schemeClr val="tx1"/>
+          </a:fontRef>
+        </p:style>
+      </p:cxnSp>
+      <p:sp>
+        <p:nvSpPr>
+          <p:cNvPr id="69" name="TextBox 68"/>
+          <p:cNvSpPr txBox="1"/>
+          <p:nvPr/>
+        </p:nvSpPr>
+        <p:spPr>
+          <a:xfrm>
+            <a:off x="6324600" y="228600"/>
+            <a:ext cx="2227118" cy="338554"/>
+          </a:xfrm>
+          <a:prstGeom prst="rect">
+            <a:avLst/>
+          </a:prstGeom>
+          <a:noFill/>
+        </p:spPr>
+        <p:txBody>
+          <a:bodyPr wrap="square" rtlCol="0">
+            <a:spAutoFit/>
+          </a:bodyPr>
+          <a:lstStyle/>
+          <a:p>
+            <a:r>
+              <a:rPr lang="en-IN" sz="1600" dirty="0" smtClean="0">
+                <a:latin typeface="Calibri" pitchFamily="34" charset="0"/>
+                <a:cs typeface="Calibri" pitchFamily="34" charset="0"/>
+              </a:rPr>
+              <a:t>Retrieving</a:t>
+            </a:r>
+            <a:endParaRPr lang="en-US" sz="1600" dirty="0">
+              <a:latin typeface="Calibri" pitchFamily="34" charset="0"/>
+              <a:cs typeface="Calibri" pitchFamily="34" charset="0"/>
+            </a:endParaRPr>
+          </a:p>
+        </p:txBody>
+      </p:sp>
+      <p:sp>
+        <p:nvSpPr>
+          <p:cNvPr id="70" name="TextBox 69"/>
+          <p:cNvSpPr txBox="1"/>
+          <p:nvPr/>
+        </p:nvSpPr>
+        <p:spPr>
+          <a:xfrm>
+            <a:off x="6019800" y="1167825"/>
+            <a:ext cx="2189018" cy="584775"/>
+          </a:xfrm>
+          <a:prstGeom prst="rect">
+            <a:avLst/>
+          </a:prstGeom>
+          <a:noFill/>
+        </p:spPr>
+        <p:txBody>
+          <a:bodyPr wrap="square" rtlCol="0">
+            <a:spAutoFit/>
+          </a:bodyPr>
+          <a:lstStyle/>
+          <a:p>
+            <a:r>
+              <a:rPr lang="en-IN" sz="1600" dirty="0" smtClean="0">
+                <a:latin typeface="Calibri" pitchFamily="34" charset="0"/>
+                <a:cs typeface="Calibri" pitchFamily="34" charset="0"/>
+              </a:rPr>
+              <a:t>Tries to connect  </a:t>
+            </a:r>
+          </a:p>
+          <a:p>
+            <a:r>
+              <a:rPr lang="en-IN" sz="1600" dirty="0" smtClean="0">
+                <a:latin typeface="Calibri" pitchFamily="34" charset="0"/>
+                <a:cs typeface="Calibri" pitchFamily="34" charset="0"/>
+              </a:rPr>
+              <a:t>to  web server</a:t>
+            </a:r>
+            <a:endParaRPr lang="en-US" sz="1600" dirty="0">
+              <a:latin typeface="Calibri" pitchFamily="34" charset="0"/>
+              <a:cs typeface="Calibri" pitchFamily="34" charset="0"/>
+            </a:endParaRPr>
+          </a:p>
+        </p:txBody>
+      </p:sp>
+      <p:sp>
+        <p:nvSpPr>
+          <p:cNvPr id="71" name="Rectangle 70"/>
+          <p:cNvSpPr/>
+          <p:nvPr/>
+        </p:nvSpPr>
+        <p:spPr>
+          <a:xfrm>
+            <a:off x="6858000" y="3677516"/>
+            <a:ext cx="1669472" cy="507422"/>
+          </a:xfrm>
+          <a:prstGeom prst="rect">
+            <a:avLst/>
+          </a:prstGeom>
+        </p:spPr>
+        <p:style>
+          <a:lnRef idx="2">
+            <a:schemeClr val="dk1"/>
+          </a:lnRef>
+          <a:fillRef idx="1">
+            <a:schemeClr val="lt1"/>
+          </a:fillRef>
+          <a:effectRef idx="0">
+            <a:schemeClr val="dk1"/>
+          </a:effectRef>
+          <a:fontRef idx="minor">
+            <a:schemeClr val="dk1"/>
+          </a:fontRef>
+        </p:style>
+        <p:txBody>
+          <a:bodyPr rtlCol="0" anchor="ctr"/>
+          <a:lstStyle/>
+          <a:p>
+            <a:pPr algn="ctr"/>
+            <a:r>
+              <a:rPr lang="en-IN" sz="1600" dirty="0" smtClean="0">
+                <a:latin typeface="Calibri" pitchFamily="34" charset="0"/>
+                <a:cs typeface="Calibri" pitchFamily="34" charset="0"/>
+              </a:rPr>
+              <a:t>If it is present in cache?</a:t>
+            </a:r>
+            <a:endParaRPr lang="en-US" sz="1600" dirty="0">
+              <a:latin typeface="Calibri" pitchFamily="34" charset="0"/>
+              <a:cs typeface="Calibri" pitchFamily="34" charset="0"/>
+            </a:endParaRPr>
+          </a:p>
+        </p:txBody>
+      </p:sp>
+      <p:cxnSp>
+        <p:nvCxnSpPr>
+          <p:cNvPr id="72" name="Straight Arrow Connector 71"/>
+          <p:cNvCxnSpPr/>
+          <p:nvPr/>
+        </p:nvCxnSpPr>
+        <p:spPr>
+          <a:xfrm flipH="1">
+            <a:off x="7571508" y="3467100"/>
+            <a:ext cx="1" cy="210416"/>
+          </a:xfrm>
+          <a:prstGeom prst="straightConnector1">
+            <a:avLst/>
+          </a:prstGeom>
+          <a:ln>
+            <a:solidFill>
+              <a:schemeClr val="tx1"/>
+            </a:solidFill>
+            <a:tailEnd type="arrow"/>
+          </a:ln>
+        </p:spPr>
+        <p:style>
+          <a:lnRef idx="1">
+            <a:schemeClr val="accent1"/>
+          </a:lnRef>
+          <a:fillRef idx="0">
+            <a:schemeClr val="accent1"/>
+          </a:fillRef>
+          <a:effectRef idx="0">
+            <a:schemeClr val="accent1"/>
+          </a:effectRef>
+          <a:fontRef idx="minor">
+            <a:schemeClr val="tx1"/>
+          </a:fontRef>
+        </p:style>
+      </p:cxnSp>
+      <p:sp>
+        <p:nvSpPr>
+          <p:cNvPr id="73" name="Rectangle 72"/>
+          <p:cNvSpPr/>
+          <p:nvPr/>
+        </p:nvSpPr>
+        <p:spPr>
+          <a:xfrm>
+            <a:off x="4578928" y="3689639"/>
+            <a:ext cx="1669472" cy="763732"/>
+          </a:xfrm>
+          <a:prstGeom prst="rect">
+            <a:avLst/>
+          </a:prstGeom>
+        </p:spPr>
+        <p:style>
+          <a:lnRef idx="2">
+            <a:schemeClr val="dk1"/>
+          </a:lnRef>
+          <a:fillRef idx="1">
+            <a:schemeClr val="lt1"/>
+          </a:fillRef>
+          <a:effectRef idx="0">
+            <a:schemeClr val="dk1"/>
+          </a:effectRef>
+          <a:fontRef idx="minor">
+            <a:schemeClr val="dk1"/>
+          </a:fontRef>
+        </p:style>
+        <p:txBody>
+          <a:bodyPr rtlCol="0" anchor="ctr"/>
+          <a:lstStyle/>
+          <a:p>
+            <a:pPr algn="ctr"/>
+            <a:r>
+              <a:rPr lang="en-IN" sz="1600" dirty="0" smtClean="0">
+                <a:latin typeface="Calibri" pitchFamily="34" charset="0"/>
+                <a:cs typeface="Calibri" pitchFamily="34" charset="0"/>
+              </a:rPr>
+              <a:t>Web server directly streams the animation</a:t>
+            </a:r>
+            <a:endParaRPr lang="en-US" sz="1600" dirty="0">
+              <a:latin typeface="Calibri" pitchFamily="34" charset="0"/>
+              <a:cs typeface="Calibri" pitchFamily="34" charset="0"/>
+            </a:endParaRPr>
+          </a:p>
+        </p:txBody>
+      </p:sp>
+      <p:cxnSp>
+        <p:nvCxnSpPr>
+          <p:cNvPr id="74" name="Straight Arrow Connector 73"/>
+          <p:cNvCxnSpPr>
+            <a:stCxn id="71" idx="1"/>
+          </p:cNvCxnSpPr>
+          <p:nvPr/>
+        </p:nvCxnSpPr>
+        <p:spPr>
+          <a:xfrm flipH="1">
+            <a:off x="6248400" y="3931227"/>
+            <a:ext cx="609600" cy="0"/>
+          </a:xfrm>
+          <a:prstGeom prst="straightConnector1">
+            <a:avLst/>
+          </a:prstGeom>
+          <a:ln>
+            <a:solidFill>
+              <a:schemeClr val="tx1"/>
+            </a:solidFill>
+            <a:tailEnd type="arrow"/>
+          </a:ln>
+        </p:spPr>
+        <p:style>
+          <a:lnRef idx="1">
+            <a:schemeClr val="accent1"/>
+          </a:lnRef>
+          <a:fillRef idx="0">
+            <a:schemeClr val="accent1"/>
+          </a:fillRef>
+          <a:effectRef idx="0">
+            <a:schemeClr val="accent1"/>
+          </a:effectRef>
+          <a:fontRef idx="minor">
+            <a:schemeClr val="tx1"/>
+          </a:fontRef>
+        </p:style>
+      </p:cxnSp>
+      <p:sp>
+        <p:nvSpPr>
+          <p:cNvPr id="75" name="TextBox 74"/>
+          <p:cNvSpPr txBox="1"/>
+          <p:nvPr/>
+        </p:nvSpPr>
+        <p:spPr>
+          <a:xfrm>
+            <a:off x="6289964" y="3547646"/>
+            <a:ext cx="526472" cy="338554"/>
+          </a:xfrm>
+          <a:prstGeom prst="rect">
+            <a:avLst/>
+          </a:prstGeom>
+          <a:noFill/>
+        </p:spPr>
+        <p:txBody>
+          <a:bodyPr wrap="square" rtlCol="0">
+            <a:spAutoFit/>
+          </a:bodyPr>
+          <a:lstStyle/>
+          <a:p>
+            <a:r>
+              <a:rPr lang="en-IN" sz="1600" dirty="0" smtClean="0">
+                <a:latin typeface="Calibri" pitchFamily="34" charset="0"/>
+                <a:cs typeface="Calibri" pitchFamily="34" charset="0"/>
+              </a:rPr>
+              <a:t>Yes</a:t>
+            </a:r>
+          </a:p>
+        </p:txBody>
+      </p:sp>
+      <p:sp>
+        <p:nvSpPr>
+          <p:cNvPr id="76" name="Rectangle 75"/>
+          <p:cNvSpPr/>
+          <p:nvPr/>
+        </p:nvSpPr>
+        <p:spPr>
+          <a:xfrm>
+            <a:off x="6629400" y="4486258"/>
+            <a:ext cx="1918855" cy="619142"/>
+          </a:xfrm>
+          <a:prstGeom prst="rect">
+            <a:avLst/>
+          </a:prstGeom>
+        </p:spPr>
+        <p:style>
+          <a:lnRef idx="2">
+            <a:schemeClr val="dk1"/>
+          </a:lnRef>
+          <a:fillRef idx="1">
+            <a:schemeClr val="lt1"/>
+          </a:fillRef>
+          <a:effectRef idx="0">
+            <a:schemeClr val="dk1"/>
+          </a:effectRef>
+          <a:fontRef idx="minor">
+            <a:schemeClr val="dk1"/>
+          </a:fontRef>
+        </p:style>
+        <p:txBody>
+          <a:bodyPr rtlCol="0" anchor="ctr"/>
+          <a:lstStyle/>
+          <a:p>
+            <a:pPr algn="ctr"/>
+            <a:r>
+              <a:rPr lang="en-IN" sz="1600" dirty="0" smtClean="0">
+                <a:latin typeface="Calibri" pitchFamily="34" charset="0"/>
+                <a:cs typeface="Calibri" pitchFamily="34" charset="0"/>
+              </a:rPr>
+              <a:t>Web server calls the transcode workers</a:t>
+            </a:r>
+            <a:endParaRPr lang="en-US" sz="1600" dirty="0">
+              <a:latin typeface="Calibri" pitchFamily="34" charset="0"/>
+              <a:cs typeface="Calibri" pitchFamily="34" charset="0"/>
+            </a:endParaRPr>
+          </a:p>
+        </p:txBody>
+      </p:sp>
+      <p:cxnSp>
+        <p:nvCxnSpPr>
+          <p:cNvPr id="77" name="Straight Arrow Connector 76"/>
+          <p:cNvCxnSpPr/>
+          <p:nvPr/>
+        </p:nvCxnSpPr>
+        <p:spPr>
+          <a:xfrm>
+            <a:off x="7568046" y="4184938"/>
+            <a:ext cx="3463" cy="301320"/>
+          </a:xfrm>
+          <a:prstGeom prst="straightConnector1">
+            <a:avLst/>
+          </a:prstGeom>
+          <a:ln>
+            <a:solidFill>
+              <a:schemeClr val="tx1"/>
+            </a:solidFill>
+            <a:tailEnd type="arrow"/>
+          </a:ln>
+        </p:spPr>
+        <p:style>
+          <a:lnRef idx="1">
+            <a:schemeClr val="accent1"/>
+          </a:lnRef>
+          <a:fillRef idx="0">
+            <a:schemeClr val="accent1"/>
+          </a:fillRef>
+          <a:effectRef idx="0">
+            <a:schemeClr val="accent1"/>
+          </a:effectRef>
+          <a:fontRef idx="minor">
+            <a:schemeClr val="tx1"/>
+          </a:fontRef>
+        </p:style>
+      </p:cxnSp>
+      <p:sp>
+        <p:nvSpPr>
+          <p:cNvPr id="78" name="TextBox 77"/>
+          <p:cNvSpPr txBox="1"/>
+          <p:nvPr/>
+        </p:nvSpPr>
+        <p:spPr>
+          <a:xfrm>
+            <a:off x="7682346" y="4184938"/>
+            <a:ext cx="526472" cy="338554"/>
+          </a:xfrm>
+          <a:prstGeom prst="rect">
+            <a:avLst/>
+          </a:prstGeom>
+          <a:noFill/>
+        </p:spPr>
+        <p:txBody>
+          <a:bodyPr wrap="square" rtlCol="0">
+            <a:spAutoFit/>
+          </a:bodyPr>
+          <a:lstStyle/>
+          <a:p>
+            <a:r>
+              <a:rPr lang="en-IN" sz="1600" dirty="0" smtClean="0">
+                <a:latin typeface="Calibri" pitchFamily="34" charset="0"/>
+                <a:cs typeface="Calibri" pitchFamily="34" charset="0"/>
+              </a:rPr>
+              <a:t>No</a:t>
+            </a:r>
+          </a:p>
+        </p:txBody>
+      </p:sp>
+      <p:cxnSp>
+        <p:nvCxnSpPr>
+          <p:cNvPr id="79" name="Straight Arrow Connector 78"/>
+          <p:cNvCxnSpPr/>
+          <p:nvPr/>
+        </p:nvCxnSpPr>
+        <p:spPr>
+          <a:xfrm>
+            <a:off x="7533409" y="5104525"/>
+            <a:ext cx="3463" cy="301320"/>
+          </a:xfrm>
+          <a:prstGeom prst="straightConnector1">
+            <a:avLst/>
+          </a:prstGeom>
+          <a:ln>
+            <a:solidFill>
+              <a:schemeClr val="tx1"/>
+            </a:solidFill>
+            <a:tailEnd type="arrow"/>
+          </a:ln>
+        </p:spPr>
+        <p:style>
+          <a:lnRef idx="1">
+            <a:schemeClr val="accent1"/>
+          </a:lnRef>
+          <a:fillRef idx="0">
+            <a:schemeClr val="accent1"/>
+          </a:fillRef>
+          <a:effectRef idx="0">
+            <a:schemeClr val="accent1"/>
+          </a:effectRef>
+          <a:fontRef idx="minor">
+            <a:schemeClr val="tx1"/>
+          </a:fontRef>
+        </p:style>
+      </p:cxnSp>
+      <p:sp>
+        <p:nvSpPr>
+          <p:cNvPr id="80" name="Rectangle 79"/>
+          <p:cNvSpPr/>
+          <p:nvPr/>
+        </p:nvSpPr>
+        <p:spPr>
+          <a:xfrm>
+            <a:off x="6632863" y="5394562"/>
+            <a:ext cx="1918855" cy="701437"/>
+          </a:xfrm>
+          <a:prstGeom prst="rect">
+            <a:avLst/>
+          </a:prstGeom>
+        </p:spPr>
+        <p:style>
+          <a:lnRef idx="2">
+            <a:schemeClr val="dk1"/>
+          </a:lnRef>
+          <a:fillRef idx="1">
+            <a:schemeClr val="lt1"/>
+          </a:fillRef>
+          <a:effectRef idx="0">
+            <a:schemeClr val="dk1"/>
+          </a:effectRef>
+          <a:fontRef idx="minor">
+            <a:schemeClr val="dk1"/>
+          </a:fontRef>
+        </p:style>
+        <p:txBody>
+          <a:bodyPr rtlCol="0" anchor="ctr"/>
+          <a:lstStyle/>
+          <a:p>
+            <a:pPr algn="ctr"/>
+            <a:r>
+              <a:rPr lang="en-IN" sz="1600" dirty="0" smtClean="0">
+                <a:latin typeface="Calibri" pitchFamily="34" charset="0"/>
+                <a:cs typeface="Calibri" pitchFamily="34" charset="0"/>
+              </a:rPr>
+              <a:t>The frame no. is found for specified  start and end time </a:t>
+            </a:r>
+            <a:endParaRPr lang="en-US" sz="1600" dirty="0">
+              <a:latin typeface="Calibri" pitchFamily="34" charset="0"/>
+              <a:cs typeface="Calibri" pitchFamily="34" charset="0"/>
+            </a:endParaRPr>
+          </a:p>
+        </p:txBody>
+      </p:sp>
+      <p:sp>
+        <p:nvSpPr>
+          <p:cNvPr id="81" name="Rectangle 80"/>
+          <p:cNvSpPr/>
+          <p:nvPr/>
+        </p:nvSpPr>
+        <p:spPr>
+          <a:xfrm>
+            <a:off x="4371109" y="5105400"/>
+            <a:ext cx="1918855" cy="1447800"/>
+          </a:xfrm>
+          <a:prstGeom prst="rect">
+            <a:avLst/>
+          </a:prstGeom>
+        </p:spPr>
+        <p:style>
+          <a:lnRef idx="2">
+            <a:schemeClr val="dk1"/>
+          </a:lnRef>
+          <a:fillRef idx="1">
+            <a:schemeClr val="lt1"/>
+          </a:fillRef>
+          <a:effectRef idx="0">
+            <a:schemeClr val="dk1"/>
+          </a:effectRef>
+          <a:fontRef idx="minor">
+            <a:schemeClr val="dk1"/>
+          </a:fontRef>
+        </p:style>
+        <p:txBody>
+          <a:bodyPr rtlCol="0" anchor="ctr"/>
+          <a:lstStyle/>
+          <a:p>
+            <a:pPr algn="ctr"/>
+            <a:r>
+              <a:rPr lang="en-IN" sz="1600" dirty="0" smtClean="0">
+                <a:latin typeface="Calibri" pitchFamily="34" charset="0"/>
+                <a:cs typeface="Calibri" pitchFamily="34" charset="0"/>
+              </a:rPr>
+              <a:t>Frames  are extracted from multi-resolution stream file(.</a:t>
+            </a:r>
+            <a:r>
+              <a:rPr lang="en-IN" sz="1600" dirty="0" err="1" smtClean="0">
+                <a:latin typeface="Calibri" pitchFamily="34" charset="0"/>
+                <a:cs typeface="Calibri" pitchFamily="34" charset="0"/>
+              </a:rPr>
+              <a:t>mov</a:t>
+            </a:r>
+            <a:r>
+              <a:rPr lang="en-IN" sz="1600" dirty="0" smtClean="0">
+                <a:latin typeface="Calibri" pitchFamily="34" charset="0"/>
+                <a:cs typeface="Calibri" pitchFamily="34" charset="0"/>
+              </a:rPr>
+              <a:t>) according to resolution</a:t>
+            </a:r>
+            <a:endParaRPr lang="en-US" sz="1600" dirty="0">
+              <a:latin typeface="Calibri" pitchFamily="34" charset="0"/>
+              <a:cs typeface="Calibri" pitchFamily="34" charset="0"/>
+            </a:endParaRPr>
+          </a:p>
+        </p:txBody>
+      </p:sp>
+      <p:sp>
+        <p:nvSpPr>
+          <p:cNvPr id="82" name="Rectangle 81"/>
+          <p:cNvSpPr/>
+          <p:nvPr/>
+        </p:nvSpPr>
+        <p:spPr>
+          <a:xfrm>
+            <a:off x="1790700" y="5262734"/>
+            <a:ext cx="2185555" cy="965091"/>
+          </a:xfrm>
+          <a:prstGeom prst="rect">
+            <a:avLst/>
+          </a:prstGeom>
+        </p:spPr>
+        <p:style>
+          <a:lnRef idx="2">
+            <a:schemeClr val="dk1"/>
+          </a:lnRef>
+          <a:fillRef idx="1">
+            <a:schemeClr val="lt1"/>
+          </a:fillRef>
+          <a:effectRef idx="0">
+            <a:schemeClr val="dk1"/>
+          </a:effectRef>
+          <a:fontRef idx="minor">
+            <a:schemeClr val="dk1"/>
+          </a:fontRef>
+        </p:style>
+        <p:txBody>
+          <a:bodyPr rtlCol="0" anchor="ctr"/>
+          <a:lstStyle/>
+          <a:p>
+            <a:pPr algn="ctr"/>
+            <a:r>
+              <a:rPr lang="en-IN" sz="1600" dirty="0" smtClean="0">
+                <a:latin typeface="Calibri" pitchFamily="34" charset="0"/>
+                <a:cs typeface="Calibri" pitchFamily="34" charset="0"/>
+              </a:rPr>
+              <a:t>Transcode the frames with required frame rate and stream the animation</a:t>
+            </a:r>
+            <a:endParaRPr lang="en-US" sz="1600" dirty="0">
+              <a:latin typeface="Calibri" pitchFamily="34" charset="0"/>
+              <a:cs typeface="Calibri" pitchFamily="34" charset="0"/>
+            </a:endParaRPr>
+          </a:p>
+        </p:txBody>
+      </p:sp>
+      <p:cxnSp>
+        <p:nvCxnSpPr>
+          <p:cNvPr id="83" name="Straight Arrow Connector 82"/>
+          <p:cNvCxnSpPr/>
+          <p:nvPr/>
+        </p:nvCxnSpPr>
+        <p:spPr>
+          <a:xfrm flipH="1">
+            <a:off x="6289964" y="5745279"/>
+            <a:ext cx="339436" cy="0"/>
+          </a:xfrm>
+          <a:prstGeom prst="straightConnector1">
+            <a:avLst/>
+          </a:prstGeom>
+          <a:ln>
+            <a:solidFill>
+              <a:schemeClr val="tx1"/>
+            </a:solidFill>
+            <a:tailEnd type="arrow"/>
+          </a:ln>
+        </p:spPr>
+        <p:style>
+          <a:lnRef idx="1">
+            <a:schemeClr val="accent1"/>
+          </a:lnRef>
+          <a:fillRef idx="0">
+            <a:schemeClr val="accent1"/>
+          </a:fillRef>
+          <a:effectRef idx="0">
+            <a:schemeClr val="accent1"/>
+          </a:effectRef>
+          <a:fontRef idx="minor">
+            <a:schemeClr val="tx1"/>
+          </a:fontRef>
+        </p:style>
+      </p:cxnSp>
+      <p:cxnSp>
+        <p:nvCxnSpPr>
+          <p:cNvPr id="84" name="Straight Arrow Connector 83"/>
+          <p:cNvCxnSpPr>
+            <a:endCxn id="82" idx="3"/>
+          </p:cNvCxnSpPr>
+          <p:nvPr/>
+        </p:nvCxnSpPr>
+        <p:spPr>
+          <a:xfrm flipH="1">
+            <a:off x="3976255" y="5745280"/>
+            <a:ext cx="394854" cy="0"/>
+          </a:xfrm>
+          <a:prstGeom prst="straightConnector1">
+            <a:avLst/>
+          </a:prstGeom>
+          <a:ln>
+            <a:solidFill>
+              <a:schemeClr val="tx1"/>
+            </a:solidFill>
+            <a:tailEnd type="arrow"/>
+          </a:ln>
+        </p:spPr>
+        <p:style>
+          <a:lnRef idx="1">
+            <a:schemeClr val="accent1"/>
+          </a:lnRef>
+          <a:fillRef idx="0">
+            <a:schemeClr val="accent1"/>
+          </a:fillRef>
+          <a:effectRef idx="0">
+            <a:schemeClr val="accent1"/>
+          </a:effectRef>
+          <a:fontRef idx="minor">
+            <a:schemeClr val="tx1"/>
+          </a:fontRef>
+        </p:style>
+      </p:cxnSp>
+      <p:sp>
+        <p:nvSpPr>
+          <p:cNvPr id="85" name="TextBox 84"/>
+          <p:cNvSpPr txBox="1"/>
+          <p:nvPr/>
+        </p:nvSpPr>
+        <p:spPr>
+          <a:xfrm>
+            <a:off x="7706591" y="2324100"/>
+            <a:ext cx="526472" cy="338554"/>
+          </a:xfrm>
+          <a:prstGeom prst="rect">
+            <a:avLst/>
+          </a:prstGeom>
+          <a:noFill/>
+        </p:spPr>
+        <p:txBody>
+          <a:bodyPr wrap="square" rtlCol="0">
+            <a:spAutoFit/>
+          </a:bodyPr>
+          <a:lstStyle/>
+          <a:p>
+            <a:r>
+              <a:rPr lang="en-IN" sz="1600" dirty="0" smtClean="0">
+                <a:latin typeface="Calibri" pitchFamily="34" charset="0"/>
+                <a:cs typeface="Calibri" pitchFamily="34" charset="0"/>
+              </a:rPr>
+              <a:t>Yes</a:t>
+            </a:r>
+          </a:p>
+        </p:txBody>
+      </p:sp>
+    </p:spTree>
+    <p:extLst>
+      <p:ext uri="{BB962C8B-B14F-4D97-AF65-F5344CB8AC3E}">
+        <p14:creationId xmlns:p14="http://schemas.microsoft.com/office/powerpoint/2010/main" val="1183653688"/>
+      </p:ext>
+    </p:extLst>
+  </p:cSld>
+  <p:clrMapOvr>
+    <a:masterClrMapping/>
+  </p:clrMapOvr>
 </p:sld>
 </file>
 
@@ -3029,5 +4317,7 @@
       </a:bgFillStyleLst>
     </a:fmtScheme>
   </a:themeElements>
+  <a:objectDefaults/>
+  <a:extraClrSchemeLst/>
 </a:theme>
 </file>